--- a/教案/WPF.pptx
+++ b/教案/WPF.pptx
@@ -10,40 +10,43 @@
     <p:sldId id="257" r:id="rId4"/>
     <p:sldId id="258" r:id="rId5"/>
     <p:sldId id="261" r:id="rId6"/>
-    <p:sldId id="259" r:id="rId7"/>
-    <p:sldId id="262" r:id="rId8"/>
-    <p:sldId id="263" r:id="rId9"/>
-    <p:sldId id="264" r:id="rId10"/>
-    <p:sldId id="265" r:id="rId11"/>
-    <p:sldId id="267" r:id="rId12"/>
-    <p:sldId id="269" r:id="rId13"/>
-    <p:sldId id="266" r:id="rId14"/>
-    <p:sldId id="268" r:id="rId15"/>
-    <p:sldId id="270" r:id="rId16"/>
-    <p:sldId id="271" r:id="rId17"/>
-    <p:sldId id="272" r:id="rId18"/>
-    <p:sldId id="273" r:id="rId19"/>
-    <p:sldId id="274" r:id="rId20"/>
-    <p:sldId id="275" r:id="rId21"/>
-    <p:sldId id="276" r:id="rId22"/>
-    <p:sldId id="277" r:id="rId23"/>
-    <p:sldId id="278" r:id="rId24"/>
-    <p:sldId id="281" r:id="rId25"/>
-    <p:sldId id="279" r:id="rId26"/>
-    <p:sldId id="282" r:id="rId27"/>
-    <p:sldId id="283" r:id="rId28"/>
-    <p:sldId id="284" r:id="rId29"/>
-    <p:sldId id="286" r:id="rId30"/>
-    <p:sldId id="285" r:id="rId31"/>
-    <p:sldId id="287" r:id="rId32"/>
-    <p:sldId id="288" r:id="rId33"/>
-    <p:sldId id="289" r:id="rId34"/>
-    <p:sldId id="290" r:id="rId35"/>
-    <p:sldId id="291" r:id="rId36"/>
-    <p:sldId id="292" r:id="rId37"/>
-    <p:sldId id="293" r:id="rId38"/>
-    <p:sldId id="294" r:id="rId39"/>
-    <p:sldId id="295" r:id="rId40"/>
+    <p:sldId id="296" r:id="rId7"/>
+    <p:sldId id="297" r:id="rId8"/>
+    <p:sldId id="259" r:id="rId9"/>
+    <p:sldId id="262" r:id="rId10"/>
+    <p:sldId id="263" r:id="rId11"/>
+    <p:sldId id="264" r:id="rId12"/>
+    <p:sldId id="265" r:id="rId13"/>
+    <p:sldId id="267" r:id="rId14"/>
+    <p:sldId id="269" r:id="rId15"/>
+    <p:sldId id="266" r:id="rId16"/>
+    <p:sldId id="298" r:id="rId17"/>
+    <p:sldId id="268" r:id="rId18"/>
+    <p:sldId id="270" r:id="rId19"/>
+    <p:sldId id="271" r:id="rId20"/>
+    <p:sldId id="272" r:id="rId21"/>
+    <p:sldId id="273" r:id="rId22"/>
+    <p:sldId id="274" r:id="rId23"/>
+    <p:sldId id="275" r:id="rId24"/>
+    <p:sldId id="276" r:id="rId25"/>
+    <p:sldId id="277" r:id="rId26"/>
+    <p:sldId id="278" r:id="rId27"/>
+    <p:sldId id="281" r:id="rId28"/>
+    <p:sldId id="279" r:id="rId29"/>
+    <p:sldId id="282" r:id="rId30"/>
+    <p:sldId id="283" r:id="rId31"/>
+    <p:sldId id="284" r:id="rId32"/>
+    <p:sldId id="286" r:id="rId33"/>
+    <p:sldId id="285" r:id="rId34"/>
+    <p:sldId id="287" r:id="rId35"/>
+    <p:sldId id="288" r:id="rId36"/>
+    <p:sldId id="289" r:id="rId37"/>
+    <p:sldId id="290" r:id="rId38"/>
+    <p:sldId id="291" r:id="rId39"/>
+    <p:sldId id="292" r:id="rId40"/>
+    <p:sldId id="293" r:id="rId41"/>
+    <p:sldId id="294" r:id="rId42"/>
+    <p:sldId id="295" r:id="rId43"/>
   </p:sldIdLst>
   <p:sldSz cx="9144000" cy="6858000" type="screen4x3"/>
   <p:notesSz cx="6858000" cy="9144000"/>
@@ -194,7 +197,7 @@
           </a:lstStyle>
           <a:p>
             <a:r>
-              <a:rPr lang="zh-CN" altLang="en-US" smtClean="0"/>
+              <a:rPr lang="zh-CN" altLang="en-US"/>
               <a:t>单击此处编辑母版标题样式</a:t>
             </a:r>
             <a:endParaRPr lang="en-US" dirty="0"/>
@@ -314,7 +317,7 @@
           </a:lstStyle>
           <a:p>
             <a:r>
-              <a:rPr lang="zh-CN" altLang="en-US" smtClean="0"/>
+              <a:rPr lang="zh-CN" altLang="en-US"/>
               <a:t>单击此处编辑母版副标题样式</a:t>
             </a:r>
             <a:endParaRPr lang="en-US" dirty="0"/>
@@ -339,7 +342,7 @@
             <a:fld id="{B61BEF0D-F0BB-DE4B-95CE-6DB70DBA9567}" type="datetimeFigureOut">
               <a:rPr lang="en-US" smtClean="0"/>
               <a:pPr/>
-              <a:t>11/24/2015</a:t>
+              <a:t>12/3/2020</a:t>
             </a:fld>
             <a:endParaRPr lang="en-US" dirty="0"/>
           </a:p>
@@ -526,7 +529,7 @@
           </a:lstStyle>
           <a:p>
             <a:r>
-              <a:rPr lang="zh-CN" altLang="en-US" smtClean="0"/>
+              <a:rPr lang="zh-CN" altLang="en-US"/>
               <a:t>单击此处编辑母版标题样式</a:t>
             </a:r>
             <a:endParaRPr lang="en-US" dirty="0"/>
@@ -649,7 +652,7 @@
           <a:p>
             <a:pPr lvl="0"/>
             <a:r>
-              <a:rPr lang="zh-CN" altLang="en-US" smtClean="0"/>
+              <a:rPr lang="zh-CN" altLang="en-US"/>
               <a:t>单击此处编辑母版文本样式</a:t>
             </a:r>
           </a:p>
@@ -673,7 +676,7 @@
             <a:fld id="{B61BEF0D-F0BB-DE4B-95CE-6DB70DBA9567}" type="datetimeFigureOut">
               <a:rPr lang="en-US" smtClean="0"/>
               <a:pPr/>
-              <a:t>11/24/2015</a:t>
+              <a:t>12/3/2020</a:t>
             </a:fld>
             <a:endParaRPr lang="en-US" dirty="0"/>
           </a:p>
@@ -864,7 +867,7 @@
           </a:lstStyle>
           <a:p>
             <a:r>
-              <a:rPr lang="zh-CN" altLang="en-US" smtClean="0"/>
+              <a:rPr lang="zh-CN" altLang="en-US"/>
               <a:t>单击此处编辑母版标题样式</a:t>
             </a:r>
             <a:endParaRPr lang="en-US" dirty="0"/>
@@ -928,7 +931,7 @@
           <a:p>
             <a:pPr lvl="0"/>
             <a:r>
-              <a:rPr lang="zh-CN" altLang="en-US" smtClean="0"/>
+              <a:rPr lang="zh-CN" altLang="en-US"/>
               <a:t>单击此处编辑母版文本样式</a:t>
             </a:r>
           </a:p>
@@ -1050,7 +1053,7 @@
           <a:p>
             <a:pPr lvl="0"/>
             <a:r>
-              <a:rPr lang="zh-CN" altLang="en-US" smtClean="0"/>
+              <a:rPr lang="zh-CN" altLang="en-US"/>
               <a:t>单击此处编辑母版文本样式</a:t>
             </a:r>
           </a:p>
@@ -1074,7 +1077,7 @@
             <a:fld id="{B61BEF0D-F0BB-DE4B-95CE-6DB70DBA9567}" type="datetimeFigureOut">
               <a:rPr lang="en-US" smtClean="0"/>
               <a:pPr/>
-              <a:t>11/24/2015</a:t>
+              <a:t>12/3/2020</a:t>
             </a:fld>
             <a:endParaRPr lang="en-US" dirty="0"/>
           </a:p>
@@ -1341,7 +1344,7 @@
           </a:lstStyle>
           <a:p>
             <a:r>
-              <a:rPr lang="zh-CN" altLang="en-US" smtClean="0"/>
+              <a:rPr lang="zh-CN" altLang="en-US"/>
               <a:t>单击此处编辑母版标题样式</a:t>
             </a:r>
             <a:endParaRPr lang="en-US" dirty="0"/>
@@ -1386,7 +1389,7 @@
               <a:buNone/>
             </a:pPr>
             <a:r>
-              <a:rPr lang="zh-CN" altLang="en-US" smtClean="0"/>
+              <a:rPr lang="zh-CN" altLang="en-US"/>
               <a:t>单击此处编辑母版文本样式</a:t>
             </a:r>
           </a:p>
@@ -1410,7 +1413,7 @@
             <a:fld id="{B61BEF0D-F0BB-DE4B-95CE-6DB70DBA9567}" type="datetimeFigureOut">
               <a:rPr lang="en-US" smtClean="0"/>
               <a:pPr/>
-              <a:t>11/24/2015</a:t>
+              <a:t>12/3/2020</a:t>
             </a:fld>
             <a:endParaRPr lang="en-US" dirty="0"/>
           </a:p>
@@ -1601,7 +1604,7 @@
           </a:lstStyle>
           <a:p>
             <a:r>
-              <a:rPr lang="zh-CN" altLang="en-US" smtClean="0"/>
+              <a:rPr lang="zh-CN" altLang="en-US"/>
               <a:t>单击此处编辑母版标题样式</a:t>
             </a:r>
             <a:endParaRPr lang="en-US" dirty="0"/>
@@ -1662,7 +1665,7 @@
           <a:p>
             <a:pPr lvl="0"/>
             <a:r>
-              <a:rPr lang="zh-CN" altLang="en-US" smtClean="0"/>
+              <a:rPr lang="zh-CN" altLang="en-US"/>
               <a:t>单击此处编辑母版文本样式</a:t>
             </a:r>
           </a:p>
@@ -1706,7 +1709,7 @@
               <a:buNone/>
             </a:pPr>
             <a:r>
-              <a:rPr lang="zh-CN" altLang="en-US" smtClean="0"/>
+              <a:rPr lang="zh-CN" altLang="en-US"/>
               <a:t>单击此处编辑母版文本样式</a:t>
             </a:r>
           </a:p>
@@ -1730,7 +1733,7 @@
             <a:fld id="{B61BEF0D-F0BB-DE4B-95CE-6DB70DBA9567}" type="datetimeFigureOut">
               <a:rPr lang="en-US" smtClean="0"/>
               <a:pPr/>
-              <a:t>11/24/2015</a:t>
+              <a:t>12/3/2020</a:t>
             </a:fld>
             <a:endParaRPr lang="en-US" dirty="0"/>
           </a:p>
@@ -1997,7 +2000,7 @@
           </a:lstStyle>
           <a:p>
             <a:r>
-              <a:rPr lang="zh-CN" altLang="en-US" smtClean="0"/>
+              <a:rPr lang="zh-CN" altLang="en-US"/>
               <a:t>单击此处编辑母版标题样式</a:t>
             </a:r>
             <a:endParaRPr lang="en-US" dirty="0"/>
@@ -2058,7 +2061,7 @@
           <a:p>
             <a:pPr lvl="0"/>
             <a:r>
-              <a:rPr lang="zh-CN" altLang="en-US" smtClean="0"/>
+              <a:rPr lang="zh-CN" altLang="en-US"/>
               <a:t>单击此处编辑母版文本样式</a:t>
             </a:r>
           </a:p>
@@ -2102,7 +2105,7 @@
               <a:buNone/>
             </a:pPr>
             <a:r>
-              <a:rPr lang="zh-CN" altLang="en-US" smtClean="0"/>
+              <a:rPr lang="zh-CN" altLang="en-US"/>
               <a:t>单击此处编辑母版文本样式</a:t>
             </a:r>
           </a:p>
@@ -2126,7 +2129,7 @@
             <a:fld id="{B61BEF0D-F0BB-DE4B-95CE-6DB70DBA9567}" type="datetimeFigureOut">
               <a:rPr lang="en-US" smtClean="0"/>
               <a:pPr/>
-              <a:t>11/24/2015</a:t>
+              <a:t>12/3/2020</a:t>
             </a:fld>
             <a:endParaRPr lang="en-US" dirty="0"/>
           </a:p>
@@ -2306,7 +2309,7 @@
           <a:lstStyle/>
           <a:p>
             <a:r>
-              <a:rPr lang="zh-CN" altLang="en-US" smtClean="0"/>
+              <a:rPr lang="zh-CN" altLang="en-US"/>
               <a:t>单击此处编辑母版标题样式</a:t>
             </a:r>
             <a:endParaRPr lang="en-US" dirty="0"/>
@@ -2330,35 +2333,35 @@
           <a:p>
             <a:pPr lvl="0"/>
             <a:r>
-              <a:rPr lang="zh-CN" altLang="en-US" smtClean="0"/>
+              <a:rPr lang="zh-CN" altLang="en-US"/>
               <a:t>单击此处编辑母版文本样式</a:t>
             </a:r>
           </a:p>
           <a:p>
             <a:pPr lvl="1"/>
             <a:r>
-              <a:rPr lang="zh-CN" altLang="en-US" smtClean="0"/>
+              <a:rPr lang="zh-CN" altLang="en-US"/>
               <a:t>第二级</a:t>
             </a:r>
           </a:p>
           <a:p>
             <a:pPr lvl="2"/>
             <a:r>
-              <a:rPr lang="zh-CN" altLang="en-US" smtClean="0"/>
+              <a:rPr lang="zh-CN" altLang="en-US"/>
               <a:t>第三级</a:t>
             </a:r>
           </a:p>
           <a:p>
             <a:pPr lvl="3"/>
             <a:r>
-              <a:rPr lang="zh-CN" altLang="en-US" smtClean="0"/>
+              <a:rPr lang="zh-CN" altLang="en-US"/>
               <a:t>第四级</a:t>
             </a:r>
           </a:p>
           <a:p>
             <a:pPr lvl="4"/>
             <a:r>
-              <a:rPr lang="zh-CN" altLang="en-US" smtClean="0"/>
+              <a:rPr lang="zh-CN" altLang="en-US"/>
               <a:t>第五级</a:t>
             </a:r>
             <a:endParaRPr lang="en-US" dirty="0"/>
@@ -2383,7 +2386,7 @@
             <a:fld id="{B61BEF0D-F0BB-DE4B-95CE-6DB70DBA9567}" type="datetimeFigureOut">
               <a:rPr lang="en-US" smtClean="0"/>
               <a:pPr/>
-              <a:t>11/24/2015</a:t>
+              <a:t>12/3/2020</a:t>
             </a:fld>
             <a:endParaRPr lang="en-US" dirty="0"/>
           </a:p>
@@ -2563,7 +2566,7 @@
           <a:lstStyle/>
           <a:p>
             <a:r>
-              <a:rPr lang="zh-CN" altLang="en-US" smtClean="0"/>
+              <a:rPr lang="zh-CN" altLang="en-US"/>
               <a:t>单击此处编辑母版标题样式</a:t>
             </a:r>
             <a:endParaRPr lang="en-US" dirty="0"/>
@@ -2592,35 +2595,35 @@
           <a:p>
             <a:pPr lvl="0"/>
             <a:r>
-              <a:rPr lang="zh-CN" altLang="en-US" smtClean="0"/>
+              <a:rPr lang="zh-CN" altLang="en-US"/>
               <a:t>单击此处编辑母版文本样式</a:t>
             </a:r>
           </a:p>
           <a:p>
             <a:pPr lvl="1"/>
             <a:r>
-              <a:rPr lang="zh-CN" altLang="en-US" smtClean="0"/>
+              <a:rPr lang="zh-CN" altLang="en-US"/>
               <a:t>第二级</a:t>
             </a:r>
           </a:p>
           <a:p>
             <a:pPr lvl="2"/>
             <a:r>
-              <a:rPr lang="zh-CN" altLang="en-US" smtClean="0"/>
+              <a:rPr lang="zh-CN" altLang="en-US"/>
               <a:t>第三级</a:t>
             </a:r>
           </a:p>
           <a:p>
             <a:pPr lvl="3"/>
             <a:r>
-              <a:rPr lang="zh-CN" altLang="en-US" smtClean="0"/>
+              <a:rPr lang="zh-CN" altLang="en-US"/>
               <a:t>第四级</a:t>
             </a:r>
           </a:p>
           <a:p>
             <a:pPr lvl="4"/>
             <a:r>
-              <a:rPr lang="zh-CN" altLang="en-US" smtClean="0"/>
+              <a:rPr lang="zh-CN" altLang="en-US"/>
               <a:t>第五级</a:t>
             </a:r>
             <a:endParaRPr lang="en-US" dirty="0"/>
@@ -2645,7 +2648,7 @@
             <a:fld id="{B61BEF0D-F0BB-DE4B-95CE-6DB70DBA9567}" type="datetimeFigureOut">
               <a:rPr lang="en-US" smtClean="0"/>
               <a:pPr/>
-              <a:t>11/24/2015</a:t>
+              <a:t>12/3/2020</a:t>
             </a:fld>
             <a:endParaRPr lang="en-US" dirty="0"/>
           </a:p>
@@ -2829,7 +2832,7 @@
           </a:lstStyle>
           <a:p>
             <a:r>
-              <a:rPr lang="zh-CN" altLang="en-US" smtClean="0"/>
+              <a:rPr lang="zh-CN" altLang="en-US"/>
               <a:t>单击此处编辑母版标题样式</a:t>
             </a:r>
             <a:endParaRPr lang="en-US" dirty="0"/>
@@ -2889,35 +2892,35 @@
           <a:p>
             <a:pPr lvl="0"/>
             <a:r>
-              <a:rPr lang="zh-CN" altLang="en-US" smtClean="0"/>
+              <a:rPr lang="zh-CN" altLang="en-US"/>
               <a:t>单击此处编辑母版文本样式</a:t>
             </a:r>
           </a:p>
           <a:p>
             <a:pPr lvl="1"/>
             <a:r>
-              <a:rPr lang="zh-CN" altLang="en-US" smtClean="0"/>
+              <a:rPr lang="zh-CN" altLang="en-US"/>
               <a:t>第二级</a:t>
             </a:r>
           </a:p>
           <a:p>
             <a:pPr lvl="2"/>
             <a:r>
-              <a:rPr lang="zh-CN" altLang="en-US" smtClean="0"/>
+              <a:rPr lang="zh-CN" altLang="en-US"/>
               <a:t>第三级</a:t>
             </a:r>
           </a:p>
           <a:p>
             <a:pPr lvl="3"/>
             <a:r>
-              <a:rPr lang="zh-CN" altLang="en-US" smtClean="0"/>
+              <a:rPr lang="zh-CN" altLang="en-US"/>
               <a:t>第四级</a:t>
             </a:r>
           </a:p>
           <a:p>
             <a:pPr lvl="4"/>
             <a:r>
-              <a:rPr lang="zh-CN" altLang="en-US" smtClean="0"/>
+              <a:rPr lang="zh-CN" altLang="en-US"/>
               <a:t>第五级</a:t>
             </a:r>
             <a:endParaRPr lang="en-US" dirty="0"/>
@@ -2942,7 +2945,7 @@
             <a:fld id="{B61BEF0D-F0BB-DE4B-95CE-6DB70DBA9567}" type="datetimeFigureOut">
               <a:rPr lang="en-US" smtClean="0"/>
               <a:pPr/>
-              <a:t>11/24/2015</a:t>
+              <a:t>12/3/2020</a:t>
             </a:fld>
             <a:endParaRPr lang="en-US" dirty="0"/>
           </a:p>
@@ -3126,7 +3129,7 @@
           </a:lstStyle>
           <a:p>
             <a:r>
-              <a:rPr lang="zh-CN" altLang="en-US" smtClean="0"/>
+              <a:rPr lang="zh-CN" altLang="en-US"/>
               <a:t>单击此处编辑母版标题样式</a:t>
             </a:r>
             <a:endParaRPr lang="en-US" dirty="0"/>
@@ -3247,7 +3250,7 @@
           <a:p>
             <a:pPr lvl="0"/>
             <a:r>
-              <a:rPr lang="zh-CN" altLang="en-US" smtClean="0"/>
+              <a:rPr lang="zh-CN" altLang="en-US"/>
               <a:t>单击此处编辑母版文本样式</a:t>
             </a:r>
           </a:p>
@@ -3271,7 +3274,7 @@
             <a:fld id="{B61BEF0D-F0BB-DE4B-95CE-6DB70DBA9567}" type="datetimeFigureOut">
               <a:rPr lang="en-US" smtClean="0"/>
               <a:pPr/>
-              <a:t>11/24/2015</a:t>
+              <a:t>12/3/2020</a:t>
             </a:fld>
             <a:endParaRPr lang="en-US" dirty="0"/>
           </a:p>
@@ -3451,7 +3454,7 @@
           <a:lstStyle/>
           <a:p>
             <a:r>
-              <a:rPr lang="zh-CN" altLang="en-US" smtClean="0"/>
+              <a:rPr lang="zh-CN" altLang="en-US"/>
               <a:t>单击此处编辑母版标题样式</a:t>
             </a:r>
             <a:endParaRPr lang="en-US" dirty="0"/>
@@ -3482,35 +3485,35 @@
           <a:p>
             <a:pPr lvl="0"/>
             <a:r>
-              <a:rPr lang="zh-CN" altLang="en-US" smtClean="0"/>
+              <a:rPr lang="zh-CN" altLang="en-US"/>
               <a:t>单击此处编辑母版文本样式</a:t>
             </a:r>
           </a:p>
           <a:p>
             <a:pPr lvl="1"/>
             <a:r>
-              <a:rPr lang="zh-CN" altLang="en-US" smtClean="0"/>
+              <a:rPr lang="zh-CN" altLang="en-US"/>
               <a:t>第二级</a:t>
             </a:r>
           </a:p>
           <a:p>
             <a:pPr lvl="2"/>
             <a:r>
-              <a:rPr lang="zh-CN" altLang="en-US" smtClean="0"/>
+              <a:rPr lang="zh-CN" altLang="en-US"/>
               <a:t>第三级</a:t>
             </a:r>
           </a:p>
           <a:p>
             <a:pPr lvl="3"/>
             <a:r>
-              <a:rPr lang="zh-CN" altLang="en-US" smtClean="0"/>
+              <a:rPr lang="zh-CN" altLang="en-US"/>
               <a:t>第四级</a:t>
             </a:r>
           </a:p>
           <a:p>
             <a:pPr lvl="4"/>
             <a:r>
-              <a:rPr lang="zh-CN" altLang="en-US" smtClean="0"/>
+              <a:rPr lang="zh-CN" altLang="en-US"/>
               <a:t>第五级</a:t>
             </a:r>
             <a:endParaRPr lang="en-US" dirty="0"/>
@@ -3541,35 +3544,35 @@
           <a:p>
             <a:pPr lvl="0"/>
             <a:r>
-              <a:rPr lang="zh-CN" altLang="en-US" smtClean="0"/>
+              <a:rPr lang="zh-CN" altLang="en-US"/>
               <a:t>单击此处编辑母版文本样式</a:t>
             </a:r>
           </a:p>
           <a:p>
             <a:pPr lvl="1"/>
             <a:r>
-              <a:rPr lang="zh-CN" altLang="en-US" smtClean="0"/>
+              <a:rPr lang="zh-CN" altLang="en-US"/>
               <a:t>第二级</a:t>
             </a:r>
           </a:p>
           <a:p>
             <a:pPr lvl="2"/>
             <a:r>
-              <a:rPr lang="zh-CN" altLang="en-US" smtClean="0"/>
+              <a:rPr lang="zh-CN" altLang="en-US"/>
               <a:t>第三级</a:t>
             </a:r>
           </a:p>
           <a:p>
             <a:pPr lvl="3"/>
             <a:r>
-              <a:rPr lang="zh-CN" altLang="en-US" smtClean="0"/>
+              <a:rPr lang="zh-CN" altLang="en-US"/>
               <a:t>第四级</a:t>
             </a:r>
           </a:p>
           <a:p>
             <a:pPr lvl="4"/>
             <a:r>
-              <a:rPr lang="zh-CN" altLang="en-US" smtClean="0"/>
+              <a:rPr lang="zh-CN" altLang="en-US"/>
               <a:t>第五级</a:t>
             </a:r>
             <a:endParaRPr lang="en-US" dirty="0"/>
@@ -3594,7 +3597,7 @@
             <a:fld id="{B61BEF0D-F0BB-DE4B-95CE-6DB70DBA9567}" type="datetimeFigureOut">
               <a:rPr lang="en-US" smtClean="0"/>
               <a:pPr/>
-              <a:t>11/24/2015</a:t>
+              <a:t>12/3/2020</a:t>
             </a:fld>
             <a:endParaRPr lang="en-US" dirty="0"/>
           </a:p>
@@ -3774,7 +3777,7 @@
           <a:lstStyle/>
           <a:p>
             <a:r>
-              <a:rPr lang="zh-CN" altLang="en-US" smtClean="0"/>
+              <a:rPr lang="zh-CN" altLang="en-US"/>
               <a:t>单击此处编辑母版标题样式</a:t>
             </a:r>
             <a:endParaRPr lang="en-US" dirty="0"/>
@@ -3842,7 +3845,7 @@
           <a:p>
             <a:pPr lvl="0"/>
             <a:r>
-              <a:rPr lang="zh-CN" altLang="en-US" smtClean="0"/>
+              <a:rPr lang="zh-CN" altLang="en-US"/>
               <a:t>单击此处编辑母版文本样式</a:t>
             </a:r>
           </a:p>
@@ -3872,35 +3875,35 @@
           <a:p>
             <a:pPr lvl="0"/>
             <a:r>
-              <a:rPr lang="zh-CN" altLang="en-US" smtClean="0"/>
+              <a:rPr lang="zh-CN" altLang="en-US"/>
               <a:t>单击此处编辑母版文本样式</a:t>
             </a:r>
           </a:p>
           <a:p>
             <a:pPr lvl="1"/>
             <a:r>
-              <a:rPr lang="zh-CN" altLang="en-US" smtClean="0"/>
+              <a:rPr lang="zh-CN" altLang="en-US"/>
               <a:t>第二级</a:t>
             </a:r>
           </a:p>
           <a:p>
             <a:pPr lvl="2"/>
             <a:r>
-              <a:rPr lang="zh-CN" altLang="en-US" smtClean="0"/>
+              <a:rPr lang="zh-CN" altLang="en-US"/>
               <a:t>第三级</a:t>
             </a:r>
           </a:p>
           <a:p>
             <a:pPr lvl="3"/>
             <a:r>
-              <a:rPr lang="zh-CN" altLang="en-US" smtClean="0"/>
+              <a:rPr lang="zh-CN" altLang="en-US"/>
               <a:t>第四级</a:t>
             </a:r>
           </a:p>
           <a:p>
             <a:pPr lvl="4"/>
             <a:r>
-              <a:rPr lang="zh-CN" altLang="en-US" smtClean="0"/>
+              <a:rPr lang="zh-CN" altLang="en-US"/>
               <a:t>第五级</a:t>
             </a:r>
             <a:endParaRPr lang="en-US" dirty="0"/>
@@ -3968,7 +3971,7 @@
           <a:p>
             <a:pPr lvl="0"/>
             <a:r>
-              <a:rPr lang="zh-CN" altLang="en-US" smtClean="0"/>
+              <a:rPr lang="zh-CN" altLang="en-US"/>
               <a:t>单击此处编辑母版文本样式</a:t>
             </a:r>
           </a:p>
@@ -3998,35 +4001,35 @@
           <a:p>
             <a:pPr lvl="0"/>
             <a:r>
-              <a:rPr lang="zh-CN" altLang="en-US" smtClean="0"/>
+              <a:rPr lang="zh-CN" altLang="en-US"/>
               <a:t>单击此处编辑母版文本样式</a:t>
             </a:r>
           </a:p>
           <a:p>
             <a:pPr lvl="1"/>
             <a:r>
-              <a:rPr lang="zh-CN" altLang="en-US" smtClean="0"/>
+              <a:rPr lang="zh-CN" altLang="en-US"/>
               <a:t>第二级</a:t>
             </a:r>
           </a:p>
           <a:p>
             <a:pPr lvl="2"/>
             <a:r>
-              <a:rPr lang="zh-CN" altLang="en-US" smtClean="0"/>
+              <a:rPr lang="zh-CN" altLang="en-US"/>
               <a:t>第三级</a:t>
             </a:r>
           </a:p>
           <a:p>
             <a:pPr lvl="3"/>
             <a:r>
-              <a:rPr lang="zh-CN" altLang="en-US" smtClean="0"/>
+              <a:rPr lang="zh-CN" altLang="en-US"/>
               <a:t>第四级</a:t>
             </a:r>
           </a:p>
           <a:p>
             <a:pPr lvl="4"/>
             <a:r>
-              <a:rPr lang="zh-CN" altLang="en-US" smtClean="0"/>
+              <a:rPr lang="zh-CN" altLang="en-US"/>
               <a:t>第五级</a:t>
             </a:r>
             <a:endParaRPr lang="en-US" dirty="0"/>
@@ -4051,7 +4054,7 @@
             <a:fld id="{B61BEF0D-F0BB-DE4B-95CE-6DB70DBA9567}" type="datetimeFigureOut">
               <a:rPr lang="en-US" smtClean="0"/>
               <a:pPr/>
-              <a:t>11/24/2015</a:t>
+              <a:t>12/3/2020</a:t>
             </a:fld>
             <a:endParaRPr lang="en-US" dirty="0"/>
           </a:p>
@@ -4236,7 +4239,7 @@
           <a:lstStyle/>
           <a:p>
             <a:r>
-              <a:rPr lang="zh-CN" altLang="en-US" smtClean="0"/>
+              <a:rPr lang="zh-CN" altLang="en-US"/>
               <a:t>单击此处编辑母版标题样式</a:t>
             </a:r>
             <a:endParaRPr lang="en-US" dirty="0"/>
@@ -4261,7 +4264,7 @@
             <a:fld id="{B61BEF0D-F0BB-DE4B-95CE-6DB70DBA9567}" type="datetimeFigureOut">
               <a:rPr lang="en-US" smtClean="0"/>
               <a:pPr/>
-              <a:t>11/24/2015</a:t>
+              <a:t>12/3/2020</a:t>
             </a:fld>
             <a:endParaRPr lang="en-US" dirty="0"/>
           </a:p>
@@ -4438,7 +4441,7 @@
             <a:fld id="{B61BEF0D-F0BB-DE4B-95CE-6DB70DBA9567}" type="datetimeFigureOut">
               <a:rPr lang="en-US" smtClean="0"/>
               <a:pPr/>
-              <a:t>11/24/2015</a:t>
+              <a:t>12/3/2020</a:t>
             </a:fld>
             <a:endParaRPr lang="en-US" dirty="0"/>
           </a:p>
@@ -4622,7 +4625,7 @@
           </a:lstStyle>
           <a:p>
             <a:r>
-              <a:rPr lang="zh-CN" altLang="en-US" smtClean="0"/>
+              <a:rPr lang="zh-CN" altLang="en-US"/>
               <a:t>单击此处编辑母版标题样式</a:t>
             </a:r>
             <a:endParaRPr lang="en-US" dirty="0"/>
@@ -4653,35 +4656,35 @@
           <a:p>
             <a:pPr lvl="0"/>
             <a:r>
-              <a:rPr lang="zh-CN" altLang="en-US" smtClean="0"/>
+              <a:rPr lang="zh-CN" altLang="en-US"/>
               <a:t>单击此处编辑母版文本样式</a:t>
             </a:r>
           </a:p>
           <a:p>
             <a:pPr lvl="1"/>
             <a:r>
-              <a:rPr lang="zh-CN" altLang="en-US" smtClean="0"/>
+              <a:rPr lang="zh-CN" altLang="en-US"/>
               <a:t>第二级</a:t>
             </a:r>
           </a:p>
           <a:p>
             <a:pPr lvl="2"/>
             <a:r>
-              <a:rPr lang="zh-CN" altLang="en-US" smtClean="0"/>
+              <a:rPr lang="zh-CN" altLang="en-US"/>
               <a:t>第三级</a:t>
             </a:r>
           </a:p>
           <a:p>
             <a:pPr lvl="3"/>
             <a:r>
-              <a:rPr lang="zh-CN" altLang="en-US" smtClean="0"/>
+              <a:rPr lang="zh-CN" altLang="en-US"/>
               <a:t>第四级</a:t>
             </a:r>
           </a:p>
           <a:p>
             <a:pPr lvl="4"/>
             <a:r>
-              <a:rPr lang="zh-CN" altLang="en-US" smtClean="0"/>
+              <a:rPr lang="zh-CN" altLang="en-US"/>
               <a:t>第五级</a:t>
             </a:r>
             <a:endParaRPr lang="en-US" dirty="0"/>
@@ -4747,7 +4750,7 @@
           <a:p>
             <a:pPr lvl="0"/>
             <a:r>
-              <a:rPr lang="zh-CN" altLang="en-US" smtClean="0"/>
+              <a:rPr lang="zh-CN" altLang="en-US"/>
               <a:t>单击此处编辑母版文本样式</a:t>
             </a:r>
           </a:p>
@@ -4771,7 +4774,7 @@
             <a:fld id="{B61BEF0D-F0BB-DE4B-95CE-6DB70DBA9567}" type="datetimeFigureOut">
               <a:rPr lang="en-US" smtClean="0"/>
               <a:pPr/>
-              <a:t>11/24/2015</a:t>
+              <a:t>12/3/2020</a:t>
             </a:fld>
             <a:endParaRPr lang="en-US" dirty="0"/>
           </a:p>
@@ -4957,7 +4960,7 @@
           </a:lstStyle>
           <a:p>
             <a:r>
-              <a:rPr lang="zh-CN" altLang="en-US" smtClean="0"/>
+              <a:rPr lang="zh-CN" altLang="en-US"/>
               <a:t>单击此处编辑母版标题样式</a:t>
             </a:r>
             <a:endParaRPr lang="en-US" dirty="0"/>
@@ -5024,7 +5027,7 @@
           </a:lstStyle>
           <a:p>
             <a:r>
-              <a:rPr lang="zh-CN" altLang="en-US" smtClean="0"/>
+              <a:rPr lang="zh-CN" altLang="en-US"/>
               <a:t>单击图标添加图片</a:t>
             </a:r>
             <a:endParaRPr lang="en-US" dirty="0"/>
@@ -5092,7 +5095,7 @@
           <a:p>
             <a:pPr lvl="0"/>
             <a:r>
-              <a:rPr lang="zh-CN" altLang="en-US" smtClean="0"/>
+              <a:rPr lang="zh-CN" altLang="en-US"/>
               <a:t>单击此处编辑母版文本样式</a:t>
             </a:r>
           </a:p>
@@ -5116,7 +5119,7 @@
             <a:fld id="{B61BEF0D-F0BB-DE4B-95CE-6DB70DBA9567}" type="datetimeFigureOut">
               <a:rPr lang="en-US" smtClean="0"/>
               <a:pPr/>
-              <a:t>11/24/2015</a:t>
+              <a:t>12/3/2020</a:t>
             </a:fld>
             <a:endParaRPr lang="en-US" dirty="0"/>
           </a:p>
@@ -7128,7 +7131,7 @@
           <a:lstStyle/>
           <a:p>
             <a:r>
-              <a:rPr lang="zh-CN" altLang="en-US" smtClean="0"/>
+              <a:rPr lang="zh-CN" altLang="en-US"/>
               <a:t>单击此处编辑母版标题样式</a:t>
             </a:r>
             <a:endParaRPr lang="en-US" dirty="0"/>
@@ -7162,35 +7165,35 @@
           <a:p>
             <a:pPr lvl="0"/>
             <a:r>
-              <a:rPr lang="zh-CN" altLang="en-US" smtClean="0"/>
+              <a:rPr lang="zh-CN" altLang="en-US"/>
               <a:t>单击此处编辑母版文本样式</a:t>
             </a:r>
           </a:p>
           <a:p>
             <a:pPr lvl="1"/>
             <a:r>
-              <a:rPr lang="zh-CN" altLang="en-US" smtClean="0"/>
+              <a:rPr lang="zh-CN" altLang="en-US"/>
               <a:t>第二级</a:t>
             </a:r>
           </a:p>
           <a:p>
             <a:pPr lvl="2"/>
             <a:r>
-              <a:rPr lang="zh-CN" altLang="en-US" smtClean="0"/>
+              <a:rPr lang="zh-CN" altLang="en-US"/>
               <a:t>第三级</a:t>
             </a:r>
           </a:p>
           <a:p>
             <a:pPr lvl="3"/>
             <a:r>
-              <a:rPr lang="zh-CN" altLang="en-US" smtClean="0"/>
+              <a:rPr lang="zh-CN" altLang="en-US"/>
               <a:t>第四级</a:t>
             </a:r>
           </a:p>
           <a:p>
             <a:pPr lvl="4"/>
             <a:r>
-              <a:rPr lang="zh-CN" altLang="en-US" smtClean="0"/>
+              <a:rPr lang="zh-CN" altLang="en-US"/>
               <a:t>第五级</a:t>
             </a:r>
             <a:endParaRPr lang="en-US" dirty="0"/>
@@ -7233,7 +7236,7 @@
             <a:fld id="{B61BEF0D-F0BB-DE4B-95CE-6DB70DBA9567}" type="datetimeFigureOut">
               <a:rPr lang="en-US" smtClean="0"/>
               <a:pPr/>
-              <a:t>11/24/2015</a:t>
+              <a:t>12/3/2020</a:t>
             </a:fld>
             <a:endParaRPr lang="en-US" dirty="0"/>
           </a:p>
@@ -7792,7 +7795,7 @@
           <a:lstStyle/>
           <a:p>
             <a:r>
-              <a:rPr lang="en-US" altLang="zh-CN" dirty="0" smtClean="0"/>
+              <a:rPr lang="en-US" altLang="zh-CN" dirty="0"/>
               <a:t>WPF</a:t>
             </a:r>
             <a:endParaRPr lang="zh-CN" altLang="en-US" dirty="0"/>
@@ -7815,7 +7818,7 @@
           <a:lstStyle/>
           <a:p>
             <a:r>
-              <a:rPr lang="en-US" altLang="zh-CN" dirty="0" smtClean="0"/>
+              <a:rPr lang="en-US" altLang="zh-CN" dirty="0"/>
               <a:t>Windows Presentation Foundation</a:t>
             </a:r>
             <a:endParaRPr lang="zh-CN" altLang="en-US" dirty="0"/>
@@ -7832,13 +7835,6 @@
   <p:clrMapOvr>
     <a:masterClrMapping/>
   </p:clrMapOvr>
-  <p:timing>
-    <p:tnLst>
-      <p:par>
-        <p:cTn id="1" dur="indefinite" restart="never" nodeType="tmRoot"/>
-      </p:par>
-    </p:tnLst>
-  </p:timing>
 </p:sld>
 </file>
 
@@ -7875,18 +7871,17 @@
           <a:lstStyle/>
           <a:p>
             <a:r>
-              <a:rPr lang="zh-CN" altLang="en-US" dirty="0" smtClean="0"/>
+              <a:rPr lang="zh-CN" altLang="en-US" dirty="0"/>
               <a:t>基于</a:t>
             </a:r>
             <a:r>
-              <a:rPr lang="en-US" altLang="zh-CN" dirty="0" smtClean="0"/>
+              <a:rPr lang="en-US" altLang="zh-CN" dirty="0"/>
               <a:t>WPF</a:t>
             </a:r>
             <a:r>
-              <a:rPr lang="zh-CN" altLang="en-US" dirty="0" smtClean="0"/>
+              <a:rPr lang="zh-CN" altLang="en-US" dirty="0"/>
               <a:t>的编程</a:t>
             </a:r>
-            <a:endParaRPr lang="zh-CN" altLang="en-US" dirty="0"/>
           </a:p>
         </p:txBody>
       </p:sp>
@@ -7900,82 +7895,57 @@
             <p:ph idx="1"/>
           </p:nvPr>
         </p:nvSpPr>
-        <p:spPr/>
-        <p:txBody>
-          <a:bodyPr>
-            <a:normAutofit/>
-          </a:bodyPr>
-          <a:lstStyle/>
-          <a:p>
-            <a:r>
-              <a:rPr lang="en-US" altLang="zh-CN" dirty="0" smtClean="0"/>
-              <a:t>WPF</a:t>
-            </a:r>
-            <a:r>
-              <a:rPr lang="zh-CN" altLang="en-US" dirty="0" smtClean="0"/>
-              <a:t>的界面布局机制</a:t>
-            </a:r>
-            <a:r>
-              <a:rPr lang="en-US" altLang="zh-CN" dirty="0" smtClean="0"/>
-              <a:t>——Layout System</a:t>
-            </a:r>
-          </a:p>
-          <a:p>
-            <a:pPr lvl="1"/>
-            <a:r>
-              <a:rPr lang="en-US" altLang="zh-CN" dirty="0" smtClean="0"/>
-              <a:t>Grid</a:t>
-            </a:r>
-          </a:p>
-          <a:p>
-            <a:pPr lvl="1"/>
-            <a:r>
-              <a:rPr lang="en-US" altLang="zh-CN" dirty="0" err="1" smtClean="0"/>
-              <a:t>StackPanel</a:t>
-            </a:r>
-            <a:endParaRPr lang="en-US" altLang="zh-CN" dirty="0" smtClean="0"/>
-          </a:p>
-          <a:p>
-            <a:pPr lvl="1"/>
-            <a:r>
-              <a:rPr lang="en-US" altLang="zh-CN" dirty="0" err="1" smtClean="0"/>
-              <a:t>DockPanel</a:t>
-            </a:r>
-            <a:endParaRPr lang="en-US" altLang="zh-CN" dirty="0" smtClean="0"/>
-          </a:p>
-          <a:p>
-            <a:pPr lvl="1"/>
-            <a:r>
-              <a:rPr lang="en-US" altLang="zh-CN" dirty="0" smtClean="0"/>
-              <a:t>Canvas</a:t>
-            </a:r>
-          </a:p>
-          <a:p>
-            <a:pPr lvl="1"/>
-            <a:r>
-              <a:rPr lang="en-US" altLang="zh-CN" dirty="0" smtClean="0"/>
-              <a:t>…</a:t>
-            </a:r>
-          </a:p>
-        </p:txBody>
-      </p:sp>
+        <p:spPr>
+          <a:xfrm>
+            <a:off x="1942415" y="2133600"/>
+            <a:ext cx="6591985" cy="723900"/>
+          </a:xfrm>
+        </p:spPr>
+        <p:txBody>
+          <a:bodyPr/>
+          <a:lstStyle/>
+          <a:p>
+            <a:r>
+              <a:rPr lang="en-US" altLang="zh-CN" dirty="0"/>
+              <a:t>Expression Blend</a:t>
+            </a:r>
+          </a:p>
+        </p:txBody>
+      </p:sp>
+      <p:pic>
+        <p:nvPicPr>
+          <p:cNvPr id="5" name="图片 4"/>
+          <p:cNvPicPr>
+            <a:picLocks noChangeAspect="1"/>
+          </p:cNvPicPr>
+          <p:nvPr/>
+        </p:nvPicPr>
+        <p:blipFill>
+          <a:blip r:embed="rId2"/>
+          <a:stretch>
+            <a:fillRect/>
+          </a:stretch>
+        </p:blipFill>
+        <p:spPr>
+          <a:xfrm>
+            <a:off x="3057524" y="3086100"/>
+            <a:ext cx="5343525" cy="3350693"/>
+          </a:xfrm>
+          <a:prstGeom prst="rect">
+            <a:avLst/>
+          </a:prstGeom>
+        </p:spPr>
+      </p:pic>
     </p:spTree>
     <p:extLst>
       <p:ext uri="{BB962C8B-B14F-4D97-AF65-F5344CB8AC3E}">
-        <p14:creationId xmlns:p14="http://schemas.microsoft.com/office/powerpoint/2010/main" val="2374950153"/>
+        <p14:creationId xmlns:p14="http://schemas.microsoft.com/office/powerpoint/2010/main" val="1985862768"/>
       </p:ext>
     </p:extLst>
   </p:cSld>
   <p:clrMapOvr>
     <a:masterClrMapping/>
   </p:clrMapOvr>
-  <p:timing>
-    <p:tnLst>
-      <p:par>
-        <p:cTn id="1" dur="indefinite" restart="never" nodeType="tmRoot"/>
-      </p:par>
-    </p:tnLst>
-  </p:timing>
 </p:sld>
 </file>
 
@@ -8012,92 +7982,244 @@
           <a:lstStyle/>
           <a:p>
             <a:r>
-              <a:rPr lang="zh-CN" altLang="en-US" dirty="0" smtClean="0"/>
+              <a:rPr lang="zh-CN" altLang="en-US" dirty="0"/>
               <a:t>基于</a:t>
             </a:r>
             <a:r>
-              <a:rPr lang="en-US" altLang="zh-CN" dirty="0" smtClean="0"/>
+              <a:rPr lang="en-US" altLang="zh-CN" dirty="0"/>
               <a:t>WPF</a:t>
             </a:r>
             <a:r>
-              <a:rPr lang="zh-CN" altLang="en-US" dirty="0" smtClean="0"/>
+              <a:rPr lang="zh-CN" altLang="en-US" dirty="0"/>
               <a:t>的编程</a:t>
             </a:r>
+          </a:p>
+        </p:txBody>
+      </p:sp>
+      <p:sp>
+        <p:nvSpPr>
+          <p:cNvPr id="3" name="内容占位符 2"/>
+          <p:cNvSpPr>
+            <a:spLocks noGrp="1"/>
+          </p:cNvSpPr>
+          <p:nvPr>
+            <p:ph idx="1"/>
+          </p:nvPr>
+        </p:nvSpPr>
+        <p:spPr/>
+        <p:txBody>
+          <a:bodyPr/>
+          <a:lstStyle/>
+          <a:p>
+            <a:r>
+              <a:rPr lang="en-US" altLang="zh-CN" dirty="0"/>
+              <a:t>WPF</a:t>
+            </a:r>
+            <a:r>
+              <a:rPr lang="zh-CN" altLang="en-US" dirty="0"/>
+              <a:t>的界面布局机制</a:t>
+            </a:r>
+            <a:r>
+              <a:rPr lang="en-US" altLang="zh-CN" dirty="0"/>
+              <a:t>——Layout System</a:t>
+            </a:r>
             <a:endParaRPr lang="zh-CN" altLang="en-US" dirty="0"/>
           </a:p>
         </p:txBody>
       </p:sp>
       <p:sp>
         <p:nvSpPr>
-          <p:cNvPr id="3" name="内容占位符 2"/>
-          <p:cNvSpPr>
-            <a:spLocks noGrp="1"/>
-          </p:cNvSpPr>
-          <p:nvPr>
-            <p:ph idx="1"/>
-          </p:nvPr>
-        </p:nvSpPr>
-        <p:spPr/>
-        <p:txBody>
-          <a:bodyPr/>
-          <a:lstStyle/>
-          <a:p>
-            <a:r>
-              <a:rPr lang="zh-CN" altLang="en-US" dirty="0" smtClean="0"/>
-              <a:t>更灵活的界面元素</a:t>
-            </a:r>
-            <a:endParaRPr lang="en-US" altLang="zh-CN" dirty="0" smtClean="0"/>
-          </a:p>
-          <a:p>
-            <a:pPr lvl="1"/>
-            <a:r>
-              <a:rPr lang="en-US" altLang="zh-CN" dirty="0" err="1" smtClean="0"/>
-              <a:t>ContentControl</a:t>
-            </a:r>
-            <a:endParaRPr lang="en-US" altLang="zh-CN" dirty="0" smtClean="0"/>
-          </a:p>
-          <a:p>
-            <a:pPr lvl="1"/>
-            <a:r>
-              <a:rPr lang="en-US" altLang="zh-CN" dirty="0" err="1" smtClean="0"/>
-              <a:t>ItemsControl</a:t>
-            </a:r>
-          </a:p>
-          <a:p>
-            <a:pPr lvl="1"/>
-            <a:r>
-              <a:rPr lang="en-US" altLang="zh-CN" dirty="0" err="1" smtClean="0"/>
-              <a:t>ControlTemplate</a:t>
-            </a:r>
-            <a:endParaRPr lang="en-US" altLang="zh-CN" dirty="0" smtClean="0"/>
-          </a:p>
-          <a:p>
-            <a:pPr lvl="1"/>
-            <a:r>
-              <a:rPr lang="en-US" altLang="zh-CN" dirty="0" err="1" smtClean="0"/>
-              <a:t>DataTemplate</a:t>
-            </a:r>
-            <a:endParaRPr lang="zh-CN" altLang="en-US" dirty="0"/>
-          </a:p>
-        </p:txBody>
-      </p:sp>
+          <p:cNvPr id="4" name="矩形 3"/>
+          <p:cNvSpPr/>
+          <p:nvPr/>
+        </p:nvSpPr>
+        <p:spPr>
+          <a:xfrm>
+            <a:off x="2052294" y="3342895"/>
+            <a:ext cx="6372225" cy="1615827"/>
+          </a:xfrm>
+          <a:prstGeom prst="rect">
+            <a:avLst/>
+          </a:prstGeom>
+        </p:spPr>
+        <p:style>
+          <a:lnRef idx="2">
+            <a:schemeClr val="dk1">
+              <a:shade val="50000"/>
+            </a:schemeClr>
+          </a:lnRef>
+          <a:fillRef idx="1">
+            <a:schemeClr val="dk1"/>
+          </a:fillRef>
+          <a:effectRef idx="0">
+            <a:schemeClr val="dk1"/>
+          </a:effectRef>
+          <a:fontRef idx="minor">
+            <a:schemeClr val="lt1"/>
+          </a:fontRef>
+        </p:style>
+        <p:txBody>
+          <a:bodyPr wrap="square">
+            <a:spAutoFit/>
+          </a:bodyPr>
+          <a:lstStyle/>
+          <a:p>
+            <a:r>
+              <a:rPr lang="en-US" altLang="zh-CN" sz="1100" dirty="0">
+                <a:latin typeface="Courier New" panose="02070309020205020404" pitchFamily="49" charset="0"/>
+                <a:cs typeface="Courier New" panose="02070309020205020404" pitchFamily="49" charset="0"/>
+              </a:rPr>
+              <a:t>&lt;Window</a:t>
+            </a:r>
+          </a:p>
+          <a:p>
+            <a:r>
+              <a:rPr lang="en-US" altLang="zh-CN" sz="1100" dirty="0">
+                <a:latin typeface="Courier New" panose="02070309020205020404" pitchFamily="49" charset="0"/>
+                <a:cs typeface="Courier New" panose="02070309020205020404" pitchFamily="49" charset="0"/>
+              </a:rPr>
+              <a:t>    </a:t>
+            </a:r>
+            <a:r>
+              <a:rPr lang="en-US" altLang="zh-CN" sz="1100" dirty="0" err="1">
+                <a:latin typeface="Courier New" panose="02070309020205020404" pitchFamily="49" charset="0"/>
+                <a:cs typeface="Courier New" panose="02070309020205020404" pitchFamily="49" charset="0"/>
+              </a:rPr>
+              <a:t>xmlns</a:t>
+            </a:r>
+            <a:r>
+              <a:rPr lang="en-US" altLang="zh-CN" sz="1100" dirty="0">
+                <a:latin typeface="Courier New" panose="02070309020205020404" pitchFamily="49" charset="0"/>
+                <a:cs typeface="Courier New" panose="02070309020205020404" pitchFamily="49" charset="0"/>
+              </a:rPr>
+              <a:t>="http://schemas.microsoft.com/</a:t>
+            </a:r>
+            <a:r>
+              <a:rPr lang="en-US" altLang="zh-CN" sz="1100" dirty="0" err="1">
+                <a:latin typeface="Courier New" panose="02070309020205020404" pitchFamily="49" charset="0"/>
+                <a:cs typeface="Courier New" panose="02070309020205020404" pitchFamily="49" charset="0"/>
+              </a:rPr>
+              <a:t>winfx</a:t>
+            </a:r>
+            <a:r>
+              <a:rPr lang="en-US" altLang="zh-CN" sz="1100" dirty="0">
+                <a:latin typeface="Courier New" panose="02070309020205020404" pitchFamily="49" charset="0"/>
+                <a:cs typeface="Courier New" panose="02070309020205020404" pitchFamily="49" charset="0"/>
+              </a:rPr>
+              <a:t>/2006/</a:t>
+            </a:r>
+            <a:r>
+              <a:rPr lang="en-US" altLang="zh-CN" sz="1100" dirty="0" err="1">
+                <a:latin typeface="Courier New" panose="02070309020205020404" pitchFamily="49" charset="0"/>
+                <a:cs typeface="Courier New" panose="02070309020205020404" pitchFamily="49" charset="0"/>
+              </a:rPr>
+              <a:t>xaml</a:t>
+            </a:r>
+            <a:r>
+              <a:rPr lang="en-US" altLang="zh-CN" sz="1100" dirty="0">
+                <a:latin typeface="Courier New" panose="02070309020205020404" pitchFamily="49" charset="0"/>
+                <a:cs typeface="Courier New" panose="02070309020205020404" pitchFamily="49" charset="0"/>
+              </a:rPr>
+              <a:t>/presentation"</a:t>
+            </a:r>
+          </a:p>
+          <a:p>
+            <a:r>
+              <a:rPr lang="en-US" altLang="zh-CN" sz="1100" dirty="0">
+                <a:latin typeface="Courier New" panose="02070309020205020404" pitchFamily="49" charset="0"/>
+                <a:cs typeface="Courier New" panose="02070309020205020404" pitchFamily="49" charset="0"/>
+              </a:rPr>
+              <a:t>    Title="Window with Button"</a:t>
+            </a:r>
+          </a:p>
+          <a:p>
+            <a:r>
+              <a:rPr lang="en-US" altLang="zh-CN" sz="1100" dirty="0">
+                <a:latin typeface="Courier New" panose="02070309020205020404" pitchFamily="49" charset="0"/>
+                <a:cs typeface="Courier New" panose="02070309020205020404" pitchFamily="49" charset="0"/>
+              </a:rPr>
+              <a:t>    Width="250" Height="100"&gt;</a:t>
+            </a:r>
+          </a:p>
+          <a:p>
+            <a:endParaRPr lang="en-US" altLang="zh-CN" sz="1100" dirty="0">
+              <a:latin typeface="Courier New" panose="02070309020205020404" pitchFamily="49" charset="0"/>
+              <a:cs typeface="Courier New" panose="02070309020205020404" pitchFamily="49" charset="0"/>
+            </a:endParaRPr>
+          </a:p>
+          <a:p>
+            <a:r>
+              <a:rPr lang="en-US" altLang="zh-CN" sz="1100" dirty="0">
+                <a:latin typeface="Courier New" panose="02070309020205020404" pitchFamily="49" charset="0"/>
+                <a:cs typeface="Courier New" panose="02070309020205020404" pitchFamily="49" charset="0"/>
+              </a:rPr>
+              <a:t>  &lt;!-- Add button to window --&gt;</a:t>
+            </a:r>
+          </a:p>
+          <a:p>
+            <a:r>
+              <a:rPr lang="en-US" altLang="zh-CN" sz="1100" dirty="0">
+                <a:latin typeface="Courier New" panose="02070309020205020404" pitchFamily="49" charset="0"/>
+                <a:cs typeface="Courier New" panose="02070309020205020404" pitchFamily="49" charset="0"/>
+              </a:rPr>
+              <a:t>  &lt;Button&gt;Click Me!&lt;/Button&gt;</a:t>
+            </a:r>
+          </a:p>
+          <a:p>
+            <a:endParaRPr lang="en-US" altLang="zh-CN" sz="1100" dirty="0">
+              <a:latin typeface="Courier New" panose="02070309020205020404" pitchFamily="49" charset="0"/>
+              <a:cs typeface="Courier New" panose="02070309020205020404" pitchFamily="49" charset="0"/>
+            </a:endParaRPr>
+          </a:p>
+          <a:p>
+            <a:r>
+              <a:rPr lang="en-US" altLang="zh-CN" sz="1100" dirty="0">
+                <a:latin typeface="Courier New" panose="02070309020205020404" pitchFamily="49" charset="0"/>
+                <a:cs typeface="Courier New" panose="02070309020205020404" pitchFamily="49" charset="0"/>
+              </a:rPr>
+              <a:t>&lt;/Window&gt;</a:t>
+            </a:r>
+            <a:endParaRPr lang="zh-CN" altLang="en-US" sz="1100" dirty="0">
+              <a:latin typeface="Courier New" panose="02070309020205020404" pitchFamily="49" charset="0"/>
+              <a:cs typeface="Courier New" panose="02070309020205020404" pitchFamily="49" charset="0"/>
+            </a:endParaRPr>
+          </a:p>
+        </p:txBody>
+      </p:sp>
+      <p:pic>
+        <p:nvPicPr>
+          <p:cNvPr id="5" name="图片 4"/>
+          <p:cNvPicPr>
+            <a:picLocks noChangeAspect="1"/>
+          </p:cNvPicPr>
+          <p:nvPr/>
+        </p:nvPicPr>
+        <p:blipFill>
+          <a:blip r:embed="rId2"/>
+          <a:stretch>
+            <a:fillRect/>
+          </a:stretch>
+        </p:blipFill>
+        <p:spPr>
+          <a:xfrm>
+            <a:off x="4043018" y="5354589"/>
+            <a:ext cx="2390775" cy="838200"/>
+          </a:xfrm>
+          <a:prstGeom prst="rect">
+            <a:avLst/>
+          </a:prstGeom>
+        </p:spPr>
+      </p:pic>
     </p:spTree>
     <p:extLst>
       <p:ext uri="{BB962C8B-B14F-4D97-AF65-F5344CB8AC3E}">
-        <p14:creationId xmlns:p14="http://schemas.microsoft.com/office/powerpoint/2010/main" val="2293476386"/>
+        <p14:creationId xmlns:p14="http://schemas.microsoft.com/office/powerpoint/2010/main" val="3519366127"/>
       </p:ext>
     </p:extLst>
   </p:cSld>
   <p:clrMapOvr>
     <a:masterClrMapping/>
   </p:clrMapOvr>
-  <p:timing>
-    <p:tnLst>
-      <p:par>
-        <p:cTn id="1" dur="indefinite" restart="never" nodeType="tmRoot"/>
-      </p:par>
-    </p:tnLst>
-  </p:timing>
 </p:sld>
 </file>
 
@@ -8134,21 +8256,263 @@
           <a:lstStyle/>
           <a:p>
             <a:r>
-              <a:rPr lang="zh-CN" altLang="en-US" dirty="0" smtClean="0"/>
+              <a:rPr lang="zh-CN" altLang="en-US" dirty="0"/>
               <a:t>基于</a:t>
             </a:r>
             <a:r>
-              <a:rPr lang="en-US" altLang="zh-CN" dirty="0" smtClean="0"/>
+              <a:rPr lang="en-US" altLang="zh-CN" dirty="0"/>
               <a:t>WPF</a:t>
             </a:r>
             <a:r>
-              <a:rPr lang="zh-CN" altLang="en-US" dirty="0" smtClean="0"/>
+              <a:rPr lang="zh-CN" altLang="en-US" dirty="0"/>
               <a:t>的编程</a:t>
             </a:r>
+          </a:p>
+        </p:txBody>
+      </p:sp>
+      <p:sp>
+        <p:nvSpPr>
+          <p:cNvPr id="3" name="内容占位符 2"/>
+          <p:cNvSpPr>
+            <a:spLocks noGrp="1"/>
+          </p:cNvSpPr>
+          <p:nvPr>
+            <p:ph idx="1"/>
+          </p:nvPr>
+        </p:nvSpPr>
+        <p:spPr/>
+        <p:txBody>
+          <a:bodyPr>
+            <a:normAutofit/>
+          </a:bodyPr>
+          <a:lstStyle/>
+          <a:p>
+            <a:r>
+              <a:rPr lang="en-US" altLang="zh-CN" dirty="0"/>
+              <a:t>WPF</a:t>
+            </a:r>
+            <a:r>
+              <a:rPr lang="zh-CN" altLang="en-US" dirty="0"/>
+              <a:t>的界面布局机制</a:t>
+            </a:r>
+            <a:r>
+              <a:rPr lang="en-US" altLang="zh-CN" dirty="0"/>
+              <a:t>——Layout System</a:t>
+            </a:r>
+          </a:p>
+          <a:p>
+            <a:pPr lvl="1"/>
+            <a:r>
+              <a:rPr lang="en-US" altLang="zh-CN" dirty="0"/>
+              <a:t>Grid</a:t>
+            </a:r>
+          </a:p>
+          <a:p>
+            <a:pPr lvl="1"/>
+            <a:r>
+              <a:rPr lang="en-US" altLang="zh-CN" dirty="0" err="1"/>
+              <a:t>StackPanel</a:t>
+            </a:r>
+            <a:endParaRPr lang="en-US" altLang="zh-CN" dirty="0"/>
+          </a:p>
+          <a:p>
+            <a:pPr lvl="1"/>
+            <a:r>
+              <a:rPr lang="en-US" altLang="zh-CN" dirty="0" err="1"/>
+              <a:t>DockPanel</a:t>
+            </a:r>
+            <a:endParaRPr lang="en-US" altLang="zh-CN" dirty="0"/>
+          </a:p>
+          <a:p>
+            <a:pPr lvl="1"/>
+            <a:r>
+              <a:rPr lang="en-US" altLang="zh-CN" dirty="0"/>
+              <a:t>Canvas</a:t>
+            </a:r>
+          </a:p>
+          <a:p>
+            <a:pPr lvl="1"/>
+            <a:r>
+              <a:rPr lang="en-US" altLang="zh-CN" dirty="0"/>
+              <a:t>…</a:t>
+            </a:r>
+          </a:p>
+        </p:txBody>
+      </p:sp>
+    </p:spTree>
+    <p:extLst>
+      <p:ext uri="{BB962C8B-B14F-4D97-AF65-F5344CB8AC3E}">
+        <p14:creationId xmlns:p14="http://schemas.microsoft.com/office/powerpoint/2010/main" val="2374950153"/>
+      </p:ext>
+    </p:extLst>
+  </p:cSld>
+  <p:clrMapOvr>
+    <a:masterClrMapping/>
+  </p:clrMapOvr>
+</p:sld>
+</file>
+
+<file path=ppt/slides/slide13.xml><?xml version="1.0" encoding="utf-8"?>
+<p:sld xmlns:a="http://schemas.openxmlformats.org/drawingml/2006/main" xmlns:r="http://schemas.openxmlformats.org/officeDocument/2006/relationships" xmlns:p="http://schemas.openxmlformats.org/presentationml/2006/main">
+  <p:cSld>
+    <p:spTree>
+      <p:nvGrpSpPr>
+        <p:cNvPr id="1" name=""/>
+        <p:cNvGrpSpPr/>
+        <p:nvPr/>
+      </p:nvGrpSpPr>
+      <p:grpSpPr>
+        <a:xfrm>
+          <a:off x="0" y="0"/>
+          <a:ext cx="0" cy="0"/>
+          <a:chOff x="0" y="0"/>
+          <a:chExt cx="0" cy="0"/>
+        </a:xfrm>
+      </p:grpSpPr>
+      <p:sp>
+        <p:nvSpPr>
+          <p:cNvPr id="2" name="标题 1"/>
+          <p:cNvSpPr>
+            <a:spLocks noGrp="1"/>
+          </p:cNvSpPr>
+          <p:nvPr>
+            <p:ph type="title"/>
+          </p:nvPr>
+        </p:nvSpPr>
+        <p:spPr/>
+        <p:txBody>
+          <a:bodyPr/>
+          <a:lstStyle/>
+          <a:p>
+            <a:r>
+              <a:rPr lang="zh-CN" altLang="en-US" dirty="0"/>
+              <a:t>基于</a:t>
+            </a:r>
+            <a:r>
+              <a:rPr lang="en-US" altLang="zh-CN" dirty="0"/>
+              <a:t>WPF</a:t>
+            </a:r>
+            <a:r>
+              <a:rPr lang="zh-CN" altLang="en-US" dirty="0"/>
+              <a:t>的编程</a:t>
+            </a:r>
+          </a:p>
+        </p:txBody>
+      </p:sp>
+      <p:sp>
+        <p:nvSpPr>
+          <p:cNvPr id="3" name="内容占位符 2"/>
+          <p:cNvSpPr>
+            <a:spLocks noGrp="1"/>
+          </p:cNvSpPr>
+          <p:nvPr>
+            <p:ph idx="1"/>
+          </p:nvPr>
+        </p:nvSpPr>
+        <p:spPr/>
+        <p:txBody>
+          <a:bodyPr/>
+          <a:lstStyle/>
+          <a:p>
+            <a:r>
+              <a:rPr lang="zh-CN" altLang="en-US" dirty="0"/>
+              <a:t>更灵活的界面元素</a:t>
+            </a:r>
+            <a:endParaRPr lang="en-US" altLang="zh-CN" dirty="0"/>
+          </a:p>
+          <a:p>
+            <a:pPr lvl="1"/>
+            <a:r>
+              <a:rPr lang="en-US" altLang="zh-CN" dirty="0" err="1"/>
+              <a:t>ContentControl</a:t>
+            </a:r>
+            <a:endParaRPr lang="en-US" altLang="zh-CN" dirty="0"/>
+          </a:p>
+          <a:p>
+            <a:pPr lvl="1"/>
+            <a:r>
+              <a:rPr lang="en-US" altLang="zh-CN" dirty="0" err="1"/>
+              <a:t>ItemsControl</a:t>
+            </a:r>
+          </a:p>
+          <a:p>
+            <a:pPr lvl="1"/>
+            <a:r>
+              <a:rPr lang="en-US" altLang="zh-CN" dirty="0" err="1"/>
+              <a:t>ControlTemplate</a:t>
+            </a:r>
+            <a:endParaRPr lang="en-US" altLang="zh-CN" dirty="0"/>
+          </a:p>
+          <a:p>
+            <a:pPr lvl="1"/>
+            <a:r>
+              <a:rPr lang="en-US" altLang="zh-CN" dirty="0" err="1"/>
+              <a:t>DataTemplate</a:t>
+            </a:r>
             <a:endParaRPr lang="zh-CN" altLang="en-US" dirty="0"/>
           </a:p>
         </p:txBody>
       </p:sp>
+    </p:spTree>
+    <p:extLst>
+      <p:ext uri="{BB962C8B-B14F-4D97-AF65-F5344CB8AC3E}">
+        <p14:creationId xmlns:p14="http://schemas.microsoft.com/office/powerpoint/2010/main" val="2293476386"/>
+      </p:ext>
+    </p:extLst>
+  </p:cSld>
+  <p:clrMapOvr>
+    <a:masterClrMapping/>
+  </p:clrMapOvr>
+</p:sld>
+</file>
+
+<file path=ppt/slides/slide14.xml><?xml version="1.0" encoding="utf-8"?>
+<p:sld xmlns:a="http://schemas.openxmlformats.org/drawingml/2006/main" xmlns:r="http://schemas.openxmlformats.org/officeDocument/2006/relationships" xmlns:p="http://schemas.openxmlformats.org/presentationml/2006/main">
+  <p:cSld>
+    <p:spTree>
+      <p:nvGrpSpPr>
+        <p:cNvPr id="1" name=""/>
+        <p:cNvGrpSpPr/>
+        <p:nvPr/>
+      </p:nvGrpSpPr>
+      <p:grpSpPr>
+        <a:xfrm>
+          <a:off x="0" y="0"/>
+          <a:ext cx="0" cy="0"/>
+          <a:chOff x="0" y="0"/>
+          <a:chExt cx="0" cy="0"/>
+        </a:xfrm>
+      </p:grpSpPr>
+      <p:sp>
+        <p:nvSpPr>
+          <p:cNvPr id="2" name="标题 1"/>
+          <p:cNvSpPr>
+            <a:spLocks noGrp="1"/>
+          </p:cNvSpPr>
+          <p:nvPr>
+            <p:ph type="title"/>
+          </p:nvPr>
+        </p:nvSpPr>
+        <p:spPr/>
+        <p:txBody>
+          <a:bodyPr/>
+          <a:lstStyle/>
+          <a:p>
+            <a:r>
+              <a:rPr lang="zh-CN" altLang="en-US" dirty="0"/>
+              <a:t>基于</a:t>
+            </a:r>
+            <a:r>
+              <a:rPr lang="en-US" altLang="zh-CN" dirty="0"/>
+              <a:t>WPF</a:t>
+            </a:r>
+            <a:r>
+              <a:rPr lang="zh-CN" altLang="en-US" dirty="0"/>
+              <a:t>的编程</a:t>
+            </a:r>
+          </a:p>
+        </p:txBody>
+      </p:sp>
       <p:sp>
         <p:nvSpPr>
           <p:cNvPr id="3" name="内容占位符 2"/>
@@ -8165,10 +8529,9 @@
           <a:lstStyle/>
           <a:p>
             <a:r>
-              <a:rPr lang="zh-CN" altLang="en-US" dirty="0" smtClean="0"/>
+              <a:rPr lang="zh-CN" altLang="en-US" dirty="0"/>
               <a:t>更灵活的界面元素</a:t>
             </a:r>
-            <a:endParaRPr lang="zh-CN" altLang="en-US" dirty="0"/>
           </a:p>
         </p:txBody>
       </p:sp>
@@ -8206,279 +8569,6 @@
   <p:clrMapOvr>
     <a:masterClrMapping/>
   </p:clrMapOvr>
-  <p:timing>
-    <p:tnLst>
-      <p:par>
-        <p:cTn id="1" dur="indefinite" restart="never" nodeType="tmRoot"/>
-      </p:par>
-    </p:tnLst>
-  </p:timing>
-</p:sld>
-</file>
-
-<file path=ppt/slides/slide13.xml><?xml version="1.0" encoding="utf-8"?>
-<p:sld xmlns:a="http://schemas.openxmlformats.org/drawingml/2006/main" xmlns:r="http://schemas.openxmlformats.org/officeDocument/2006/relationships" xmlns:p="http://schemas.openxmlformats.org/presentationml/2006/main">
-  <p:cSld>
-    <p:spTree>
-      <p:nvGrpSpPr>
-        <p:cNvPr id="1" name=""/>
-        <p:cNvGrpSpPr/>
-        <p:nvPr/>
-      </p:nvGrpSpPr>
-      <p:grpSpPr>
-        <a:xfrm>
-          <a:off x="0" y="0"/>
-          <a:ext cx="0" cy="0"/>
-          <a:chOff x="0" y="0"/>
-          <a:chExt cx="0" cy="0"/>
-        </a:xfrm>
-      </p:grpSpPr>
-      <p:sp>
-        <p:nvSpPr>
-          <p:cNvPr id="2" name="标题 1"/>
-          <p:cNvSpPr>
-            <a:spLocks noGrp="1"/>
-          </p:cNvSpPr>
-          <p:nvPr>
-            <p:ph type="title"/>
-          </p:nvPr>
-        </p:nvSpPr>
-        <p:spPr/>
-        <p:txBody>
-          <a:bodyPr/>
-          <a:lstStyle/>
-          <a:p>
-            <a:r>
-              <a:rPr lang="zh-CN" altLang="en-US" dirty="0" smtClean="0"/>
-              <a:t>基于</a:t>
-            </a:r>
-            <a:r>
-              <a:rPr lang="en-US" altLang="zh-CN" dirty="0" smtClean="0"/>
-              <a:t>WPF</a:t>
-            </a:r>
-            <a:r>
-              <a:rPr lang="zh-CN" altLang="en-US" dirty="0" smtClean="0"/>
-              <a:t>的编程</a:t>
-            </a:r>
-            <a:endParaRPr lang="zh-CN" altLang="en-US" dirty="0"/>
-          </a:p>
-        </p:txBody>
-      </p:sp>
-      <p:sp>
-        <p:nvSpPr>
-          <p:cNvPr id="3" name="内容占位符 2"/>
-          <p:cNvSpPr>
-            <a:spLocks noGrp="1"/>
-          </p:cNvSpPr>
-          <p:nvPr>
-            <p:ph idx="1"/>
-          </p:nvPr>
-        </p:nvSpPr>
-        <p:spPr/>
-        <p:txBody>
-          <a:bodyPr/>
-          <a:lstStyle/>
-          <a:p>
-            <a:r>
-              <a:rPr lang="en-US" altLang="zh-CN" dirty="0" smtClean="0"/>
-              <a:t>Model-View-</a:t>
-            </a:r>
-            <a:r>
-              <a:rPr lang="en-US" altLang="zh-CN" dirty="0" err="1" smtClean="0"/>
-              <a:t>ViewModel</a:t>
-            </a:r>
-            <a:endParaRPr lang="en-US" altLang="zh-CN" dirty="0" smtClean="0"/>
-          </a:p>
-          <a:p>
-            <a:pPr lvl="1"/>
-            <a:r>
-              <a:rPr lang="en-US" altLang="zh-CN" dirty="0" err="1" smtClean="0"/>
-              <a:t>WinForm</a:t>
-            </a:r>
-            <a:r>
-              <a:rPr lang="en-US" altLang="zh-CN" dirty="0" smtClean="0"/>
-              <a:t>: </a:t>
-            </a:r>
-            <a:r>
-              <a:rPr lang="zh-CN" altLang="en-US" dirty="0" smtClean="0"/>
-              <a:t>事件驱动</a:t>
-            </a:r>
-            <a:endParaRPr lang="en-US" altLang="zh-CN" dirty="0" smtClean="0"/>
-          </a:p>
-          <a:p>
-            <a:pPr lvl="1"/>
-            <a:r>
-              <a:rPr lang="en-US" altLang="zh-CN" dirty="0" smtClean="0"/>
-              <a:t>WPF: </a:t>
-            </a:r>
-            <a:r>
-              <a:rPr lang="zh-CN" altLang="en-US" dirty="0" smtClean="0"/>
-              <a:t>数据驱动</a:t>
-            </a:r>
-            <a:endParaRPr lang="en-US" altLang="zh-CN" dirty="0" smtClean="0"/>
-          </a:p>
-          <a:p>
-            <a:pPr lvl="1"/>
-            <a:r>
-              <a:rPr lang="en-US" altLang="zh-CN" dirty="0" smtClean="0"/>
-              <a:t>MVVM: Model-View-</a:t>
-            </a:r>
-            <a:r>
-              <a:rPr lang="en-US" altLang="zh-CN" dirty="0" err="1" smtClean="0"/>
-              <a:t>ViewModel</a:t>
-            </a:r>
-            <a:endParaRPr lang="en-US" altLang="zh-CN" dirty="0" smtClean="0"/>
-          </a:p>
-        </p:txBody>
-      </p:sp>
-    </p:spTree>
-    <p:extLst>
-      <p:ext uri="{BB962C8B-B14F-4D97-AF65-F5344CB8AC3E}">
-        <p14:creationId xmlns:p14="http://schemas.microsoft.com/office/powerpoint/2010/main" val="893775499"/>
-      </p:ext>
-    </p:extLst>
-  </p:cSld>
-  <p:clrMapOvr>
-    <a:masterClrMapping/>
-  </p:clrMapOvr>
-  <p:timing>
-    <p:tnLst>
-      <p:par>
-        <p:cTn id="1" dur="indefinite" restart="never" nodeType="tmRoot"/>
-      </p:par>
-    </p:tnLst>
-  </p:timing>
-</p:sld>
-</file>
-
-<file path=ppt/slides/slide14.xml><?xml version="1.0" encoding="utf-8"?>
-<p:sld xmlns:a="http://schemas.openxmlformats.org/drawingml/2006/main" xmlns:r="http://schemas.openxmlformats.org/officeDocument/2006/relationships" xmlns:p="http://schemas.openxmlformats.org/presentationml/2006/main">
-  <p:cSld>
-    <p:spTree>
-      <p:nvGrpSpPr>
-        <p:cNvPr id="1" name=""/>
-        <p:cNvGrpSpPr/>
-        <p:nvPr/>
-      </p:nvGrpSpPr>
-      <p:grpSpPr>
-        <a:xfrm>
-          <a:off x="0" y="0"/>
-          <a:ext cx="0" cy="0"/>
-          <a:chOff x="0" y="0"/>
-          <a:chExt cx="0" cy="0"/>
-        </a:xfrm>
-      </p:grpSpPr>
-      <p:sp>
-        <p:nvSpPr>
-          <p:cNvPr id="2" name="标题 1"/>
-          <p:cNvSpPr>
-            <a:spLocks noGrp="1"/>
-          </p:cNvSpPr>
-          <p:nvPr>
-            <p:ph type="title"/>
-          </p:nvPr>
-        </p:nvSpPr>
-        <p:spPr/>
-        <p:txBody>
-          <a:bodyPr/>
-          <a:lstStyle/>
-          <a:p>
-            <a:r>
-              <a:rPr lang="zh-CN" altLang="en-US" dirty="0" smtClean="0"/>
-              <a:t>基于</a:t>
-            </a:r>
-            <a:r>
-              <a:rPr lang="en-US" altLang="zh-CN" dirty="0" smtClean="0"/>
-              <a:t>WPF</a:t>
-            </a:r>
-            <a:r>
-              <a:rPr lang="zh-CN" altLang="en-US" dirty="0" smtClean="0"/>
-              <a:t>的编程</a:t>
-            </a:r>
-            <a:endParaRPr lang="zh-CN" altLang="en-US" dirty="0"/>
-          </a:p>
-        </p:txBody>
-      </p:sp>
-      <p:sp>
-        <p:nvSpPr>
-          <p:cNvPr id="3" name="内容占位符 2"/>
-          <p:cNvSpPr>
-            <a:spLocks noGrp="1"/>
-          </p:cNvSpPr>
-          <p:nvPr>
-            <p:ph idx="1"/>
-          </p:nvPr>
-        </p:nvSpPr>
-        <p:spPr/>
-        <p:txBody>
-          <a:bodyPr/>
-          <a:lstStyle/>
-          <a:p>
-            <a:r>
-              <a:rPr lang="en-US" altLang="zh-CN" dirty="0" smtClean="0"/>
-              <a:t>Model-View-</a:t>
-            </a:r>
-            <a:r>
-              <a:rPr lang="en-US" altLang="zh-CN" dirty="0" err="1" smtClean="0"/>
-              <a:t>ViewModel</a:t>
-            </a:r>
-            <a:endParaRPr lang="en-US" altLang="zh-CN" dirty="0" smtClean="0"/>
-          </a:p>
-          <a:p>
-            <a:pPr lvl="1"/>
-            <a:r>
-              <a:rPr lang="en-US" altLang="zh-CN" dirty="0" smtClean="0"/>
-              <a:t>Data Binding</a:t>
-            </a:r>
-          </a:p>
-          <a:p>
-            <a:pPr lvl="1"/>
-            <a:r>
-              <a:rPr lang="en-US" altLang="zh-CN" dirty="0" err="1" smtClean="0"/>
-              <a:t>INotifyPropertyChanged</a:t>
-            </a:r>
-            <a:endParaRPr lang="en-US" altLang="zh-CN" dirty="0" smtClean="0"/>
-          </a:p>
-          <a:p>
-            <a:pPr lvl="1"/>
-            <a:r>
-              <a:rPr lang="en-US" altLang="zh-CN" dirty="0" err="1" smtClean="0"/>
-              <a:t>IValueConverter</a:t>
-            </a:r>
-            <a:endParaRPr lang="en-US" altLang="zh-CN" dirty="0" smtClean="0"/>
-          </a:p>
-          <a:p>
-            <a:pPr lvl="1"/>
-            <a:r>
-              <a:rPr lang="en-US" altLang="zh-CN" dirty="0" err="1" smtClean="0"/>
-              <a:t>DependencyProperty</a:t>
-            </a:r>
-            <a:endParaRPr lang="en-US" altLang="zh-CN" dirty="0" smtClean="0"/>
-          </a:p>
-          <a:p>
-            <a:pPr lvl="1"/>
-            <a:r>
-              <a:rPr lang="en-US" altLang="zh-CN" dirty="0"/>
-              <a:t>Routed </a:t>
-            </a:r>
-            <a:r>
-              <a:rPr lang="en-US" altLang="zh-CN" dirty="0" smtClean="0"/>
-              <a:t>Command</a:t>
-            </a:r>
-            <a:endParaRPr lang="zh-CN" altLang="en-US" dirty="0"/>
-          </a:p>
-        </p:txBody>
-      </p:sp>
-    </p:spTree>
-    <p:extLst>
-      <p:ext uri="{BB962C8B-B14F-4D97-AF65-F5344CB8AC3E}">
-        <p14:creationId xmlns:p14="http://schemas.microsoft.com/office/powerpoint/2010/main" val="3947194097"/>
-      </p:ext>
-    </p:extLst>
-  </p:cSld>
-  <p:clrMapOvr>
-    <a:masterClrMapping/>
-  </p:clrMapOvr>
 </p:sld>
 </file>
 
@@ -8515,14 +8605,370 @@
           <a:lstStyle/>
           <a:p>
             <a:r>
-              <a:rPr lang="en-US" altLang="zh-CN" dirty="0" smtClean="0"/>
+              <a:rPr lang="zh-CN" altLang="en-US" dirty="0"/>
+              <a:t>基于</a:t>
+            </a:r>
+            <a:r>
+              <a:rPr lang="en-US" altLang="zh-CN" dirty="0"/>
               <a:t>WPF</a:t>
             </a:r>
             <a:r>
-              <a:rPr lang="zh-CN" altLang="en-US" dirty="0" smtClean="0"/>
+              <a:rPr lang="zh-CN" altLang="en-US" dirty="0"/>
+              <a:t>的编程</a:t>
+            </a:r>
+          </a:p>
+        </p:txBody>
+      </p:sp>
+      <p:sp>
+        <p:nvSpPr>
+          <p:cNvPr id="3" name="内容占位符 2"/>
+          <p:cNvSpPr>
+            <a:spLocks noGrp="1"/>
+          </p:cNvSpPr>
+          <p:nvPr>
+            <p:ph idx="1"/>
+          </p:nvPr>
+        </p:nvSpPr>
+        <p:spPr/>
+        <p:txBody>
+          <a:bodyPr/>
+          <a:lstStyle/>
+          <a:p>
+            <a:r>
+              <a:rPr lang="en-US" altLang="zh-CN" dirty="0"/>
+              <a:t>Model-View-</a:t>
+            </a:r>
+            <a:r>
+              <a:rPr lang="en-US" altLang="zh-CN" dirty="0" err="1"/>
+              <a:t>ViewModel</a:t>
+            </a:r>
+            <a:endParaRPr lang="en-US" altLang="zh-CN" dirty="0"/>
+          </a:p>
+          <a:p>
+            <a:pPr lvl="1"/>
+            <a:r>
+              <a:rPr lang="en-US" altLang="zh-CN" dirty="0" err="1"/>
+              <a:t>WinForm</a:t>
+            </a:r>
+            <a:r>
+              <a:rPr lang="en-US" altLang="zh-CN" dirty="0"/>
+              <a:t>: </a:t>
+            </a:r>
+            <a:r>
+              <a:rPr lang="zh-CN" altLang="en-US" dirty="0"/>
+              <a:t>事件驱动</a:t>
+            </a:r>
+            <a:endParaRPr lang="en-US" altLang="zh-CN" dirty="0"/>
+          </a:p>
+          <a:p>
+            <a:pPr lvl="1"/>
+            <a:r>
+              <a:rPr lang="en-US" altLang="zh-CN" dirty="0"/>
+              <a:t>WPF: </a:t>
+            </a:r>
+            <a:r>
+              <a:rPr lang="zh-CN" altLang="en-US" dirty="0"/>
+              <a:t>数据驱动</a:t>
+            </a:r>
+            <a:endParaRPr lang="en-US" altLang="zh-CN" dirty="0"/>
+          </a:p>
+          <a:p>
+            <a:pPr lvl="1"/>
+            <a:r>
+              <a:rPr lang="en-US" altLang="zh-CN" dirty="0"/>
+              <a:t>MVVM: Model-View-</a:t>
+            </a:r>
+            <a:r>
+              <a:rPr lang="en-US" altLang="zh-CN" dirty="0" err="1"/>
+              <a:t>ViewModel</a:t>
+            </a:r>
+            <a:endParaRPr lang="en-US" altLang="zh-CN" dirty="0"/>
+          </a:p>
+        </p:txBody>
+      </p:sp>
+    </p:spTree>
+    <p:extLst>
+      <p:ext uri="{BB962C8B-B14F-4D97-AF65-F5344CB8AC3E}">
+        <p14:creationId xmlns:p14="http://schemas.microsoft.com/office/powerpoint/2010/main" val="893775499"/>
+      </p:ext>
+    </p:extLst>
+  </p:cSld>
+  <p:clrMapOvr>
+    <a:masterClrMapping/>
+  </p:clrMapOvr>
+</p:sld>
+</file>
+
+<file path=ppt/slides/slide16.xml><?xml version="1.0" encoding="utf-8"?>
+<p:sld xmlns:a="http://schemas.openxmlformats.org/drawingml/2006/main" xmlns:r="http://schemas.openxmlformats.org/officeDocument/2006/relationships" xmlns:p="http://schemas.openxmlformats.org/presentationml/2006/main">
+  <p:cSld>
+    <p:spTree>
+      <p:nvGrpSpPr>
+        <p:cNvPr id="1" name=""/>
+        <p:cNvGrpSpPr/>
+        <p:nvPr/>
+      </p:nvGrpSpPr>
+      <p:grpSpPr>
+        <a:xfrm>
+          <a:off x="0" y="0"/>
+          <a:ext cx="0" cy="0"/>
+          <a:chOff x="0" y="0"/>
+          <a:chExt cx="0" cy="0"/>
+        </a:xfrm>
+      </p:grpSpPr>
+      <p:pic>
+        <p:nvPicPr>
+          <p:cNvPr id="4" name="图片 3">
+            <a:extLst>
+              <a:ext uri="{FF2B5EF4-FFF2-40B4-BE49-F238E27FC236}">
+                <a16:creationId xmlns:a16="http://schemas.microsoft.com/office/drawing/2014/main" id="{7FE147AC-A490-4E5B-9F31-1EEA65C4D68A}"/>
+              </a:ext>
+            </a:extLst>
+          </p:cNvPr>
+          <p:cNvPicPr>
+            <a:picLocks noChangeAspect="1"/>
+          </p:cNvPicPr>
+          <p:nvPr/>
+        </p:nvPicPr>
+        <p:blipFill>
+          <a:blip r:embed="rId2"/>
+          <a:stretch>
+            <a:fillRect/>
+          </a:stretch>
+        </p:blipFill>
+        <p:spPr>
+          <a:xfrm>
+            <a:off x="263974" y="202158"/>
+            <a:ext cx="4944165" cy="3553321"/>
+          </a:xfrm>
+          <a:prstGeom prst="rect">
+            <a:avLst/>
+          </a:prstGeom>
+          <a:effectLst>
+            <a:outerShdw blurRad="50800" dist="38100" dir="2700000" algn="tl" rotWithShape="0">
+              <a:prstClr val="black">
+                <a:alpha val="40000"/>
+              </a:prstClr>
+            </a:outerShdw>
+          </a:effectLst>
+        </p:spPr>
+      </p:pic>
+      <p:pic>
+        <p:nvPicPr>
+          <p:cNvPr id="5" name="图片 4">
+            <a:extLst>
+              <a:ext uri="{FF2B5EF4-FFF2-40B4-BE49-F238E27FC236}">
+                <a16:creationId xmlns:a16="http://schemas.microsoft.com/office/drawing/2014/main" id="{94A1B4C9-F97E-4E41-AD38-57663868B44D}"/>
+              </a:ext>
+            </a:extLst>
+          </p:cNvPr>
+          <p:cNvPicPr>
+            <a:picLocks noChangeAspect="1"/>
+          </p:cNvPicPr>
+          <p:nvPr/>
+        </p:nvPicPr>
+        <p:blipFill>
+          <a:blip r:embed="rId3"/>
+          <a:stretch>
+            <a:fillRect/>
+          </a:stretch>
+        </p:blipFill>
+        <p:spPr>
+          <a:xfrm>
+            <a:off x="1839575" y="1171978"/>
+            <a:ext cx="7103939" cy="5531662"/>
+          </a:xfrm>
+          <a:prstGeom prst="rect">
+            <a:avLst/>
+          </a:prstGeom>
+          <a:effectLst>
+            <a:outerShdw blurRad="50800" dist="38100" dir="2700000" algn="tl" rotWithShape="0">
+              <a:prstClr val="black">
+                <a:alpha val="40000"/>
+              </a:prstClr>
+            </a:outerShdw>
+          </a:effectLst>
+        </p:spPr>
+      </p:pic>
+    </p:spTree>
+    <p:extLst>
+      <p:ext uri="{BB962C8B-B14F-4D97-AF65-F5344CB8AC3E}">
+        <p14:creationId xmlns:p14="http://schemas.microsoft.com/office/powerpoint/2010/main" val="3058470345"/>
+      </p:ext>
+    </p:extLst>
+  </p:cSld>
+  <p:clrMapOvr>
+    <a:masterClrMapping/>
+  </p:clrMapOvr>
+</p:sld>
+</file>
+
+<file path=ppt/slides/slide17.xml><?xml version="1.0" encoding="utf-8"?>
+<p:sld xmlns:a="http://schemas.openxmlformats.org/drawingml/2006/main" xmlns:r="http://schemas.openxmlformats.org/officeDocument/2006/relationships" xmlns:p="http://schemas.openxmlformats.org/presentationml/2006/main">
+  <p:cSld>
+    <p:spTree>
+      <p:nvGrpSpPr>
+        <p:cNvPr id="1" name=""/>
+        <p:cNvGrpSpPr/>
+        <p:nvPr/>
+      </p:nvGrpSpPr>
+      <p:grpSpPr>
+        <a:xfrm>
+          <a:off x="0" y="0"/>
+          <a:ext cx="0" cy="0"/>
+          <a:chOff x="0" y="0"/>
+          <a:chExt cx="0" cy="0"/>
+        </a:xfrm>
+      </p:grpSpPr>
+      <p:sp>
+        <p:nvSpPr>
+          <p:cNvPr id="2" name="标题 1"/>
+          <p:cNvSpPr>
+            <a:spLocks noGrp="1"/>
+          </p:cNvSpPr>
+          <p:nvPr>
+            <p:ph type="title"/>
+          </p:nvPr>
+        </p:nvSpPr>
+        <p:spPr/>
+        <p:txBody>
+          <a:bodyPr/>
+          <a:lstStyle/>
+          <a:p>
+            <a:r>
+              <a:rPr lang="zh-CN" altLang="en-US" dirty="0"/>
+              <a:t>基于</a:t>
+            </a:r>
+            <a:r>
+              <a:rPr lang="en-US" altLang="zh-CN" dirty="0"/>
+              <a:t>WPF</a:t>
+            </a:r>
+            <a:r>
+              <a:rPr lang="zh-CN" altLang="en-US" dirty="0"/>
+              <a:t>的编程</a:t>
+            </a:r>
+          </a:p>
+        </p:txBody>
+      </p:sp>
+      <p:sp>
+        <p:nvSpPr>
+          <p:cNvPr id="3" name="内容占位符 2"/>
+          <p:cNvSpPr>
+            <a:spLocks noGrp="1"/>
+          </p:cNvSpPr>
+          <p:nvPr>
+            <p:ph idx="1"/>
+          </p:nvPr>
+        </p:nvSpPr>
+        <p:spPr/>
+        <p:txBody>
+          <a:bodyPr/>
+          <a:lstStyle/>
+          <a:p>
+            <a:r>
+              <a:rPr lang="en-US" altLang="zh-CN" dirty="0"/>
+              <a:t>Model-View-</a:t>
+            </a:r>
+            <a:r>
+              <a:rPr lang="en-US" altLang="zh-CN" dirty="0" err="1"/>
+              <a:t>ViewModel</a:t>
+            </a:r>
+            <a:endParaRPr lang="en-US" altLang="zh-CN" dirty="0"/>
+          </a:p>
+          <a:p>
+            <a:pPr lvl="1"/>
+            <a:r>
+              <a:rPr lang="en-US" altLang="zh-CN" dirty="0"/>
+              <a:t>Data Binding</a:t>
+            </a:r>
+          </a:p>
+          <a:p>
+            <a:pPr lvl="1"/>
+            <a:r>
+              <a:rPr lang="en-US" altLang="zh-CN" dirty="0" err="1"/>
+              <a:t>INotifyPropertyChanged</a:t>
+            </a:r>
+            <a:endParaRPr lang="en-US" altLang="zh-CN" dirty="0"/>
+          </a:p>
+          <a:p>
+            <a:pPr lvl="1"/>
+            <a:r>
+              <a:rPr lang="en-US" altLang="zh-CN" dirty="0" err="1"/>
+              <a:t>IValueConverter</a:t>
+            </a:r>
+            <a:endParaRPr lang="en-US" altLang="zh-CN" dirty="0"/>
+          </a:p>
+          <a:p>
+            <a:pPr lvl="1"/>
+            <a:r>
+              <a:rPr lang="en-US" altLang="zh-CN" dirty="0" err="1"/>
+              <a:t>DependencyProperty</a:t>
+            </a:r>
+            <a:endParaRPr lang="en-US" altLang="zh-CN" dirty="0"/>
+          </a:p>
+          <a:p>
+            <a:pPr lvl="1"/>
+            <a:r>
+              <a:rPr lang="en-US" altLang="zh-CN" dirty="0"/>
+              <a:t>Routed Command</a:t>
+            </a:r>
+            <a:endParaRPr lang="zh-CN" altLang="en-US" dirty="0"/>
+          </a:p>
+        </p:txBody>
+      </p:sp>
+    </p:spTree>
+    <p:extLst>
+      <p:ext uri="{BB962C8B-B14F-4D97-AF65-F5344CB8AC3E}">
+        <p14:creationId xmlns:p14="http://schemas.microsoft.com/office/powerpoint/2010/main" val="3947194097"/>
+      </p:ext>
+    </p:extLst>
+  </p:cSld>
+  <p:clrMapOvr>
+    <a:masterClrMapping/>
+  </p:clrMapOvr>
+</p:sld>
+</file>
+
+<file path=ppt/slides/slide18.xml><?xml version="1.0" encoding="utf-8"?>
+<p:sld xmlns:a="http://schemas.openxmlformats.org/drawingml/2006/main" xmlns:r="http://schemas.openxmlformats.org/officeDocument/2006/relationships" xmlns:p="http://schemas.openxmlformats.org/presentationml/2006/main">
+  <p:cSld>
+    <p:spTree>
+      <p:nvGrpSpPr>
+        <p:cNvPr id="1" name=""/>
+        <p:cNvGrpSpPr/>
+        <p:nvPr/>
+      </p:nvGrpSpPr>
+      <p:grpSpPr>
+        <a:xfrm>
+          <a:off x="0" y="0"/>
+          <a:ext cx="0" cy="0"/>
+          <a:chOff x="0" y="0"/>
+          <a:chExt cx="0" cy="0"/>
+        </a:xfrm>
+      </p:grpSpPr>
+      <p:sp>
+        <p:nvSpPr>
+          <p:cNvPr id="2" name="标题 1"/>
+          <p:cNvSpPr>
+            <a:spLocks noGrp="1"/>
+          </p:cNvSpPr>
+          <p:nvPr>
+            <p:ph type="title"/>
+          </p:nvPr>
+        </p:nvSpPr>
+        <p:spPr/>
+        <p:txBody>
+          <a:bodyPr/>
+          <a:lstStyle/>
+          <a:p>
+            <a:r>
+              <a:rPr lang="en-US" altLang="zh-CN" dirty="0"/>
+              <a:t>WPF</a:t>
+            </a:r>
+            <a:r>
+              <a:rPr lang="zh-CN" altLang="en-US" dirty="0"/>
               <a:t>数据绑定练习</a:t>
             </a:r>
-            <a:endParaRPr lang="zh-CN" altLang="en-US" dirty="0"/>
           </a:p>
         </p:txBody>
       </p:sp>
@@ -8542,46 +8988,41 @@
           <a:lstStyle/>
           <a:p>
             <a:r>
-              <a:rPr lang="zh-CN" altLang="en-US" dirty="0" smtClean="0"/>
-              <a:t>练习一</a:t>
-            </a:r>
-            <a:r>
-              <a:rPr lang="zh-CN" altLang="en-US" dirty="0"/>
-              <a:t>：</a:t>
-            </a:r>
-            <a:r>
-              <a:rPr lang="en-US" altLang="zh-CN" dirty="0" err="1" smtClean="0"/>
+              <a:rPr lang="zh-CN" altLang="en-US" dirty="0"/>
+              <a:t>练习一：</a:t>
+            </a:r>
+            <a:r>
+              <a:rPr lang="en-US" altLang="zh-CN" dirty="0" err="1"/>
               <a:t>TextBox</a:t>
             </a:r>
             <a:r>
-              <a:rPr lang="zh-CN" altLang="en-US" dirty="0" smtClean="0"/>
+              <a:rPr lang="zh-CN" altLang="en-US" dirty="0"/>
               <a:t>与后台数据的绑定。</a:t>
             </a:r>
-            <a:endParaRPr lang="en-US" altLang="zh-CN" dirty="0" smtClean="0"/>
+            <a:endParaRPr lang="en-US" altLang="zh-CN" dirty="0"/>
           </a:p>
           <a:p>
             <a:pPr lvl="1"/>
             <a:r>
-              <a:rPr lang="zh-CN" altLang="en-US" dirty="0" smtClean="0"/>
+              <a:rPr lang="zh-CN" altLang="en-US" dirty="0"/>
               <a:t>步骤</a:t>
             </a:r>
             <a:r>
-              <a:rPr lang="en-US" altLang="zh-CN" dirty="0" smtClean="0"/>
+              <a:rPr lang="en-US" altLang="zh-CN" dirty="0"/>
               <a:t>1</a:t>
             </a:r>
             <a:r>
-              <a:rPr lang="zh-CN" altLang="en-US" dirty="0" smtClean="0"/>
+              <a:rPr lang="zh-CN" altLang="en-US" dirty="0"/>
               <a:t>：建立一个</a:t>
             </a:r>
             <a:r>
-              <a:rPr lang="en-US" altLang="zh-CN" dirty="0" smtClean="0"/>
+              <a:rPr lang="en-US" altLang="zh-CN" dirty="0"/>
               <a:t>WPF </a:t>
             </a:r>
             <a:r>
-              <a:rPr lang="zh-CN" altLang="en-US" dirty="0" smtClean="0"/>
+              <a:rPr lang="zh-CN" altLang="en-US" dirty="0"/>
               <a:t>应用程序，起一个合适的项目名称。</a:t>
             </a:r>
-            <a:endParaRPr lang="zh-CN" altLang="en-US" dirty="0"/>
           </a:p>
         </p:txBody>
       </p:sp>
@@ -8622,7 +9063,7 @@
 </p:sld>
 </file>
 
-<file path=ppt/slides/slide16.xml><?xml version="1.0" encoding="utf-8"?>
+<file path=ppt/slides/slide19.xml><?xml version="1.0" encoding="utf-8"?>
 <p:sld xmlns:a="http://schemas.openxmlformats.org/drawingml/2006/main" xmlns:r="http://schemas.openxmlformats.org/officeDocument/2006/relationships" xmlns:p="http://schemas.openxmlformats.org/presentationml/2006/main">
   <p:cSld>
     <p:spTree>
@@ -8655,14 +9096,13 @@
           <a:lstStyle/>
           <a:p>
             <a:r>
-              <a:rPr lang="en-US" altLang="zh-CN" dirty="0" smtClean="0"/>
+              <a:rPr lang="en-US" altLang="zh-CN" dirty="0"/>
               <a:t>WPF</a:t>
             </a:r>
             <a:r>
-              <a:rPr lang="zh-CN" altLang="en-US" dirty="0" smtClean="0"/>
+              <a:rPr lang="zh-CN" altLang="en-US" dirty="0"/>
               <a:t>数据绑定练习</a:t>
             </a:r>
-            <a:endParaRPr lang="zh-CN" altLang="en-US" dirty="0"/>
           </a:p>
         </p:txBody>
       </p:sp>
@@ -8682,42 +9122,41 @@
           <a:lstStyle/>
           <a:p>
             <a:r>
-              <a:rPr lang="zh-CN" altLang="en-US" dirty="0" smtClean="0"/>
+              <a:rPr lang="zh-CN" altLang="en-US" dirty="0"/>
               <a:t>练习一：</a:t>
             </a:r>
             <a:r>
-              <a:rPr lang="en-US" altLang="zh-CN" dirty="0" err="1" smtClean="0"/>
+              <a:rPr lang="en-US" altLang="zh-CN" dirty="0" err="1"/>
               <a:t>TextBox</a:t>
             </a:r>
             <a:r>
-              <a:rPr lang="zh-CN" altLang="en-US" dirty="0" smtClean="0"/>
+              <a:rPr lang="zh-CN" altLang="en-US" dirty="0"/>
               <a:t>与后台数据的绑定。</a:t>
             </a:r>
-            <a:endParaRPr lang="en-US" altLang="zh-CN" dirty="0" smtClean="0"/>
+            <a:endParaRPr lang="en-US" altLang="zh-CN" dirty="0"/>
           </a:p>
           <a:p>
             <a:pPr lvl="1"/>
             <a:r>
-              <a:rPr lang="zh-CN" altLang="en-US" dirty="0" smtClean="0"/>
+              <a:rPr lang="zh-CN" altLang="en-US" dirty="0"/>
               <a:t>步骤</a:t>
             </a:r>
             <a:r>
-              <a:rPr lang="en-US" altLang="zh-CN" dirty="0" smtClean="0"/>
+              <a:rPr lang="en-US" altLang="zh-CN" dirty="0"/>
               <a:t>2</a:t>
             </a:r>
             <a:r>
-              <a:rPr lang="zh-CN" altLang="en-US" dirty="0" smtClean="0"/>
+              <a:rPr lang="zh-CN" altLang="en-US" dirty="0"/>
               <a:t>：向项目中添加一个新类</a:t>
             </a:r>
             <a:r>
-              <a:rPr lang="en-US" altLang="zh-CN" dirty="0" err="1" smtClean="0"/>
+              <a:rPr lang="en-US" altLang="zh-CN" dirty="0" err="1"/>
               <a:t>MyModel</a:t>
             </a:r>
             <a:r>
-              <a:rPr lang="zh-CN" altLang="en-US" dirty="0" smtClean="0"/>
+              <a:rPr lang="zh-CN" altLang="en-US" dirty="0"/>
               <a:t>，作为后台数据模型。</a:t>
             </a:r>
-            <a:endParaRPr lang="zh-CN" altLang="en-US" dirty="0"/>
           </a:p>
         </p:txBody>
       </p:sp>
@@ -8782,7 +9221,7 @@
 </p:sld>
 </file>
 
-<file path=ppt/slides/slide17.xml><?xml version="1.0" encoding="utf-8"?>
+<file path=ppt/slides/slide2.xml><?xml version="1.0" encoding="utf-8"?>
 <p:sld xmlns:a="http://schemas.openxmlformats.org/drawingml/2006/main" xmlns:r="http://schemas.openxmlformats.org/officeDocument/2006/relationships" xmlns:p="http://schemas.openxmlformats.org/presentationml/2006/main">
   <p:cSld>
     <p:spTree>
@@ -8815,14 +9254,93 @@
           <a:lstStyle/>
           <a:p>
             <a:r>
-              <a:rPr lang="en-US" altLang="zh-CN" dirty="0" smtClean="0"/>
+              <a:rPr lang="zh-CN" altLang="en-US" dirty="0"/>
+              <a:t>关于</a:t>
+            </a:r>
+            <a:r>
+              <a:rPr lang="en-US" altLang="zh-CN" dirty="0"/>
               <a:t>WPF</a:t>
             </a:r>
-            <a:r>
-              <a:rPr lang="zh-CN" altLang="en-US" dirty="0" smtClean="0"/>
+            <a:endParaRPr lang="zh-CN" altLang="en-US" dirty="0"/>
+          </a:p>
+        </p:txBody>
+      </p:sp>
+      <p:sp>
+        <p:nvSpPr>
+          <p:cNvPr id="3" name="文本占位符 2"/>
+          <p:cNvSpPr>
+            <a:spLocks noGrp="1"/>
+          </p:cNvSpPr>
+          <p:nvPr>
+            <p:ph type="body" idx="1"/>
+          </p:nvPr>
+        </p:nvSpPr>
+        <p:spPr/>
+        <p:txBody>
+          <a:bodyPr/>
+          <a:lstStyle/>
+          <a:p>
+            <a:r>
+              <a:rPr lang="en-US" altLang="zh-CN" dirty="0"/>
+              <a:t>Windows Presentation Foundation</a:t>
+            </a:r>
+            <a:endParaRPr lang="zh-CN" altLang="en-US" dirty="0"/>
+          </a:p>
+        </p:txBody>
+      </p:sp>
+    </p:spTree>
+    <p:extLst>
+      <p:ext uri="{BB962C8B-B14F-4D97-AF65-F5344CB8AC3E}">
+        <p14:creationId xmlns:p14="http://schemas.microsoft.com/office/powerpoint/2010/main" val="3561718702"/>
+      </p:ext>
+    </p:extLst>
+  </p:cSld>
+  <p:clrMapOvr>
+    <a:masterClrMapping/>
+  </p:clrMapOvr>
+</p:sld>
+</file>
+
+<file path=ppt/slides/slide20.xml><?xml version="1.0" encoding="utf-8"?>
+<p:sld xmlns:a="http://schemas.openxmlformats.org/drawingml/2006/main" xmlns:r="http://schemas.openxmlformats.org/officeDocument/2006/relationships" xmlns:p="http://schemas.openxmlformats.org/presentationml/2006/main">
+  <p:cSld>
+    <p:spTree>
+      <p:nvGrpSpPr>
+        <p:cNvPr id="1" name=""/>
+        <p:cNvGrpSpPr/>
+        <p:nvPr/>
+      </p:nvGrpSpPr>
+      <p:grpSpPr>
+        <a:xfrm>
+          <a:off x="0" y="0"/>
+          <a:ext cx="0" cy="0"/>
+          <a:chOff x="0" y="0"/>
+          <a:chExt cx="0" cy="0"/>
+        </a:xfrm>
+      </p:grpSpPr>
+      <p:sp>
+        <p:nvSpPr>
+          <p:cNvPr id="2" name="标题 1"/>
+          <p:cNvSpPr>
+            <a:spLocks noGrp="1"/>
+          </p:cNvSpPr>
+          <p:nvPr>
+            <p:ph type="title"/>
+          </p:nvPr>
+        </p:nvSpPr>
+        <p:spPr/>
+        <p:txBody>
+          <a:bodyPr/>
+          <a:lstStyle/>
+          <a:p>
+            <a:r>
+              <a:rPr lang="en-US" altLang="zh-CN" dirty="0"/>
+              <a:t>WPF</a:t>
+            </a:r>
+            <a:r>
+              <a:rPr lang="zh-CN" altLang="en-US" dirty="0"/>
               <a:t>数据绑定练习</a:t>
             </a:r>
-            <a:endParaRPr lang="zh-CN" altLang="en-US" dirty="0"/>
           </a:p>
         </p:txBody>
       </p:sp>
@@ -8842,50 +9360,49 @@
           <a:lstStyle/>
           <a:p>
             <a:r>
-              <a:rPr lang="zh-CN" altLang="en-US" dirty="0" smtClean="0"/>
+              <a:rPr lang="zh-CN" altLang="en-US" dirty="0"/>
               <a:t>练习一：</a:t>
             </a:r>
             <a:r>
-              <a:rPr lang="en-US" altLang="zh-CN" dirty="0" err="1" smtClean="0"/>
+              <a:rPr lang="en-US" altLang="zh-CN" dirty="0" err="1"/>
               <a:t>TextBox</a:t>
             </a:r>
             <a:r>
-              <a:rPr lang="zh-CN" altLang="en-US" dirty="0" smtClean="0"/>
+              <a:rPr lang="zh-CN" altLang="en-US" dirty="0"/>
               <a:t>与后台数据的绑定。</a:t>
             </a:r>
-            <a:endParaRPr lang="en-US" altLang="zh-CN" dirty="0" smtClean="0"/>
+            <a:endParaRPr lang="en-US" altLang="zh-CN" dirty="0"/>
           </a:p>
           <a:p>
             <a:pPr lvl="1"/>
             <a:r>
-              <a:rPr lang="zh-CN" altLang="en-US" dirty="0" smtClean="0"/>
+              <a:rPr lang="zh-CN" altLang="en-US" dirty="0"/>
               <a:t>步骤</a:t>
             </a:r>
             <a:r>
-              <a:rPr lang="en-US" altLang="zh-CN" dirty="0" smtClean="0"/>
+              <a:rPr lang="en-US" altLang="zh-CN" dirty="0"/>
               <a:t>3</a:t>
             </a:r>
             <a:r>
-              <a:rPr lang="zh-CN" altLang="en-US" dirty="0" smtClean="0"/>
+              <a:rPr lang="zh-CN" altLang="en-US" dirty="0"/>
               <a:t>：编辑</a:t>
             </a:r>
             <a:r>
-              <a:rPr lang="en-US" altLang="zh-CN" dirty="0" err="1" smtClean="0"/>
+              <a:rPr lang="en-US" altLang="zh-CN" dirty="0" err="1"/>
               <a:t>MyModel</a:t>
             </a:r>
             <a:r>
-              <a:rPr lang="zh-CN" altLang="en-US" dirty="0" smtClean="0"/>
+              <a:rPr lang="zh-CN" altLang="en-US" dirty="0"/>
               <a:t>类，添加一个</a:t>
             </a:r>
             <a:r>
-              <a:rPr lang="en-US" altLang="zh-CN" dirty="0" smtClean="0"/>
+              <a:rPr lang="en-US" altLang="zh-CN" dirty="0"/>
               <a:t>Data</a:t>
             </a:r>
             <a:r>
-              <a:rPr lang="zh-CN" altLang="en-US" dirty="0" smtClean="0"/>
+              <a:rPr lang="zh-CN" altLang="en-US" dirty="0"/>
               <a:t>属性。</a:t>
             </a:r>
-            <a:endParaRPr lang="zh-CN" altLang="en-US" dirty="0"/>
           </a:p>
         </p:txBody>
       </p:sp>
@@ -8926,7 +9443,7 @@
 </p:sld>
 </file>
 
-<file path=ppt/slides/slide18.xml><?xml version="1.0" encoding="utf-8"?>
+<file path=ppt/slides/slide21.xml><?xml version="1.0" encoding="utf-8"?>
 <p:sld xmlns:a="http://schemas.openxmlformats.org/drawingml/2006/main" xmlns:r="http://schemas.openxmlformats.org/officeDocument/2006/relationships" xmlns:p="http://schemas.openxmlformats.org/presentationml/2006/main">
   <p:cSld>
     <p:spTree>
@@ -8959,14 +9476,13 @@
           <a:lstStyle/>
           <a:p>
             <a:r>
-              <a:rPr lang="en-US" altLang="zh-CN" dirty="0" smtClean="0"/>
+              <a:rPr lang="en-US" altLang="zh-CN" dirty="0"/>
               <a:t>WPF</a:t>
             </a:r>
             <a:r>
-              <a:rPr lang="zh-CN" altLang="en-US" dirty="0" smtClean="0"/>
+              <a:rPr lang="zh-CN" altLang="en-US" dirty="0"/>
               <a:t>数据绑定练习</a:t>
             </a:r>
-            <a:endParaRPr lang="zh-CN" altLang="en-US" dirty="0"/>
           </a:p>
         </p:txBody>
       </p:sp>
@@ -8986,93 +9502,92 @@
           <a:lstStyle/>
           <a:p>
             <a:r>
-              <a:rPr lang="zh-CN" altLang="en-US" dirty="0" smtClean="0"/>
+              <a:rPr lang="zh-CN" altLang="en-US" dirty="0"/>
               <a:t>练习一：</a:t>
             </a:r>
             <a:r>
-              <a:rPr lang="en-US" altLang="zh-CN" dirty="0" err="1" smtClean="0"/>
+              <a:rPr lang="en-US" altLang="zh-CN" dirty="0" err="1"/>
               <a:t>TextBox</a:t>
             </a:r>
             <a:r>
-              <a:rPr lang="zh-CN" altLang="en-US" dirty="0" smtClean="0"/>
+              <a:rPr lang="zh-CN" altLang="en-US" dirty="0"/>
               <a:t>与后台数据的绑定。</a:t>
             </a:r>
-            <a:endParaRPr lang="en-US" altLang="zh-CN" dirty="0" smtClean="0"/>
+            <a:endParaRPr lang="en-US" altLang="zh-CN" dirty="0"/>
           </a:p>
           <a:p>
             <a:pPr lvl="1"/>
             <a:r>
-              <a:rPr lang="zh-CN" altLang="en-US" dirty="0" smtClean="0"/>
+              <a:rPr lang="zh-CN" altLang="en-US" dirty="0"/>
               <a:t>步骤</a:t>
             </a:r>
             <a:r>
-              <a:rPr lang="en-US" altLang="zh-CN" dirty="0" smtClean="0"/>
+              <a:rPr lang="en-US" altLang="zh-CN" dirty="0"/>
               <a:t>4</a:t>
             </a:r>
             <a:r>
-              <a:rPr lang="zh-CN" altLang="en-US" dirty="0" smtClean="0"/>
+              <a:rPr lang="zh-CN" altLang="en-US" dirty="0"/>
               <a:t>：编辑主窗体</a:t>
             </a:r>
             <a:r>
-              <a:rPr lang="en-US" altLang="zh-CN" dirty="0" err="1" smtClean="0"/>
+              <a:rPr lang="en-US" altLang="zh-CN" dirty="0" err="1"/>
               <a:t>MainWindow.xaml</a:t>
             </a:r>
             <a:r>
-              <a:rPr lang="zh-CN" altLang="en-US" dirty="0" smtClean="0"/>
+              <a:rPr lang="zh-CN" altLang="en-US" dirty="0"/>
               <a:t>。</a:t>
             </a:r>
             <a:r>
-              <a:rPr lang="en-US" altLang="zh-CN" dirty="0" smtClean="0"/>
+              <a:rPr lang="en-US" altLang="zh-CN" dirty="0"/>
               <a:t>(</a:t>
             </a:r>
             <a:r>
-              <a:rPr lang="zh-CN" altLang="en-US" dirty="0" smtClean="0"/>
+              <a:rPr lang="zh-CN" altLang="en-US" dirty="0"/>
               <a:t>注意观察窗体效果</a:t>
             </a:r>
             <a:r>
-              <a:rPr lang="en-US" altLang="zh-CN" dirty="0" smtClean="0"/>
+              <a:rPr lang="en-US" altLang="zh-CN" dirty="0"/>
               <a:t>)</a:t>
             </a:r>
           </a:p>
           <a:p>
             <a:pPr lvl="2"/>
             <a:r>
-              <a:rPr lang="zh-CN" altLang="en-US" dirty="0" smtClean="0"/>
+              <a:rPr lang="zh-CN" altLang="en-US" dirty="0"/>
               <a:t>添加一个</a:t>
             </a:r>
             <a:r>
-              <a:rPr lang="en-US" altLang="zh-CN" dirty="0" err="1" smtClean="0"/>
+              <a:rPr lang="en-US" altLang="zh-CN" dirty="0" err="1"/>
               <a:t>TextBox</a:t>
             </a:r>
             <a:r>
-              <a:rPr lang="zh-CN" altLang="en-US" dirty="0" smtClean="0"/>
+              <a:rPr lang="zh-CN" altLang="en-US" dirty="0"/>
               <a:t>，并将</a:t>
             </a:r>
             <a:r>
-              <a:rPr lang="en-US" altLang="zh-CN" dirty="0" err="1" smtClean="0"/>
+              <a:rPr lang="en-US" altLang="zh-CN" dirty="0" err="1"/>
               <a:t>TextBox</a:t>
             </a:r>
             <a:r>
-              <a:rPr lang="zh-CN" altLang="en-US" dirty="0" smtClean="0"/>
+              <a:rPr lang="zh-CN" altLang="en-US" dirty="0"/>
               <a:t>的</a:t>
             </a:r>
             <a:r>
-              <a:rPr lang="en-US" altLang="zh-CN" dirty="0" smtClean="0"/>
+              <a:rPr lang="en-US" altLang="zh-CN" dirty="0"/>
               <a:t>Text</a:t>
             </a:r>
             <a:r>
-              <a:rPr lang="zh-CN" altLang="en-US" dirty="0" smtClean="0"/>
+              <a:rPr lang="zh-CN" altLang="en-US" dirty="0"/>
               <a:t>属性绑定到</a:t>
             </a:r>
             <a:r>
-              <a:rPr lang="en-US" altLang="zh-CN" dirty="0" smtClean="0"/>
+              <a:rPr lang="en-US" altLang="zh-CN" dirty="0"/>
               <a:t>Data</a:t>
             </a:r>
             <a:r>
-              <a:rPr lang="zh-CN" altLang="en-US" dirty="0" smtClean="0"/>
+              <a:rPr lang="zh-CN" altLang="en-US" dirty="0"/>
               <a:t>属性。</a:t>
             </a:r>
-            <a:endParaRPr lang="zh-CN" altLang="en-US" dirty="0"/>
           </a:p>
         </p:txBody>
       </p:sp>
@@ -9113,7 +9628,7 @@
 </p:sld>
 </file>
 
-<file path=ppt/slides/slide19.xml><?xml version="1.0" encoding="utf-8"?>
+<file path=ppt/slides/slide22.xml><?xml version="1.0" encoding="utf-8"?>
 <p:sld xmlns:a="http://schemas.openxmlformats.org/drawingml/2006/main" xmlns:r="http://schemas.openxmlformats.org/officeDocument/2006/relationships" xmlns:p="http://schemas.openxmlformats.org/presentationml/2006/main">
   <p:cSld>
     <p:spTree>
@@ -9146,14 +9661,13 @@
           <a:lstStyle/>
           <a:p>
             <a:r>
-              <a:rPr lang="en-US" altLang="zh-CN" dirty="0" smtClean="0"/>
+              <a:rPr lang="en-US" altLang="zh-CN" dirty="0"/>
               <a:t>WPF</a:t>
             </a:r>
             <a:r>
-              <a:rPr lang="zh-CN" altLang="en-US" dirty="0" smtClean="0"/>
+              <a:rPr lang="zh-CN" altLang="en-US" dirty="0"/>
               <a:t>数据绑定练习</a:t>
             </a:r>
-            <a:endParaRPr lang="zh-CN" altLang="en-US" dirty="0"/>
           </a:p>
         </p:txBody>
       </p:sp>
@@ -9173,66 +9687,65 @@
           <a:lstStyle/>
           <a:p>
             <a:r>
-              <a:rPr lang="zh-CN" altLang="en-US" dirty="0" smtClean="0"/>
+              <a:rPr lang="zh-CN" altLang="en-US" dirty="0"/>
               <a:t>练习一：</a:t>
             </a:r>
             <a:r>
-              <a:rPr lang="en-US" altLang="zh-CN" dirty="0" err="1" smtClean="0"/>
+              <a:rPr lang="en-US" altLang="zh-CN" dirty="0" err="1"/>
               <a:t>TextBox</a:t>
             </a:r>
             <a:r>
-              <a:rPr lang="zh-CN" altLang="en-US" dirty="0" smtClean="0"/>
+              <a:rPr lang="zh-CN" altLang="en-US" dirty="0"/>
               <a:t>与后台数据的绑定。</a:t>
             </a:r>
-            <a:endParaRPr lang="en-US" altLang="zh-CN" dirty="0" smtClean="0"/>
+            <a:endParaRPr lang="en-US" altLang="zh-CN" dirty="0"/>
           </a:p>
           <a:p>
             <a:pPr lvl="1"/>
             <a:r>
-              <a:rPr lang="zh-CN" altLang="en-US" dirty="0" smtClean="0"/>
+              <a:rPr lang="zh-CN" altLang="en-US" dirty="0"/>
               <a:t>步骤</a:t>
             </a:r>
             <a:r>
-              <a:rPr lang="en-US" altLang="zh-CN" dirty="0" smtClean="0"/>
+              <a:rPr lang="en-US" altLang="zh-CN" dirty="0"/>
               <a:t>5</a:t>
             </a:r>
             <a:r>
-              <a:rPr lang="zh-CN" altLang="en-US" dirty="0" smtClean="0"/>
+              <a:rPr lang="zh-CN" altLang="en-US" dirty="0"/>
               <a:t>：编辑主窗体代码</a:t>
             </a:r>
             <a:r>
-              <a:rPr lang="en-US" altLang="zh-CN" dirty="0" err="1" smtClean="0"/>
+              <a:rPr lang="en-US" altLang="zh-CN" dirty="0" err="1"/>
               <a:t>MainWindow.xaml.cs</a:t>
             </a:r>
             <a:r>
-              <a:rPr lang="zh-CN" altLang="en-US" dirty="0" smtClean="0"/>
+              <a:rPr lang="zh-CN" altLang="en-US" dirty="0"/>
               <a:t>。</a:t>
             </a:r>
-            <a:endParaRPr lang="en-US" altLang="zh-CN" dirty="0" smtClean="0"/>
+            <a:endParaRPr lang="en-US" altLang="zh-CN" dirty="0"/>
           </a:p>
           <a:p>
             <a:pPr lvl="2"/>
             <a:r>
-              <a:rPr lang="zh-CN" altLang="en-US" dirty="0" smtClean="0"/>
+              <a:rPr lang="zh-CN" altLang="en-US" dirty="0"/>
               <a:t>向</a:t>
             </a:r>
             <a:r>
-              <a:rPr lang="en-US" altLang="zh-CN" dirty="0" err="1" smtClean="0"/>
+              <a:rPr lang="en-US" altLang="zh-CN" dirty="0" err="1"/>
               <a:t>MainWindow</a:t>
             </a:r>
             <a:r>
-              <a:rPr lang="zh-CN" altLang="en-US" dirty="0" smtClean="0"/>
+              <a:rPr lang="zh-CN" altLang="en-US" dirty="0"/>
               <a:t>中添加一个</a:t>
             </a:r>
             <a:r>
-              <a:rPr lang="en-US" altLang="zh-CN" dirty="0" err="1" smtClean="0"/>
+              <a:rPr lang="en-US" altLang="zh-CN" dirty="0" err="1"/>
               <a:t>MyModel</a:t>
             </a:r>
             <a:r>
-              <a:rPr lang="zh-CN" altLang="en-US" dirty="0" smtClean="0"/>
+              <a:rPr lang="zh-CN" altLang="en-US" dirty="0"/>
               <a:t>实例，指定为相关数据模型。</a:t>
             </a:r>
-            <a:endParaRPr lang="zh-CN" altLang="en-US" dirty="0"/>
           </a:p>
         </p:txBody>
       </p:sp>
@@ -9298,18 +9811,17 @@
           <a:p>
             <a:pPr algn="ctr"/>
             <a:r>
-              <a:rPr lang="zh-CN" altLang="en-US" sz="1600" dirty="0" smtClean="0"/>
+              <a:rPr lang="zh-CN" altLang="en-US" sz="1600" dirty="0"/>
               <a:t>可以试运行</a:t>
             </a:r>
-            <a:endParaRPr lang="en-US" altLang="zh-CN" sz="1600" dirty="0" smtClean="0"/>
+            <a:endParaRPr lang="en-US" altLang="zh-CN" sz="1600" dirty="0"/>
           </a:p>
           <a:p>
             <a:pPr algn="ctr"/>
             <a:r>
-              <a:rPr lang="zh-CN" altLang="en-US" sz="1600" dirty="0" smtClean="0"/>
+              <a:rPr lang="zh-CN" altLang="en-US" sz="1600" dirty="0"/>
               <a:t>一下了！</a:t>
             </a:r>
-            <a:endParaRPr lang="zh-CN" altLang="en-US" sz="1600" dirty="0"/>
           </a:p>
         </p:txBody>
       </p:sp>
@@ -9326,7 +9838,7 @@
 </p:sld>
 </file>
 
-<file path=ppt/slides/slide2.xml><?xml version="1.0" encoding="utf-8"?>
+<file path=ppt/slides/slide23.xml><?xml version="1.0" encoding="utf-8"?>
 <p:sld xmlns:a="http://schemas.openxmlformats.org/drawingml/2006/main" xmlns:r="http://schemas.openxmlformats.org/officeDocument/2006/relationships" xmlns:p="http://schemas.openxmlformats.org/presentationml/2006/main">
   <p:cSld>
     <p:spTree>
@@ -9359,25 +9871,24 @@
           <a:lstStyle/>
           <a:p>
             <a:r>
-              <a:rPr lang="zh-CN" altLang="en-US" dirty="0" smtClean="0"/>
-              <a:t>关于</a:t>
-            </a:r>
-            <a:r>
-              <a:rPr lang="en-US" altLang="zh-CN" dirty="0" smtClean="0"/>
+              <a:rPr lang="en-US" altLang="zh-CN" dirty="0"/>
               <a:t>WPF</a:t>
             </a:r>
-            <a:endParaRPr lang="zh-CN" altLang="en-US" dirty="0"/>
-          </a:p>
-        </p:txBody>
-      </p:sp>
-      <p:sp>
-        <p:nvSpPr>
-          <p:cNvPr id="3" name="文本占位符 2"/>
-          <p:cNvSpPr>
-            <a:spLocks noGrp="1"/>
-          </p:cNvSpPr>
-          <p:nvPr>
-            <p:ph type="body" idx="1"/>
+            <a:r>
+              <a:rPr lang="zh-CN" altLang="en-US" dirty="0"/>
+              <a:t>数据绑定练习</a:t>
+            </a:r>
+          </a:p>
+        </p:txBody>
+      </p:sp>
+      <p:sp>
+        <p:nvSpPr>
+          <p:cNvPr id="3" name="内容占位符 2"/>
+          <p:cNvSpPr>
+            <a:spLocks noGrp="1"/>
+          </p:cNvSpPr>
+          <p:nvPr>
+            <p:ph idx="1"/>
           </p:nvPr>
         </p:nvSpPr>
         <p:spPr/>
@@ -9386,126 +9897,39 @@
           <a:lstStyle/>
           <a:p>
             <a:r>
-              <a:rPr lang="en-US" altLang="zh-CN" dirty="0" smtClean="0"/>
-              <a:t>Windows Presentation Foundation</a:t>
-            </a:r>
-            <a:endParaRPr lang="zh-CN" altLang="en-US" dirty="0"/>
-          </a:p>
-        </p:txBody>
-      </p:sp>
-    </p:spTree>
-    <p:extLst>
-      <p:ext uri="{BB962C8B-B14F-4D97-AF65-F5344CB8AC3E}">
-        <p14:creationId xmlns:p14="http://schemas.microsoft.com/office/powerpoint/2010/main" val="3561718702"/>
-      </p:ext>
-    </p:extLst>
-  </p:cSld>
-  <p:clrMapOvr>
-    <a:masterClrMapping/>
-  </p:clrMapOvr>
-  <p:timing>
-    <p:tnLst>
-      <p:par>
-        <p:cTn id="1" dur="indefinite" restart="never" nodeType="tmRoot"/>
-      </p:par>
-    </p:tnLst>
-  </p:timing>
-</p:sld>
-</file>
-
-<file path=ppt/slides/slide20.xml><?xml version="1.0" encoding="utf-8"?>
-<p:sld xmlns:a="http://schemas.openxmlformats.org/drawingml/2006/main" xmlns:r="http://schemas.openxmlformats.org/officeDocument/2006/relationships" xmlns:p="http://schemas.openxmlformats.org/presentationml/2006/main">
-  <p:cSld>
-    <p:spTree>
-      <p:nvGrpSpPr>
-        <p:cNvPr id="1" name=""/>
-        <p:cNvGrpSpPr/>
-        <p:nvPr/>
-      </p:nvGrpSpPr>
-      <p:grpSpPr>
-        <a:xfrm>
-          <a:off x="0" y="0"/>
-          <a:ext cx="0" cy="0"/>
-          <a:chOff x="0" y="0"/>
-          <a:chExt cx="0" cy="0"/>
-        </a:xfrm>
-      </p:grpSpPr>
-      <p:sp>
-        <p:nvSpPr>
-          <p:cNvPr id="2" name="标题 1"/>
-          <p:cNvSpPr>
-            <a:spLocks noGrp="1"/>
-          </p:cNvSpPr>
-          <p:nvPr>
-            <p:ph type="title"/>
-          </p:nvPr>
-        </p:nvSpPr>
-        <p:spPr/>
-        <p:txBody>
-          <a:bodyPr/>
-          <a:lstStyle/>
-          <a:p>
-            <a:r>
-              <a:rPr lang="en-US" altLang="zh-CN" dirty="0" smtClean="0"/>
-              <a:t>WPF</a:t>
-            </a:r>
-            <a:r>
-              <a:rPr lang="zh-CN" altLang="en-US" dirty="0" smtClean="0"/>
-              <a:t>数据绑定练习</a:t>
-            </a:r>
-            <a:endParaRPr lang="zh-CN" altLang="en-US" dirty="0"/>
-          </a:p>
-        </p:txBody>
-      </p:sp>
-      <p:sp>
-        <p:nvSpPr>
-          <p:cNvPr id="3" name="内容占位符 2"/>
-          <p:cNvSpPr>
-            <a:spLocks noGrp="1"/>
-          </p:cNvSpPr>
-          <p:nvPr>
-            <p:ph idx="1"/>
-          </p:nvPr>
-        </p:nvSpPr>
-        <p:spPr/>
-        <p:txBody>
-          <a:bodyPr/>
-          <a:lstStyle/>
-          <a:p>
-            <a:r>
-              <a:rPr lang="zh-CN" altLang="en-US" dirty="0" smtClean="0"/>
+              <a:rPr lang="zh-CN" altLang="en-US" dirty="0"/>
               <a:t>练习一：</a:t>
             </a:r>
             <a:r>
-              <a:rPr lang="en-US" altLang="zh-CN" dirty="0" err="1" smtClean="0"/>
+              <a:rPr lang="en-US" altLang="zh-CN" dirty="0" err="1"/>
               <a:t>TextBox</a:t>
             </a:r>
             <a:r>
-              <a:rPr lang="zh-CN" altLang="en-US" dirty="0" smtClean="0"/>
+              <a:rPr lang="zh-CN" altLang="en-US" dirty="0"/>
               <a:t>与后台数据的绑定。</a:t>
             </a:r>
-            <a:endParaRPr lang="en-US" altLang="zh-CN" dirty="0" smtClean="0"/>
+            <a:endParaRPr lang="en-US" altLang="zh-CN" dirty="0"/>
           </a:p>
           <a:p>
             <a:pPr lvl="1"/>
             <a:r>
-              <a:rPr lang="zh-CN" altLang="en-US" dirty="0" smtClean="0"/>
+              <a:rPr lang="zh-CN" altLang="en-US" dirty="0"/>
               <a:t>步骤</a:t>
             </a:r>
             <a:r>
-              <a:rPr lang="en-US" altLang="zh-CN" dirty="0" smtClean="0"/>
+              <a:rPr lang="en-US" altLang="zh-CN" dirty="0"/>
               <a:t>6</a:t>
             </a:r>
             <a:r>
-              <a:rPr lang="zh-CN" altLang="en-US" dirty="0" smtClean="0"/>
+              <a:rPr lang="zh-CN" altLang="en-US" dirty="0"/>
               <a:t>：修改主窗体</a:t>
             </a:r>
             <a:r>
-              <a:rPr lang="en-US" altLang="zh-CN" dirty="0" err="1" smtClean="0"/>
+              <a:rPr lang="en-US" altLang="zh-CN" dirty="0" err="1"/>
               <a:t>MainWindow.xaml</a:t>
             </a:r>
             <a:r>
-              <a:rPr lang="zh-CN" altLang="en-US" dirty="0" smtClean="0"/>
+              <a:rPr lang="zh-CN" altLang="en-US" dirty="0"/>
               <a:t>。</a:t>
             </a:r>
             <a:r>
@@ -9520,23 +9944,21 @@
               <a:rPr lang="en-US" altLang="zh-CN" dirty="0"/>
               <a:t>)</a:t>
             </a:r>
-            <a:endParaRPr lang="en-US" altLang="zh-CN" dirty="0" smtClean="0"/>
           </a:p>
           <a:p>
             <a:pPr lvl="2"/>
             <a:r>
-              <a:rPr lang="zh-CN" altLang="en-US" dirty="0" smtClean="0"/>
+              <a:rPr lang="zh-CN" altLang="en-US" dirty="0"/>
               <a:t>改用</a:t>
             </a:r>
             <a:r>
-              <a:rPr lang="en-US" altLang="zh-CN" dirty="0" err="1" smtClean="0"/>
+              <a:rPr lang="en-US" altLang="zh-CN" dirty="0" err="1"/>
               <a:t>StackPanel</a:t>
             </a:r>
             <a:r>
-              <a:rPr lang="zh-CN" altLang="en-US" dirty="0" smtClean="0"/>
+              <a:rPr lang="zh-CN" altLang="en-US" dirty="0"/>
               <a:t>做容器，并添加一个按钮。</a:t>
             </a:r>
-            <a:endParaRPr lang="zh-CN" altLang="en-US" dirty="0"/>
           </a:p>
         </p:txBody>
       </p:sp>
@@ -9577,7 +9999,7 @@
 </p:sld>
 </file>
 
-<file path=ppt/slides/slide21.xml><?xml version="1.0" encoding="utf-8"?>
+<file path=ppt/slides/slide24.xml><?xml version="1.0" encoding="utf-8"?>
 <p:sld xmlns:a="http://schemas.openxmlformats.org/drawingml/2006/main" xmlns:r="http://schemas.openxmlformats.org/officeDocument/2006/relationships" xmlns:p="http://schemas.openxmlformats.org/presentationml/2006/main">
   <p:cSld>
     <p:spTree>
@@ -9610,14 +10032,13 @@
           <a:lstStyle/>
           <a:p>
             <a:r>
-              <a:rPr lang="en-US" altLang="zh-CN" dirty="0" smtClean="0"/>
+              <a:rPr lang="en-US" altLang="zh-CN" dirty="0"/>
               <a:t>WPF</a:t>
             </a:r>
             <a:r>
-              <a:rPr lang="zh-CN" altLang="en-US" dirty="0" smtClean="0"/>
+              <a:rPr lang="zh-CN" altLang="en-US" dirty="0"/>
               <a:t>数据绑定练习</a:t>
             </a:r>
-            <a:endParaRPr lang="zh-CN" altLang="en-US" dirty="0"/>
           </a:p>
         </p:txBody>
       </p:sp>
@@ -9637,58 +10058,57 @@
           <a:lstStyle/>
           <a:p>
             <a:r>
-              <a:rPr lang="zh-CN" altLang="en-US" dirty="0" smtClean="0"/>
+              <a:rPr lang="zh-CN" altLang="en-US" dirty="0"/>
               <a:t>练习一：</a:t>
             </a:r>
             <a:r>
-              <a:rPr lang="en-US" altLang="zh-CN" dirty="0" err="1" smtClean="0"/>
+              <a:rPr lang="en-US" altLang="zh-CN" dirty="0" err="1"/>
               <a:t>TextBox</a:t>
             </a:r>
             <a:r>
-              <a:rPr lang="zh-CN" altLang="en-US" dirty="0" smtClean="0"/>
+              <a:rPr lang="zh-CN" altLang="en-US" dirty="0"/>
               <a:t>与后台数据的绑定。</a:t>
             </a:r>
-            <a:endParaRPr lang="en-US" altLang="zh-CN" dirty="0" smtClean="0"/>
+            <a:endParaRPr lang="en-US" altLang="zh-CN" dirty="0"/>
           </a:p>
           <a:p>
             <a:pPr lvl="1"/>
             <a:r>
-              <a:rPr lang="zh-CN" altLang="en-US" dirty="0" smtClean="0"/>
+              <a:rPr lang="zh-CN" altLang="en-US" dirty="0"/>
               <a:t>步骤</a:t>
             </a:r>
             <a:r>
-              <a:rPr lang="en-US" altLang="zh-CN" dirty="0" smtClean="0"/>
+              <a:rPr lang="en-US" altLang="zh-CN" dirty="0"/>
               <a:t>7</a:t>
             </a:r>
             <a:r>
-              <a:rPr lang="zh-CN" altLang="en-US" dirty="0" smtClean="0"/>
+              <a:rPr lang="zh-CN" altLang="en-US" dirty="0"/>
               <a:t>：修改主窗体</a:t>
             </a:r>
             <a:r>
-              <a:rPr lang="en-US" altLang="zh-CN" dirty="0" err="1" smtClean="0"/>
+              <a:rPr lang="en-US" altLang="zh-CN" dirty="0" err="1"/>
               <a:t>MainWindow.xaml</a:t>
             </a:r>
             <a:r>
-              <a:rPr lang="zh-CN" altLang="en-US" dirty="0" smtClean="0"/>
+              <a:rPr lang="zh-CN" altLang="en-US" dirty="0"/>
               <a:t>。</a:t>
             </a:r>
-            <a:endParaRPr lang="en-US" altLang="zh-CN" dirty="0" smtClean="0"/>
+            <a:endParaRPr lang="en-US" altLang="zh-CN" dirty="0"/>
           </a:p>
           <a:p>
             <a:pPr lvl="2"/>
             <a:r>
-              <a:rPr lang="zh-CN" altLang="en-US" dirty="0" smtClean="0"/>
+              <a:rPr lang="zh-CN" altLang="en-US" dirty="0"/>
               <a:t>添加命令</a:t>
             </a:r>
             <a:r>
-              <a:rPr lang="en-US" altLang="zh-CN" dirty="0" err="1" smtClean="0"/>
+              <a:rPr lang="en-US" altLang="zh-CN" dirty="0" err="1"/>
               <a:t>ShowData</a:t>
             </a:r>
             <a:r>
-              <a:rPr lang="zh-CN" altLang="en-US" dirty="0" smtClean="0"/>
+              <a:rPr lang="zh-CN" altLang="en-US" dirty="0"/>
               <a:t>，并将命令指定到按钮上。</a:t>
             </a:r>
-            <a:endParaRPr lang="zh-CN" altLang="en-US" dirty="0"/>
           </a:p>
         </p:txBody>
       </p:sp>
@@ -9754,18 +10174,17 @@
           <a:p>
             <a:pPr algn="ctr"/>
             <a:r>
-              <a:rPr lang="zh-CN" altLang="en-US" sz="1600" dirty="0" smtClean="0"/>
+              <a:rPr lang="zh-CN" altLang="en-US" sz="1600" dirty="0"/>
               <a:t>再试运行</a:t>
             </a:r>
-            <a:endParaRPr lang="en-US" altLang="zh-CN" sz="1600" dirty="0" smtClean="0"/>
+            <a:endParaRPr lang="en-US" altLang="zh-CN" sz="1600" dirty="0"/>
           </a:p>
           <a:p>
             <a:pPr algn="ctr"/>
             <a:r>
-              <a:rPr lang="zh-CN" altLang="en-US" sz="1600" dirty="0" smtClean="0"/>
+              <a:rPr lang="zh-CN" altLang="en-US" sz="1600" dirty="0"/>
               <a:t>一下！</a:t>
             </a:r>
-            <a:endParaRPr lang="zh-CN" altLang="en-US" sz="1600" dirty="0"/>
           </a:p>
         </p:txBody>
       </p:sp>
@@ -9782,7 +10201,7 @@
 </p:sld>
 </file>
 
-<file path=ppt/slides/slide22.xml><?xml version="1.0" encoding="utf-8"?>
+<file path=ppt/slides/slide25.xml><?xml version="1.0" encoding="utf-8"?>
 <p:sld xmlns:a="http://schemas.openxmlformats.org/drawingml/2006/main" xmlns:r="http://schemas.openxmlformats.org/officeDocument/2006/relationships" xmlns:p="http://schemas.openxmlformats.org/presentationml/2006/main">
   <p:cSld>
     <p:spTree>
@@ -9815,14 +10234,13 @@
           <a:lstStyle/>
           <a:p>
             <a:r>
-              <a:rPr lang="en-US" altLang="zh-CN" dirty="0" smtClean="0"/>
+              <a:rPr lang="en-US" altLang="zh-CN" dirty="0"/>
               <a:t>WPF</a:t>
             </a:r>
             <a:r>
-              <a:rPr lang="zh-CN" altLang="en-US" dirty="0" smtClean="0"/>
+              <a:rPr lang="zh-CN" altLang="en-US" dirty="0"/>
               <a:t>数据绑定练习</a:t>
             </a:r>
-            <a:endParaRPr lang="zh-CN" altLang="en-US" dirty="0"/>
           </a:p>
         </p:txBody>
       </p:sp>
@@ -9842,58 +10260,57 @@
           <a:lstStyle/>
           <a:p>
             <a:r>
-              <a:rPr lang="zh-CN" altLang="en-US" dirty="0" smtClean="0"/>
+              <a:rPr lang="zh-CN" altLang="en-US" dirty="0"/>
               <a:t>练习一：</a:t>
             </a:r>
             <a:r>
-              <a:rPr lang="en-US" altLang="zh-CN" dirty="0" err="1" smtClean="0"/>
+              <a:rPr lang="en-US" altLang="zh-CN" dirty="0" err="1"/>
               <a:t>TextBox</a:t>
             </a:r>
             <a:r>
-              <a:rPr lang="zh-CN" altLang="en-US" dirty="0" smtClean="0"/>
+              <a:rPr lang="zh-CN" altLang="en-US" dirty="0"/>
               <a:t>与后台数据的绑定。</a:t>
             </a:r>
-            <a:endParaRPr lang="en-US" altLang="zh-CN" dirty="0" smtClean="0"/>
+            <a:endParaRPr lang="en-US" altLang="zh-CN" dirty="0"/>
           </a:p>
           <a:p>
             <a:pPr lvl="1"/>
             <a:r>
-              <a:rPr lang="zh-CN" altLang="en-US" dirty="0" smtClean="0"/>
+              <a:rPr lang="zh-CN" altLang="en-US" dirty="0"/>
               <a:t>步骤</a:t>
             </a:r>
             <a:r>
-              <a:rPr lang="en-US" altLang="zh-CN" dirty="0" smtClean="0"/>
+              <a:rPr lang="en-US" altLang="zh-CN" dirty="0"/>
               <a:t>8</a:t>
             </a:r>
             <a:r>
-              <a:rPr lang="zh-CN" altLang="en-US" dirty="0" smtClean="0"/>
+              <a:rPr lang="zh-CN" altLang="en-US" dirty="0"/>
               <a:t>：修改主窗体</a:t>
             </a:r>
             <a:r>
-              <a:rPr lang="en-US" altLang="zh-CN" dirty="0" err="1" smtClean="0"/>
+              <a:rPr lang="en-US" altLang="zh-CN" dirty="0" err="1"/>
               <a:t>MainWindow.xaml</a:t>
             </a:r>
             <a:r>
-              <a:rPr lang="zh-CN" altLang="en-US" dirty="0" smtClean="0"/>
+              <a:rPr lang="zh-CN" altLang="en-US" dirty="0"/>
               <a:t>。</a:t>
             </a:r>
-            <a:endParaRPr lang="en-US" altLang="zh-CN" dirty="0" smtClean="0"/>
+            <a:endParaRPr lang="en-US" altLang="zh-CN" dirty="0"/>
           </a:p>
           <a:p>
             <a:pPr lvl="2"/>
             <a:r>
-              <a:rPr lang="zh-CN" altLang="en-US" dirty="0" smtClean="0"/>
+              <a:rPr lang="zh-CN" altLang="en-US" dirty="0"/>
               <a:t>为命令</a:t>
             </a:r>
             <a:r>
-              <a:rPr lang="en-US" altLang="zh-CN" dirty="0" err="1" smtClean="0"/>
+              <a:rPr lang="en-US" altLang="zh-CN" dirty="0" err="1"/>
               <a:t>ShowData</a:t>
             </a:r>
             <a:r>
-              <a:rPr lang="zh-CN" altLang="en-US" dirty="0" smtClean="0"/>
+              <a:rPr lang="zh-CN" altLang="en-US" dirty="0"/>
               <a:t>添加命令响应（命令绑定）。</a:t>
             </a:r>
-            <a:endParaRPr lang="zh-CN" altLang="en-US" dirty="0"/>
           </a:p>
         </p:txBody>
       </p:sp>
@@ -9934,7 +10351,7 @@
 </p:sld>
 </file>
 
-<file path=ppt/slides/slide23.xml><?xml version="1.0" encoding="utf-8"?>
+<file path=ppt/slides/slide26.xml><?xml version="1.0" encoding="utf-8"?>
 <p:sld xmlns:a="http://schemas.openxmlformats.org/drawingml/2006/main" xmlns:r="http://schemas.openxmlformats.org/officeDocument/2006/relationships" xmlns:p="http://schemas.openxmlformats.org/presentationml/2006/main">
   <p:cSld>
     <p:spTree>
@@ -9967,14 +10384,13 @@
           <a:lstStyle/>
           <a:p>
             <a:r>
-              <a:rPr lang="en-US" altLang="zh-CN" dirty="0" smtClean="0"/>
+              <a:rPr lang="en-US" altLang="zh-CN" dirty="0"/>
               <a:t>WPF</a:t>
             </a:r>
             <a:r>
-              <a:rPr lang="zh-CN" altLang="en-US" dirty="0" smtClean="0"/>
+              <a:rPr lang="zh-CN" altLang="en-US" dirty="0"/>
               <a:t>数据绑定练习</a:t>
             </a:r>
-            <a:endParaRPr lang="zh-CN" altLang="en-US" dirty="0"/>
           </a:p>
         </p:txBody>
       </p:sp>
@@ -9994,58 +10410,57 @@
           <a:lstStyle/>
           <a:p>
             <a:r>
-              <a:rPr lang="zh-CN" altLang="en-US" dirty="0" smtClean="0"/>
+              <a:rPr lang="zh-CN" altLang="en-US" dirty="0"/>
               <a:t>练习一：</a:t>
             </a:r>
             <a:r>
-              <a:rPr lang="en-US" altLang="zh-CN" dirty="0" err="1" smtClean="0"/>
+              <a:rPr lang="en-US" altLang="zh-CN" dirty="0" err="1"/>
               <a:t>TextBox</a:t>
             </a:r>
             <a:r>
-              <a:rPr lang="zh-CN" altLang="en-US" dirty="0" smtClean="0"/>
+              <a:rPr lang="zh-CN" altLang="en-US" dirty="0"/>
               <a:t>与后台数据的绑定。</a:t>
             </a:r>
-            <a:endParaRPr lang="en-US" altLang="zh-CN" dirty="0" smtClean="0"/>
+            <a:endParaRPr lang="en-US" altLang="zh-CN" dirty="0"/>
           </a:p>
           <a:p>
             <a:pPr lvl="1"/>
             <a:r>
-              <a:rPr lang="zh-CN" altLang="en-US" dirty="0" smtClean="0"/>
+              <a:rPr lang="zh-CN" altLang="en-US" dirty="0"/>
               <a:t>步骤</a:t>
             </a:r>
             <a:r>
-              <a:rPr lang="en-US" altLang="zh-CN" dirty="0" smtClean="0"/>
+              <a:rPr lang="en-US" altLang="zh-CN" dirty="0"/>
               <a:t>9</a:t>
             </a:r>
             <a:r>
-              <a:rPr lang="zh-CN" altLang="en-US" dirty="0" smtClean="0"/>
+              <a:rPr lang="zh-CN" altLang="en-US" dirty="0"/>
               <a:t>：为命令</a:t>
             </a:r>
             <a:r>
-              <a:rPr lang="en-US" altLang="zh-CN" dirty="0" err="1" smtClean="0"/>
+              <a:rPr lang="en-US" altLang="zh-CN" dirty="0" err="1"/>
               <a:t>ShowData</a:t>
             </a:r>
             <a:r>
-              <a:rPr lang="zh-CN" altLang="en-US" dirty="0" smtClean="0"/>
+              <a:rPr lang="zh-CN" altLang="en-US" dirty="0"/>
               <a:t>的命令响应添加响应代码。</a:t>
             </a:r>
-            <a:endParaRPr lang="en-US" altLang="zh-CN" dirty="0" smtClean="0"/>
+            <a:endParaRPr lang="en-US" altLang="zh-CN" dirty="0"/>
           </a:p>
           <a:p>
             <a:pPr lvl="2"/>
             <a:r>
-              <a:rPr lang="zh-CN" altLang="en-US" dirty="0" smtClean="0"/>
+              <a:rPr lang="zh-CN" altLang="en-US" dirty="0"/>
               <a:t>在方法名上点右键，选择“转到定义”；或直接在方法名上按</a:t>
             </a:r>
             <a:r>
-              <a:rPr lang="en-US" altLang="zh-CN" dirty="0" smtClean="0"/>
+              <a:rPr lang="en-US" altLang="zh-CN" dirty="0"/>
               <a:t>F12</a:t>
             </a:r>
             <a:r>
-              <a:rPr lang="zh-CN" altLang="en-US" dirty="0" smtClean="0"/>
+              <a:rPr lang="zh-CN" altLang="en-US" dirty="0"/>
               <a:t>。</a:t>
             </a:r>
-            <a:endParaRPr lang="zh-CN" altLang="en-US" dirty="0"/>
           </a:p>
         </p:txBody>
       </p:sp>
@@ -10086,7 +10501,7 @@
 </p:sld>
 </file>
 
-<file path=ppt/slides/slide24.xml><?xml version="1.0" encoding="utf-8"?>
+<file path=ppt/slides/slide27.xml><?xml version="1.0" encoding="utf-8"?>
 <p:sld xmlns:a="http://schemas.openxmlformats.org/drawingml/2006/main" xmlns:r="http://schemas.openxmlformats.org/officeDocument/2006/relationships" xmlns:p="http://schemas.openxmlformats.org/presentationml/2006/main">
   <p:cSld>
     <p:spTree>
@@ -10150,18 +10565,17 @@
           <a:lstStyle/>
           <a:p>
             <a:r>
-              <a:rPr lang="zh-CN" altLang="en-US" dirty="0" smtClean="0"/>
+              <a:rPr lang="zh-CN" altLang="en-US" dirty="0"/>
               <a:t>添加命令响应代码后，</a:t>
             </a:r>
             <a:r>
-              <a:rPr lang="en-US" altLang="zh-CN" dirty="0" err="1" smtClean="0"/>
+              <a:rPr lang="en-US" altLang="zh-CN" dirty="0" err="1"/>
               <a:t>MainWindow.xaml.cs</a:t>
             </a:r>
             <a:r>
-              <a:rPr lang="zh-CN" altLang="en-US" dirty="0" smtClean="0"/>
+              <a:rPr lang="zh-CN" altLang="en-US" dirty="0"/>
               <a:t>如下：</a:t>
             </a:r>
-            <a:endParaRPr lang="zh-CN" altLang="en-US" dirty="0"/>
           </a:p>
         </p:txBody>
       </p:sp>
@@ -10178,7 +10592,7 @@
 </p:sld>
 </file>
 
-<file path=ppt/slides/slide25.xml><?xml version="1.0" encoding="utf-8"?>
+<file path=ppt/slides/slide28.xml><?xml version="1.0" encoding="utf-8"?>
 <p:sld xmlns:a="http://schemas.openxmlformats.org/drawingml/2006/main" xmlns:r="http://schemas.openxmlformats.org/officeDocument/2006/relationships" xmlns:p="http://schemas.openxmlformats.org/presentationml/2006/main">
   <p:cSld>
     <p:spTree>
@@ -10211,14 +10625,13 @@
           <a:lstStyle/>
           <a:p>
             <a:r>
-              <a:rPr lang="en-US" altLang="zh-CN" dirty="0" smtClean="0"/>
+              <a:rPr lang="en-US" altLang="zh-CN" dirty="0"/>
               <a:t>WPF</a:t>
             </a:r>
             <a:r>
-              <a:rPr lang="zh-CN" altLang="en-US" dirty="0" smtClean="0"/>
+              <a:rPr lang="zh-CN" altLang="en-US" dirty="0"/>
               <a:t>数据绑定练习</a:t>
             </a:r>
-            <a:endParaRPr lang="zh-CN" altLang="en-US" dirty="0"/>
           </a:p>
         </p:txBody>
       </p:sp>
@@ -10238,66 +10651,65 @@
           <a:lstStyle/>
           <a:p>
             <a:r>
-              <a:rPr lang="zh-CN" altLang="en-US" dirty="0" smtClean="0"/>
+              <a:rPr lang="zh-CN" altLang="en-US" dirty="0"/>
               <a:t>练习一：</a:t>
             </a:r>
             <a:r>
-              <a:rPr lang="en-US" altLang="zh-CN" dirty="0" err="1" smtClean="0"/>
+              <a:rPr lang="en-US" altLang="zh-CN" dirty="0" err="1"/>
               <a:t>TextBox</a:t>
             </a:r>
             <a:r>
-              <a:rPr lang="zh-CN" altLang="en-US" dirty="0" smtClean="0"/>
+              <a:rPr lang="zh-CN" altLang="en-US" dirty="0"/>
               <a:t>与后台数据的绑定。</a:t>
             </a:r>
-            <a:endParaRPr lang="en-US" altLang="zh-CN" dirty="0" smtClean="0"/>
+            <a:endParaRPr lang="en-US" altLang="zh-CN" dirty="0"/>
           </a:p>
           <a:p>
             <a:pPr lvl="1"/>
             <a:r>
-              <a:rPr lang="zh-CN" altLang="en-US" dirty="0" smtClean="0"/>
+              <a:rPr lang="zh-CN" altLang="en-US" dirty="0"/>
               <a:t>步骤</a:t>
             </a:r>
             <a:r>
-              <a:rPr lang="en-US" altLang="zh-CN" dirty="0" smtClean="0"/>
+              <a:rPr lang="en-US" altLang="zh-CN" dirty="0"/>
               <a:t>10</a:t>
             </a:r>
             <a:r>
-              <a:rPr lang="zh-CN" altLang="en-US" dirty="0" smtClean="0"/>
+              <a:rPr lang="zh-CN" altLang="en-US" dirty="0"/>
               <a:t>：编辑主窗体</a:t>
             </a:r>
             <a:r>
-              <a:rPr lang="en-US" altLang="zh-CN" dirty="0" err="1" smtClean="0"/>
+              <a:rPr lang="en-US" altLang="zh-CN" dirty="0" err="1"/>
               <a:t>MainWindow.xaml.cs</a:t>
             </a:r>
             <a:r>
-              <a:rPr lang="zh-CN" altLang="en-US" dirty="0" smtClean="0"/>
+              <a:rPr lang="zh-CN" altLang="en-US" dirty="0"/>
               <a:t>。</a:t>
             </a:r>
-            <a:endParaRPr lang="en-US" altLang="zh-CN" dirty="0" smtClean="0"/>
+            <a:endParaRPr lang="en-US" altLang="zh-CN" dirty="0"/>
           </a:p>
           <a:p>
             <a:pPr lvl="2"/>
             <a:r>
-              <a:rPr lang="zh-CN" altLang="en-US" dirty="0" smtClean="0"/>
+              <a:rPr lang="zh-CN" altLang="en-US" dirty="0"/>
               <a:t>当命令</a:t>
             </a:r>
             <a:r>
-              <a:rPr lang="en-US" altLang="zh-CN" dirty="0" err="1" smtClean="0"/>
+              <a:rPr lang="en-US" altLang="zh-CN" dirty="0" err="1"/>
               <a:t>ShowData</a:t>
             </a:r>
             <a:r>
-              <a:rPr lang="zh-CN" altLang="en-US" dirty="0" smtClean="0"/>
+              <a:rPr lang="zh-CN" altLang="en-US" dirty="0"/>
               <a:t>被触发时，弹出对话框显示</a:t>
             </a:r>
             <a:r>
-              <a:rPr lang="en-US" altLang="zh-CN" dirty="0" smtClean="0"/>
+              <a:rPr lang="en-US" altLang="zh-CN" dirty="0"/>
               <a:t>Data</a:t>
             </a:r>
             <a:r>
-              <a:rPr lang="zh-CN" altLang="en-US" dirty="0" smtClean="0"/>
+              <a:rPr lang="zh-CN" altLang="en-US" dirty="0"/>
               <a:t>属性的值。</a:t>
             </a:r>
-            <a:endParaRPr lang="zh-CN" altLang="en-US" dirty="0"/>
           </a:p>
         </p:txBody>
       </p:sp>
@@ -10363,18 +10775,17 @@
           <a:p>
             <a:pPr algn="ctr"/>
             <a:r>
-              <a:rPr lang="zh-CN" altLang="en-US" sz="1600" dirty="0" smtClean="0"/>
+              <a:rPr lang="zh-CN" altLang="en-US" sz="1600" dirty="0"/>
               <a:t>再试运行</a:t>
             </a:r>
-            <a:endParaRPr lang="en-US" altLang="zh-CN" sz="1600" dirty="0" smtClean="0"/>
+            <a:endParaRPr lang="en-US" altLang="zh-CN" sz="1600" dirty="0"/>
           </a:p>
           <a:p>
             <a:pPr algn="ctr"/>
             <a:r>
-              <a:rPr lang="zh-CN" altLang="en-US" sz="1600" dirty="0" smtClean="0"/>
+              <a:rPr lang="zh-CN" altLang="en-US" sz="1600" dirty="0"/>
               <a:t>一下！</a:t>
             </a:r>
-            <a:endParaRPr lang="zh-CN" altLang="en-US" sz="1600" dirty="0"/>
           </a:p>
         </p:txBody>
       </p:sp>
@@ -10391,7 +10802,7 @@
 </p:sld>
 </file>
 
-<file path=ppt/slides/slide26.xml><?xml version="1.0" encoding="utf-8"?>
+<file path=ppt/slides/slide29.xml><?xml version="1.0" encoding="utf-8"?>
 <p:sld xmlns:a="http://schemas.openxmlformats.org/drawingml/2006/main" xmlns:r="http://schemas.openxmlformats.org/officeDocument/2006/relationships" xmlns:p="http://schemas.openxmlformats.org/presentationml/2006/main">
   <p:cSld>
     <p:spTree>
@@ -10424,14 +10835,13 @@
           <a:lstStyle/>
           <a:p>
             <a:r>
-              <a:rPr lang="en-US" altLang="zh-CN" dirty="0" smtClean="0"/>
+              <a:rPr lang="en-US" altLang="zh-CN" dirty="0"/>
               <a:t>WPF</a:t>
             </a:r>
             <a:r>
-              <a:rPr lang="zh-CN" altLang="en-US" dirty="0" smtClean="0"/>
+              <a:rPr lang="zh-CN" altLang="en-US" dirty="0"/>
               <a:t>数据绑定练习</a:t>
             </a:r>
-            <a:endParaRPr lang="zh-CN" altLang="en-US" dirty="0"/>
           </a:p>
         </p:txBody>
       </p:sp>
@@ -10460,50 +10870,46 @@
             </a:r>
             <a:r>
               <a:rPr lang="zh-CN" altLang="en-US" dirty="0"/>
-              <a:t>与后台数据的绑定</a:t>
-            </a:r>
-            <a:r>
-              <a:rPr lang="zh-CN" altLang="en-US" dirty="0" smtClean="0"/>
-              <a:t>。</a:t>
-            </a:r>
-            <a:endParaRPr lang="en-US" altLang="zh-CN" dirty="0" smtClean="0"/>
+              <a:t>与后台数据的绑定。</a:t>
+            </a:r>
+            <a:endParaRPr lang="en-US" altLang="zh-CN" dirty="0"/>
           </a:p>
           <a:p>
             <a:pPr lvl="1"/>
             <a:r>
-              <a:rPr lang="zh-CN" altLang="en-US" dirty="0" smtClean="0"/>
+              <a:rPr lang="zh-CN" altLang="en-US" dirty="0"/>
               <a:t>小结</a:t>
             </a:r>
-            <a:endParaRPr lang="en-US" altLang="zh-CN" dirty="0" smtClean="0"/>
+            <a:endParaRPr lang="en-US" altLang="zh-CN" dirty="0"/>
           </a:p>
           <a:p>
             <a:pPr lvl="2"/>
             <a:r>
-              <a:rPr lang="zh-CN" altLang="en-US" dirty="0" smtClean="0"/>
+              <a:rPr lang="zh-CN" altLang="en-US" dirty="0"/>
               <a:t>界面元素的属性（准确地说是依赖项属性）可以用</a:t>
             </a:r>
             <a:r>
-              <a:rPr lang="en-US" altLang="zh-CN" dirty="0" smtClean="0"/>
+              <a:rPr lang="en-US" altLang="zh-CN" dirty="0"/>
               <a:t>Binding</a:t>
             </a:r>
             <a:r>
-              <a:rPr lang="zh-CN" altLang="en-US" dirty="0" smtClean="0"/>
+              <a:rPr lang="zh-CN" altLang="en-US" dirty="0"/>
               <a:t>语法与某个数据项绑定（可以是某个后台数据，也可以是另一个界面元素的属性）。</a:t>
             </a:r>
-            <a:endParaRPr lang="en-US" altLang="zh-CN" dirty="0" smtClean="0"/>
+            <a:endParaRPr lang="en-US" altLang="zh-CN" dirty="0"/>
           </a:p>
           <a:p>
             <a:pPr lvl="2"/>
             <a:r>
-              <a:rPr lang="zh-CN" altLang="en-US" dirty="0" smtClean="0"/>
+              <a:rPr lang="zh-CN" altLang="en-US" dirty="0"/>
               <a:t>绑定后，界面元素的属性的变化（例如在</a:t>
             </a:r>
             <a:r>
-              <a:rPr lang="en-US" altLang="zh-CN" dirty="0" err="1" smtClean="0"/>
+              <a:rPr lang="en-US" altLang="zh-CN" dirty="0" err="1"/>
               <a:t>TextBox</a:t>
             </a:r>
             <a:r>
-              <a:rPr lang="zh-CN" altLang="en-US" dirty="0" smtClean="0"/>
+              <a:rPr lang="zh-CN" altLang="en-US" dirty="0"/>
               <a:t>上进行文本编辑）就会直接作用到绑定的数据项上，从而实现界面与后台数据的互动。</a:t>
             </a:r>
             <a:endParaRPr lang="en-US" altLang="zh-CN" dirty="0"/>
@@ -10523,7 +10929,7 @@
 </p:sld>
 </file>
 
-<file path=ppt/slides/slide27.xml><?xml version="1.0" encoding="utf-8"?>
+<file path=ppt/slides/slide3.xml><?xml version="1.0" encoding="utf-8"?>
 <p:sld xmlns:a="http://schemas.openxmlformats.org/drawingml/2006/main" xmlns:r="http://schemas.openxmlformats.org/officeDocument/2006/relationships" xmlns:p="http://schemas.openxmlformats.org/presentationml/2006/main">
   <p:cSld>
     <p:spTree>
@@ -10556,9 +10962,108 @@
           <a:lstStyle/>
           <a:p>
             <a:r>
+              <a:rPr lang="zh-CN" altLang="en-US" dirty="0"/>
+              <a:t>关于</a:t>
+            </a:r>
+            <a:r>
               <a:rPr lang="en-US" altLang="zh-CN" dirty="0"/>
               <a:t>WPF</a:t>
             </a:r>
+            <a:endParaRPr lang="zh-CN" altLang="en-US" dirty="0"/>
+          </a:p>
+        </p:txBody>
+      </p:sp>
+      <p:sp>
+        <p:nvSpPr>
+          <p:cNvPr id="3" name="内容占位符 2"/>
+          <p:cNvSpPr>
+            <a:spLocks noGrp="1"/>
+          </p:cNvSpPr>
+          <p:nvPr>
+            <p:ph idx="1"/>
+          </p:nvPr>
+        </p:nvSpPr>
+        <p:spPr/>
+        <p:txBody>
+          <a:bodyPr/>
+          <a:lstStyle/>
+          <a:p>
+            <a:r>
+              <a:rPr lang="en-US" altLang="zh-CN" dirty="0"/>
+              <a:t>WPF</a:t>
+            </a:r>
+            <a:r>
+              <a:rPr lang="zh-CN" altLang="en-US" dirty="0"/>
+              <a:t>是什么？</a:t>
+            </a:r>
+            <a:endParaRPr lang="en-US" altLang="zh-CN" dirty="0"/>
+          </a:p>
+          <a:p>
+            <a:pPr lvl="1"/>
+            <a:r>
+              <a:rPr lang="en-US" altLang="zh-CN" dirty="0"/>
+              <a:t>Windows Presentation Foundation</a:t>
+            </a:r>
+          </a:p>
+          <a:p>
+            <a:pPr lvl="1"/>
+            <a:r>
+              <a:rPr lang="zh-CN" altLang="en-US" dirty="0"/>
+              <a:t>覆盖桌面平台、浏览器平台、手机平台</a:t>
+            </a:r>
+            <a:endParaRPr lang="en-US" altLang="zh-CN" dirty="0"/>
+          </a:p>
+        </p:txBody>
+      </p:sp>
+    </p:spTree>
+    <p:extLst>
+      <p:ext uri="{BB962C8B-B14F-4D97-AF65-F5344CB8AC3E}">
+        <p14:creationId xmlns:p14="http://schemas.microsoft.com/office/powerpoint/2010/main" val="3848529302"/>
+      </p:ext>
+    </p:extLst>
+  </p:cSld>
+  <p:clrMapOvr>
+    <a:masterClrMapping/>
+  </p:clrMapOvr>
+</p:sld>
+</file>
+
+<file path=ppt/slides/slide30.xml><?xml version="1.0" encoding="utf-8"?>
+<p:sld xmlns:a="http://schemas.openxmlformats.org/drawingml/2006/main" xmlns:r="http://schemas.openxmlformats.org/officeDocument/2006/relationships" xmlns:p="http://schemas.openxmlformats.org/presentationml/2006/main">
+  <p:cSld>
+    <p:spTree>
+      <p:nvGrpSpPr>
+        <p:cNvPr id="1" name=""/>
+        <p:cNvGrpSpPr/>
+        <p:nvPr/>
+      </p:nvGrpSpPr>
+      <p:grpSpPr>
+        <a:xfrm>
+          <a:off x="0" y="0"/>
+          <a:ext cx="0" cy="0"/>
+          <a:chOff x="0" y="0"/>
+          <a:chExt cx="0" cy="0"/>
+        </a:xfrm>
+      </p:grpSpPr>
+      <p:sp>
+        <p:nvSpPr>
+          <p:cNvPr id="2" name="标题 1"/>
+          <p:cNvSpPr>
+            <a:spLocks noGrp="1"/>
+          </p:cNvSpPr>
+          <p:nvPr>
+            <p:ph type="title"/>
+          </p:nvPr>
+        </p:nvSpPr>
+        <p:spPr/>
+        <p:txBody>
+          <a:bodyPr/>
+          <a:lstStyle/>
+          <a:p>
+            <a:r>
+              <a:rPr lang="en-US" altLang="zh-CN" dirty="0"/>
+              <a:t>WPF</a:t>
+            </a:r>
             <a:r>
               <a:rPr lang="zh-CN" altLang="en-US" dirty="0"/>
               <a:t>数据绑定练习</a:t>
@@ -10582,82 +11087,81 @@
           <a:lstStyle/>
           <a:p>
             <a:r>
-              <a:rPr lang="zh-CN" altLang="en-US" dirty="0" smtClean="0"/>
+              <a:rPr lang="zh-CN" altLang="en-US" dirty="0"/>
               <a:t>练习二：</a:t>
             </a:r>
             <a:r>
-              <a:rPr lang="en-US" altLang="zh-CN" dirty="0" err="1" smtClean="0"/>
+              <a:rPr lang="en-US" altLang="zh-CN" dirty="0" err="1"/>
               <a:t>TextBox</a:t>
             </a:r>
             <a:r>
-              <a:rPr lang="zh-CN" altLang="en-US" dirty="0" smtClean="0"/>
+              <a:rPr lang="zh-CN" altLang="en-US" dirty="0"/>
               <a:t>与后台数据的绑定（续）。</a:t>
             </a:r>
-            <a:endParaRPr lang="en-US" altLang="zh-CN" dirty="0" smtClean="0"/>
+            <a:endParaRPr lang="en-US" altLang="zh-CN" dirty="0"/>
           </a:p>
           <a:p>
             <a:pPr lvl="1"/>
             <a:r>
-              <a:rPr lang="zh-CN" altLang="en-US" dirty="0" smtClean="0"/>
+              <a:rPr lang="zh-CN" altLang="en-US" dirty="0"/>
               <a:t>步骤</a:t>
             </a:r>
             <a:r>
-              <a:rPr lang="en-US" altLang="zh-CN" dirty="0" smtClean="0"/>
+              <a:rPr lang="en-US" altLang="zh-CN" dirty="0"/>
               <a:t>1</a:t>
             </a:r>
             <a:r>
-              <a:rPr lang="zh-CN" altLang="en-US" dirty="0" smtClean="0"/>
+              <a:rPr lang="zh-CN" altLang="en-US" dirty="0"/>
               <a:t>：修改主窗体</a:t>
             </a:r>
             <a:r>
-              <a:rPr lang="en-US" altLang="zh-CN" dirty="0" err="1" smtClean="0"/>
+              <a:rPr lang="en-US" altLang="zh-CN" dirty="0" err="1"/>
               <a:t>MainWindow.xaml</a:t>
             </a:r>
             <a:r>
-              <a:rPr lang="zh-CN" altLang="en-US" dirty="0" smtClean="0"/>
+              <a:rPr lang="zh-CN" altLang="en-US" dirty="0"/>
               <a:t>。</a:t>
             </a:r>
-            <a:endParaRPr lang="en-US" altLang="zh-CN" dirty="0" smtClean="0"/>
+            <a:endParaRPr lang="en-US" altLang="zh-CN" dirty="0"/>
           </a:p>
           <a:p>
             <a:pPr lvl="2"/>
             <a:r>
-              <a:rPr lang="zh-CN" altLang="en-US" dirty="0" smtClean="0"/>
+              <a:rPr lang="zh-CN" altLang="en-US" dirty="0"/>
               <a:t>添加一个按钮，一个命令</a:t>
             </a:r>
             <a:r>
-              <a:rPr lang="en-US" altLang="zh-CN" dirty="0" err="1" smtClean="0"/>
+              <a:rPr lang="en-US" altLang="zh-CN" dirty="0" err="1"/>
               <a:t>ClearData</a:t>
             </a:r>
             <a:r>
-              <a:rPr lang="zh-CN" altLang="en-US" dirty="0" smtClean="0"/>
+              <a:rPr lang="zh-CN" altLang="en-US" dirty="0"/>
               <a:t>，并将命令分配给这个按钮。</a:t>
             </a:r>
-            <a:endParaRPr lang="en-US" altLang="zh-CN" dirty="0" smtClean="0"/>
+            <a:endParaRPr lang="en-US" altLang="zh-CN" dirty="0"/>
           </a:p>
           <a:p>
             <a:pPr lvl="2"/>
             <a:r>
-              <a:rPr lang="zh-CN" altLang="en-US" dirty="0" smtClean="0"/>
+              <a:rPr lang="zh-CN" altLang="en-US" dirty="0"/>
               <a:t>详细步骤参见练习一的步骤</a:t>
             </a:r>
             <a:r>
-              <a:rPr lang="en-US" altLang="zh-CN" dirty="0" smtClean="0"/>
+              <a:rPr lang="en-US" altLang="zh-CN" dirty="0"/>
               <a:t>6~</a:t>
             </a:r>
             <a:r>
-              <a:rPr lang="zh-CN" altLang="en-US" dirty="0" smtClean="0"/>
+              <a:rPr lang="zh-CN" altLang="en-US" dirty="0"/>
               <a:t>步骤</a:t>
             </a:r>
             <a:r>
-              <a:rPr lang="en-US" altLang="zh-CN" dirty="0" smtClean="0"/>
+              <a:rPr lang="en-US" altLang="zh-CN" dirty="0"/>
               <a:t>9</a:t>
             </a:r>
             <a:r>
-              <a:rPr lang="zh-CN" altLang="en-US" dirty="0" smtClean="0"/>
+              <a:rPr lang="zh-CN" altLang="en-US" dirty="0"/>
               <a:t>。</a:t>
             </a:r>
-            <a:endParaRPr lang="zh-CN" altLang="en-US" dirty="0"/>
           </a:p>
         </p:txBody>
       </p:sp>
@@ -10674,7 +11178,7 @@
 </p:sld>
 </file>
 
-<file path=ppt/slides/slide28.xml><?xml version="1.0" encoding="utf-8"?>
+<file path=ppt/slides/slide31.xml><?xml version="1.0" encoding="utf-8"?>
 <p:sld xmlns:a="http://schemas.openxmlformats.org/drawingml/2006/main" xmlns:r="http://schemas.openxmlformats.org/officeDocument/2006/relationships" xmlns:p="http://schemas.openxmlformats.org/presentationml/2006/main">
   <p:cSld>
     <p:spTree>
@@ -10728,7 +11232,7 @@
 </p:sld>
 </file>
 
-<file path=ppt/slides/slide29.xml><?xml version="1.0" encoding="utf-8"?>
+<file path=ppt/slides/slide32.xml><?xml version="1.0" encoding="utf-8"?>
 <p:sld xmlns:a="http://schemas.openxmlformats.org/drawingml/2006/main" xmlns:r="http://schemas.openxmlformats.org/officeDocument/2006/relationships" xmlns:p="http://schemas.openxmlformats.org/presentationml/2006/main">
   <p:cSld>
     <p:spTree>
@@ -10782,7 +11286,7 @@
 </p:sld>
 </file>
 
-<file path=ppt/slides/slide3.xml><?xml version="1.0" encoding="utf-8"?>
+<file path=ppt/slides/slide33.xml><?xml version="1.0" encoding="utf-8"?>
 <p:sld xmlns:a="http://schemas.openxmlformats.org/drawingml/2006/main" xmlns:r="http://schemas.openxmlformats.org/officeDocument/2006/relationships" xmlns:p="http://schemas.openxmlformats.org/presentationml/2006/main">
   <p:cSld>
     <p:spTree>
@@ -10815,112 +11319,6 @@
           <a:lstStyle/>
           <a:p>
             <a:r>
-              <a:rPr lang="zh-CN" altLang="en-US" dirty="0" smtClean="0"/>
-              <a:t>关于</a:t>
-            </a:r>
-            <a:r>
-              <a:rPr lang="en-US" altLang="zh-CN" dirty="0" smtClean="0"/>
-              <a:t>WPF</a:t>
-            </a:r>
-            <a:endParaRPr lang="zh-CN" altLang="en-US" dirty="0"/>
-          </a:p>
-        </p:txBody>
-      </p:sp>
-      <p:sp>
-        <p:nvSpPr>
-          <p:cNvPr id="3" name="内容占位符 2"/>
-          <p:cNvSpPr>
-            <a:spLocks noGrp="1"/>
-          </p:cNvSpPr>
-          <p:nvPr>
-            <p:ph idx="1"/>
-          </p:nvPr>
-        </p:nvSpPr>
-        <p:spPr/>
-        <p:txBody>
-          <a:bodyPr/>
-          <a:lstStyle/>
-          <a:p>
-            <a:r>
-              <a:rPr lang="en-US" altLang="zh-CN" dirty="0" smtClean="0"/>
-              <a:t>WPF</a:t>
-            </a:r>
-            <a:r>
-              <a:rPr lang="zh-CN" altLang="en-US" dirty="0" smtClean="0"/>
-              <a:t>是什么？</a:t>
-            </a:r>
-            <a:endParaRPr lang="en-US" altLang="zh-CN" dirty="0" smtClean="0"/>
-          </a:p>
-          <a:p>
-            <a:pPr lvl="1"/>
-            <a:r>
-              <a:rPr lang="en-US" altLang="zh-CN" dirty="0" smtClean="0"/>
-              <a:t>Windows Presentation Foundation</a:t>
-            </a:r>
-          </a:p>
-          <a:p>
-            <a:pPr lvl="1"/>
-            <a:r>
-              <a:rPr lang="zh-CN" altLang="en-US" dirty="0" smtClean="0"/>
-              <a:t>覆盖桌面平台、浏览器平台、手机平台</a:t>
-            </a:r>
-            <a:endParaRPr lang="en-US" altLang="zh-CN" dirty="0" smtClean="0"/>
-          </a:p>
-        </p:txBody>
-      </p:sp>
-    </p:spTree>
-    <p:extLst>
-      <p:ext uri="{BB962C8B-B14F-4D97-AF65-F5344CB8AC3E}">
-        <p14:creationId xmlns:p14="http://schemas.microsoft.com/office/powerpoint/2010/main" val="3848529302"/>
-      </p:ext>
-    </p:extLst>
-  </p:cSld>
-  <p:clrMapOvr>
-    <a:masterClrMapping/>
-  </p:clrMapOvr>
-  <p:timing>
-    <p:tnLst>
-      <p:par>
-        <p:cTn id="1" dur="indefinite" restart="never" nodeType="tmRoot"/>
-      </p:par>
-    </p:tnLst>
-  </p:timing>
-</p:sld>
-</file>
-
-<file path=ppt/slides/slide30.xml><?xml version="1.0" encoding="utf-8"?>
-<p:sld xmlns:a="http://schemas.openxmlformats.org/drawingml/2006/main" xmlns:r="http://schemas.openxmlformats.org/officeDocument/2006/relationships" xmlns:p="http://schemas.openxmlformats.org/presentationml/2006/main">
-  <p:cSld>
-    <p:spTree>
-      <p:nvGrpSpPr>
-        <p:cNvPr id="1" name=""/>
-        <p:cNvGrpSpPr/>
-        <p:nvPr/>
-      </p:nvGrpSpPr>
-      <p:grpSpPr>
-        <a:xfrm>
-          <a:off x="0" y="0"/>
-          <a:ext cx="0" cy="0"/>
-          <a:chOff x="0" y="0"/>
-          <a:chExt cx="0" cy="0"/>
-        </a:xfrm>
-      </p:grpSpPr>
-      <p:sp>
-        <p:nvSpPr>
-          <p:cNvPr id="2" name="标题 1"/>
-          <p:cNvSpPr>
-            <a:spLocks noGrp="1"/>
-          </p:cNvSpPr>
-          <p:nvPr>
-            <p:ph type="title"/>
-          </p:nvPr>
-        </p:nvSpPr>
-        <p:spPr/>
-        <p:txBody>
-          <a:bodyPr/>
-          <a:lstStyle/>
-          <a:p>
-            <a:r>
               <a:rPr lang="en-US" altLang="zh-CN" dirty="0"/>
               <a:t>WPF</a:t>
             </a:r>
@@ -10947,106 +11345,105 @@
           <a:lstStyle/>
           <a:p>
             <a:r>
-              <a:rPr lang="zh-CN" altLang="en-US" dirty="0" smtClean="0"/>
+              <a:rPr lang="zh-CN" altLang="en-US" dirty="0"/>
               <a:t>练习二：</a:t>
             </a:r>
             <a:r>
-              <a:rPr lang="en-US" altLang="zh-CN" dirty="0" err="1" smtClean="0"/>
+              <a:rPr lang="en-US" altLang="zh-CN" dirty="0" err="1"/>
               <a:t>TextBox</a:t>
             </a:r>
             <a:r>
-              <a:rPr lang="zh-CN" altLang="en-US" dirty="0" smtClean="0"/>
+              <a:rPr lang="zh-CN" altLang="en-US" dirty="0"/>
               <a:t>与后台数据的绑定（续）。</a:t>
             </a:r>
-            <a:endParaRPr lang="en-US" altLang="zh-CN" dirty="0" smtClean="0"/>
+            <a:endParaRPr lang="en-US" altLang="zh-CN" dirty="0"/>
           </a:p>
           <a:p>
             <a:pPr lvl="1"/>
             <a:r>
-              <a:rPr lang="zh-CN" altLang="en-US" dirty="0" smtClean="0"/>
+              <a:rPr lang="zh-CN" altLang="en-US" dirty="0"/>
               <a:t>步骤</a:t>
             </a:r>
             <a:r>
-              <a:rPr lang="en-US" altLang="zh-CN" dirty="0" smtClean="0"/>
+              <a:rPr lang="en-US" altLang="zh-CN" dirty="0"/>
               <a:t>2</a:t>
             </a:r>
             <a:r>
-              <a:rPr lang="zh-CN" altLang="en-US" dirty="0" smtClean="0"/>
+              <a:rPr lang="zh-CN" altLang="en-US" dirty="0"/>
               <a:t>：修改主窗体代码</a:t>
             </a:r>
             <a:r>
-              <a:rPr lang="en-US" altLang="zh-CN" dirty="0" err="1" smtClean="0"/>
+              <a:rPr lang="en-US" altLang="zh-CN" dirty="0" err="1"/>
               <a:t>MainWindow.xaml.cs</a:t>
             </a:r>
             <a:r>
-              <a:rPr lang="zh-CN" altLang="en-US" dirty="0" smtClean="0"/>
+              <a:rPr lang="zh-CN" altLang="en-US" dirty="0"/>
               <a:t>。</a:t>
             </a:r>
-            <a:endParaRPr lang="en-US" altLang="zh-CN" dirty="0" smtClean="0"/>
+            <a:endParaRPr lang="en-US" altLang="zh-CN" dirty="0"/>
           </a:p>
           <a:p>
             <a:pPr lvl="2"/>
             <a:r>
-              <a:rPr lang="zh-CN" altLang="en-US" dirty="0" smtClean="0"/>
+              <a:rPr lang="zh-CN" altLang="en-US" dirty="0"/>
               <a:t>当命令</a:t>
             </a:r>
             <a:r>
-              <a:rPr lang="en-US" altLang="zh-CN" dirty="0" err="1" smtClean="0"/>
+              <a:rPr lang="en-US" altLang="zh-CN" dirty="0" err="1"/>
               <a:t>ClearData</a:t>
             </a:r>
             <a:r>
-              <a:rPr lang="zh-CN" altLang="en-US" dirty="0" smtClean="0"/>
+              <a:rPr lang="zh-CN" altLang="en-US" dirty="0"/>
               <a:t>触发时，清除后台数据模型</a:t>
             </a:r>
             <a:r>
-              <a:rPr lang="en-US" altLang="zh-CN" dirty="0" smtClean="0"/>
+              <a:rPr lang="en-US" altLang="zh-CN" dirty="0"/>
               <a:t>_Model</a:t>
             </a:r>
             <a:r>
-              <a:rPr lang="zh-CN" altLang="en-US" dirty="0" smtClean="0"/>
+              <a:rPr lang="zh-CN" altLang="en-US" dirty="0"/>
               <a:t>的</a:t>
             </a:r>
             <a:r>
-              <a:rPr lang="en-US" altLang="zh-CN" dirty="0" smtClean="0"/>
+              <a:rPr lang="en-US" altLang="zh-CN" dirty="0"/>
               <a:t>Data</a:t>
             </a:r>
             <a:r>
-              <a:rPr lang="zh-CN" altLang="en-US" dirty="0" smtClean="0"/>
+              <a:rPr lang="zh-CN" altLang="en-US" dirty="0"/>
               <a:t>属性。</a:t>
             </a:r>
-            <a:endParaRPr lang="en-US" altLang="zh-CN" dirty="0" smtClean="0"/>
+            <a:endParaRPr lang="en-US" altLang="zh-CN" dirty="0"/>
           </a:p>
           <a:p>
             <a:pPr lvl="2"/>
             <a:r>
-              <a:rPr lang="zh-CN" altLang="en-US" dirty="0" smtClean="0"/>
+              <a:rPr lang="zh-CN" altLang="en-US" dirty="0"/>
               <a:t>设置命令</a:t>
             </a:r>
             <a:r>
-              <a:rPr lang="en-US" altLang="zh-CN" dirty="0" err="1" smtClean="0"/>
+              <a:rPr lang="en-US" altLang="zh-CN" dirty="0" err="1"/>
               <a:t>ClearData</a:t>
             </a:r>
             <a:r>
-              <a:rPr lang="zh-CN" altLang="en-US" dirty="0" smtClean="0"/>
+              <a:rPr lang="zh-CN" altLang="en-US" dirty="0"/>
               <a:t>的触发条件，只有</a:t>
             </a:r>
             <a:r>
-              <a:rPr lang="en-US" altLang="zh-CN" dirty="0" smtClean="0"/>
+              <a:rPr lang="en-US" altLang="zh-CN" dirty="0"/>
               <a:t>Data</a:t>
             </a:r>
             <a:r>
-              <a:rPr lang="zh-CN" altLang="en-US" dirty="0" smtClean="0"/>
+              <a:rPr lang="zh-CN" altLang="en-US" dirty="0"/>
               <a:t>属性不为空时才允许触发</a:t>
             </a:r>
             <a:r>
-              <a:rPr lang="en-US" altLang="zh-CN" dirty="0" err="1" smtClean="0"/>
+              <a:rPr lang="en-US" altLang="zh-CN" dirty="0" err="1"/>
               <a:t>ClearData</a:t>
             </a:r>
             <a:r>
-              <a:rPr lang="zh-CN" altLang="en-US" dirty="0" smtClean="0"/>
+              <a:rPr lang="zh-CN" altLang="en-US" dirty="0"/>
               <a:t>命令。</a:t>
             </a:r>
-            <a:endParaRPr lang="zh-CN" altLang="en-US" dirty="0"/>
           </a:p>
         </p:txBody>
       </p:sp>
@@ -11063,7 +11460,7 @@
 </p:sld>
 </file>
 
-<file path=ppt/slides/slide31.xml><?xml version="1.0" encoding="utf-8"?>
+<file path=ppt/slides/slide34.xml><?xml version="1.0" encoding="utf-8"?>
 <p:sld xmlns:a="http://schemas.openxmlformats.org/drawingml/2006/main" xmlns:r="http://schemas.openxmlformats.org/officeDocument/2006/relationships" xmlns:p="http://schemas.openxmlformats.org/presentationml/2006/main">
   <p:cSld>
     <p:spTree>
@@ -11117,7 +11514,7 @@
 </p:sld>
 </file>
 
-<file path=ppt/slides/slide32.xml><?xml version="1.0" encoding="utf-8"?>
+<file path=ppt/slides/slide35.xml><?xml version="1.0" encoding="utf-8"?>
 <p:sld xmlns:a="http://schemas.openxmlformats.org/drawingml/2006/main" xmlns:r="http://schemas.openxmlformats.org/officeDocument/2006/relationships" xmlns:p="http://schemas.openxmlformats.org/presentationml/2006/main">
   <p:cSld>
     <p:spTree>
@@ -11178,74 +11575,74 @@
           <a:lstStyle/>
           <a:p>
             <a:r>
-              <a:rPr lang="zh-CN" altLang="en-US" dirty="0" smtClean="0"/>
+              <a:rPr lang="zh-CN" altLang="en-US" dirty="0"/>
               <a:t>练习二：</a:t>
             </a:r>
             <a:r>
-              <a:rPr lang="en-US" altLang="zh-CN" dirty="0" err="1" smtClean="0"/>
+              <a:rPr lang="en-US" altLang="zh-CN" dirty="0" err="1"/>
               <a:t>TextBox</a:t>
             </a:r>
             <a:r>
-              <a:rPr lang="zh-CN" altLang="en-US" dirty="0" smtClean="0"/>
+              <a:rPr lang="zh-CN" altLang="en-US" dirty="0"/>
               <a:t>与后台数据的绑定（续）。</a:t>
             </a:r>
-            <a:endParaRPr lang="en-US" altLang="zh-CN" dirty="0" smtClean="0"/>
+            <a:endParaRPr lang="en-US" altLang="zh-CN" dirty="0"/>
           </a:p>
           <a:p>
             <a:pPr lvl="1"/>
             <a:r>
-              <a:rPr lang="zh-CN" altLang="en-US" dirty="0" smtClean="0"/>
+              <a:rPr lang="zh-CN" altLang="en-US" dirty="0"/>
               <a:t>观察运行效果。</a:t>
             </a:r>
-            <a:endParaRPr lang="en-US" altLang="zh-CN" dirty="0" smtClean="0"/>
+            <a:endParaRPr lang="en-US" altLang="zh-CN" dirty="0"/>
           </a:p>
           <a:p>
             <a:pPr lvl="2"/>
             <a:r>
-              <a:rPr lang="zh-CN" altLang="en-US" dirty="0" smtClean="0"/>
+              <a:rPr lang="zh-CN" altLang="en-US" dirty="0"/>
               <a:t>当按下“清除</a:t>
             </a:r>
             <a:r>
-              <a:rPr lang="en-US" altLang="zh-CN" dirty="0" smtClean="0"/>
+              <a:rPr lang="en-US" altLang="zh-CN" dirty="0"/>
               <a:t>Data</a:t>
             </a:r>
             <a:r>
-              <a:rPr lang="zh-CN" altLang="en-US" dirty="0" smtClean="0"/>
+              <a:rPr lang="zh-CN" altLang="en-US" dirty="0"/>
               <a:t>”按钮后，按钮变灰，但文本框中的内容并没有变。</a:t>
             </a:r>
-            <a:endParaRPr lang="en-US" altLang="zh-CN" dirty="0" smtClean="0"/>
+            <a:endParaRPr lang="en-US" altLang="zh-CN" dirty="0"/>
           </a:p>
           <a:p>
             <a:pPr lvl="2"/>
             <a:r>
-              <a:rPr lang="zh-CN" altLang="en-US" dirty="0" smtClean="0"/>
+              <a:rPr lang="zh-CN" altLang="en-US" dirty="0"/>
               <a:t>再按下“查看</a:t>
             </a:r>
             <a:r>
-              <a:rPr lang="en-US" altLang="zh-CN" dirty="0" smtClean="0"/>
+              <a:rPr lang="en-US" altLang="zh-CN" dirty="0"/>
               <a:t>Data</a:t>
             </a:r>
             <a:r>
-              <a:rPr lang="zh-CN" altLang="en-US" dirty="0" smtClean="0"/>
+              <a:rPr lang="zh-CN" altLang="en-US" dirty="0"/>
               <a:t>”按钮，弹出对话框中显示的内容为空，这表示后台数据模型</a:t>
             </a:r>
             <a:r>
-              <a:rPr lang="en-US" altLang="zh-CN" dirty="0" smtClean="0"/>
+              <a:rPr lang="en-US" altLang="zh-CN" dirty="0"/>
               <a:t>_Model</a:t>
             </a:r>
             <a:r>
-              <a:rPr lang="zh-CN" altLang="en-US" dirty="0" smtClean="0"/>
+              <a:rPr lang="zh-CN" altLang="en-US" dirty="0"/>
               <a:t>的</a:t>
             </a:r>
             <a:r>
-              <a:rPr lang="en-US" altLang="zh-CN" dirty="0" smtClean="0"/>
+              <a:rPr lang="en-US" altLang="zh-CN" dirty="0"/>
               <a:t>Data</a:t>
             </a:r>
             <a:r>
-              <a:rPr lang="zh-CN" altLang="en-US" dirty="0" smtClean="0"/>
+              <a:rPr lang="zh-CN" altLang="en-US" dirty="0"/>
               <a:t>属性实际上已经被置空了。</a:t>
             </a:r>
-            <a:endParaRPr lang="en-US" altLang="zh-CN" dirty="0" smtClean="0"/>
+            <a:endParaRPr lang="en-US" altLang="zh-CN" dirty="0"/>
           </a:p>
         </p:txBody>
       </p:sp>
@@ -11262,7 +11659,7 @@
 </p:sld>
 </file>
 
-<file path=ppt/slides/slide33.xml><?xml version="1.0" encoding="utf-8"?>
+<file path=ppt/slides/slide36.xml><?xml version="1.0" encoding="utf-8"?>
 <p:sld xmlns:a="http://schemas.openxmlformats.org/drawingml/2006/main" xmlns:r="http://schemas.openxmlformats.org/officeDocument/2006/relationships" xmlns:p="http://schemas.openxmlformats.org/presentationml/2006/main">
   <p:cSld>
     <p:spTree>
@@ -11323,58 +11720,58 @@
           <a:lstStyle/>
           <a:p>
             <a:r>
-              <a:rPr lang="zh-CN" altLang="en-US" dirty="0" smtClean="0"/>
+              <a:rPr lang="zh-CN" altLang="en-US" dirty="0"/>
               <a:t>练习二：</a:t>
             </a:r>
             <a:r>
-              <a:rPr lang="en-US" altLang="zh-CN" dirty="0" err="1" smtClean="0"/>
+              <a:rPr lang="en-US" altLang="zh-CN" dirty="0" err="1"/>
               <a:t>TextBox</a:t>
             </a:r>
             <a:r>
-              <a:rPr lang="zh-CN" altLang="en-US" dirty="0" smtClean="0"/>
+              <a:rPr lang="zh-CN" altLang="en-US" dirty="0"/>
               <a:t>与后台数据的绑定（续）。</a:t>
             </a:r>
-            <a:endParaRPr lang="en-US" altLang="zh-CN" dirty="0" smtClean="0"/>
+            <a:endParaRPr lang="en-US" altLang="zh-CN" dirty="0"/>
           </a:p>
           <a:p>
             <a:pPr lvl="1"/>
             <a:r>
-              <a:rPr lang="zh-CN" altLang="en-US" dirty="0" smtClean="0"/>
+              <a:rPr lang="zh-CN" altLang="en-US" dirty="0"/>
               <a:t>步骤</a:t>
             </a:r>
             <a:r>
-              <a:rPr lang="en-US" altLang="zh-CN" dirty="0" smtClean="0"/>
+              <a:rPr lang="en-US" altLang="zh-CN" dirty="0"/>
               <a:t>3</a:t>
             </a:r>
             <a:r>
-              <a:rPr lang="zh-CN" altLang="en-US" dirty="0" smtClean="0"/>
+              <a:rPr lang="zh-CN" altLang="en-US" dirty="0"/>
               <a:t>：修改</a:t>
             </a:r>
             <a:r>
-              <a:rPr lang="en-US" altLang="zh-CN" dirty="0" err="1" smtClean="0"/>
+              <a:rPr lang="en-US" altLang="zh-CN" dirty="0" err="1"/>
               <a:t>MyModel.cs</a:t>
             </a:r>
             <a:r>
-              <a:rPr lang="zh-CN" altLang="en-US" dirty="0" smtClean="0"/>
+              <a:rPr lang="zh-CN" altLang="en-US" dirty="0"/>
               <a:t>。</a:t>
             </a:r>
-            <a:endParaRPr lang="en-US" altLang="zh-CN" dirty="0" smtClean="0"/>
+            <a:endParaRPr lang="en-US" altLang="zh-CN" dirty="0"/>
           </a:p>
           <a:p>
             <a:pPr lvl="2"/>
             <a:r>
-              <a:rPr lang="zh-CN" altLang="en-US" dirty="0" smtClean="0"/>
+              <a:rPr lang="zh-CN" altLang="en-US" dirty="0"/>
               <a:t>让数据模型实现</a:t>
             </a:r>
             <a:r>
-              <a:rPr lang="en-US" altLang="zh-CN" dirty="0" err="1" smtClean="0"/>
+              <a:rPr lang="en-US" altLang="zh-CN" dirty="0" err="1"/>
               <a:t>INotifyPropertyChanged</a:t>
             </a:r>
             <a:r>
-              <a:rPr lang="zh-CN" altLang="en-US" dirty="0" smtClean="0"/>
+              <a:rPr lang="zh-CN" altLang="en-US" dirty="0"/>
               <a:t>接口，当数据发生变化时，向外界发出通知。</a:t>
             </a:r>
-            <a:endParaRPr lang="en-US" altLang="zh-CN" dirty="0" smtClean="0"/>
+            <a:endParaRPr lang="en-US" altLang="zh-CN" dirty="0"/>
           </a:p>
         </p:txBody>
       </p:sp>
@@ -11391,7 +11788,7 @@
 </p:sld>
 </file>
 
-<file path=ppt/slides/slide34.xml><?xml version="1.0" encoding="utf-8"?>
+<file path=ppt/slides/slide37.xml><?xml version="1.0" encoding="utf-8"?>
 <p:sld xmlns:a="http://schemas.openxmlformats.org/drawingml/2006/main" xmlns:r="http://schemas.openxmlformats.org/officeDocument/2006/relationships" xmlns:p="http://schemas.openxmlformats.org/presentationml/2006/main">
   <p:cSld>
     <p:spTree>
@@ -11445,7 +11842,7 @@
 </p:sld>
 </file>
 
-<file path=ppt/slides/slide35.xml><?xml version="1.0" encoding="utf-8"?>
+<file path=ppt/slides/slide38.xml><?xml version="1.0" encoding="utf-8"?>
 <p:sld xmlns:a="http://schemas.openxmlformats.org/drawingml/2006/main" xmlns:r="http://schemas.openxmlformats.org/officeDocument/2006/relationships" xmlns:p="http://schemas.openxmlformats.org/presentationml/2006/main">
   <p:cSld>
     <p:spTree>
@@ -11506,98 +11903,98 @@
           <a:lstStyle/>
           <a:p>
             <a:r>
-              <a:rPr lang="zh-CN" altLang="en-US" dirty="0" smtClean="0"/>
+              <a:rPr lang="zh-CN" altLang="en-US" dirty="0"/>
               <a:t>练习二：</a:t>
             </a:r>
             <a:r>
-              <a:rPr lang="en-US" altLang="zh-CN" dirty="0" err="1" smtClean="0"/>
+              <a:rPr lang="en-US" altLang="zh-CN" dirty="0" err="1"/>
               <a:t>TextBox</a:t>
             </a:r>
             <a:r>
-              <a:rPr lang="zh-CN" altLang="en-US" dirty="0" smtClean="0"/>
+              <a:rPr lang="zh-CN" altLang="en-US" dirty="0"/>
               <a:t>与后台数据的绑定（续）。</a:t>
             </a:r>
-            <a:endParaRPr lang="en-US" altLang="zh-CN" dirty="0" smtClean="0"/>
+            <a:endParaRPr lang="en-US" altLang="zh-CN" dirty="0"/>
           </a:p>
           <a:p>
             <a:pPr lvl="1"/>
             <a:r>
-              <a:rPr lang="zh-CN" altLang="en-US" dirty="0" smtClean="0"/>
+              <a:rPr lang="zh-CN" altLang="en-US" dirty="0"/>
               <a:t>观察运行效果。</a:t>
             </a:r>
-            <a:endParaRPr lang="en-US" altLang="zh-CN" dirty="0" smtClean="0"/>
+            <a:endParaRPr lang="en-US" altLang="zh-CN" dirty="0"/>
           </a:p>
           <a:p>
             <a:pPr lvl="2"/>
             <a:r>
-              <a:rPr lang="zh-CN" altLang="en-US" dirty="0" smtClean="0"/>
+              <a:rPr lang="zh-CN" altLang="en-US" dirty="0"/>
               <a:t>当按下“清除</a:t>
             </a:r>
             <a:r>
-              <a:rPr lang="en-US" altLang="zh-CN" dirty="0" smtClean="0"/>
+              <a:rPr lang="en-US" altLang="zh-CN" dirty="0"/>
               <a:t>Data</a:t>
             </a:r>
             <a:r>
-              <a:rPr lang="zh-CN" altLang="en-US" dirty="0" smtClean="0"/>
+              <a:rPr lang="zh-CN" altLang="en-US" dirty="0"/>
               <a:t>”按钮后，按钮变灰，且文本框中的内容也清空。</a:t>
             </a:r>
-            <a:endParaRPr lang="en-US" altLang="zh-CN" dirty="0" smtClean="0"/>
+            <a:endParaRPr lang="en-US" altLang="zh-CN" dirty="0"/>
           </a:p>
           <a:p>
             <a:pPr lvl="2"/>
             <a:r>
-              <a:rPr lang="zh-CN" altLang="en-US" dirty="0" smtClean="0"/>
+              <a:rPr lang="zh-CN" altLang="en-US" dirty="0"/>
               <a:t>再按下“查看</a:t>
             </a:r>
             <a:r>
-              <a:rPr lang="en-US" altLang="zh-CN" dirty="0" smtClean="0"/>
+              <a:rPr lang="en-US" altLang="zh-CN" dirty="0"/>
               <a:t>Data</a:t>
             </a:r>
             <a:r>
-              <a:rPr lang="zh-CN" altLang="en-US" dirty="0" smtClean="0"/>
+              <a:rPr lang="zh-CN" altLang="en-US" dirty="0"/>
               <a:t>”按钮，弹出对话框中显示的内容为空。</a:t>
             </a:r>
-            <a:endParaRPr lang="en-US" altLang="zh-CN" dirty="0" smtClean="0"/>
+            <a:endParaRPr lang="en-US" altLang="zh-CN" dirty="0"/>
           </a:p>
           <a:p>
             <a:pPr lvl="2"/>
             <a:r>
-              <a:rPr lang="zh-CN" altLang="en-US" dirty="0" smtClean="0"/>
+              <a:rPr lang="zh-CN" altLang="en-US" dirty="0"/>
               <a:t>在文本框中输入一些数据，注意此时“清除</a:t>
             </a:r>
             <a:r>
-              <a:rPr lang="en-US" altLang="zh-CN" dirty="0" smtClean="0"/>
+              <a:rPr lang="en-US" altLang="zh-CN" dirty="0"/>
               <a:t>Data</a:t>
             </a:r>
             <a:r>
-              <a:rPr lang="zh-CN" altLang="en-US" dirty="0" smtClean="0"/>
+              <a:rPr lang="zh-CN" altLang="en-US" dirty="0"/>
               <a:t>”按钮并没有变亮，直至按下</a:t>
             </a:r>
             <a:r>
-              <a:rPr lang="en-US" altLang="zh-CN" dirty="0" smtClean="0"/>
+              <a:rPr lang="en-US" altLang="zh-CN" dirty="0"/>
               <a:t>Tab</a:t>
             </a:r>
             <a:r>
-              <a:rPr lang="zh-CN" altLang="en-US" dirty="0" smtClean="0"/>
+              <a:rPr lang="zh-CN" altLang="en-US" dirty="0"/>
               <a:t>键，或点击“查看</a:t>
             </a:r>
             <a:r>
-              <a:rPr lang="en-US" altLang="zh-CN" dirty="0" smtClean="0"/>
+              <a:rPr lang="en-US" altLang="zh-CN" dirty="0"/>
               <a:t>Data</a:t>
             </a:r>
             <a:r>
-              <a:rPr lang="zh-CN" altLang="en-US" dirty="0" smtClean="0"/>
+              <a:rPr lang="zh-CN" altLang="en-US" dirty="0"/>
               <a:t>”按钮，输入焦点离开文本框后，“清除</a:t>
             </a:r>
             <a:r>
-              <a:rPr lang="en-US" altLang="zh-CN" dirty="0" smtClean="0"/>
+              <a:rPr lang="en-US" altLang="zh-CN" dirty="0"/>
               <a:t>Data</a:t>
             </a:r>
             <a:r>
-              <a:rPr lang="zh-CN" altLang="en-US" dirty="0" smtClean="0"/>
+              <a:rPr lang="zh-CN" altLang="en-US" dirty="0"/>
               <a:t>”按钮才变亮。</a:t>
             </a:r>
-            <a:endParaRPr lang="en-US" altLang="zh-CN" dirty="0" smtClean="0"/>
+            <a:endParaRPr lang="en-US" altLang="zh-CN" dirty="0"/>
           </a:p>
         </p:txBody>
       </p:sp>
@@ -11614,7 +12011,7 @@
 </p:sld>
 </file>
 
-<file path=ppt/slides/slide36.xml><?xml version="1.0" encoding="utf-8"?>
+<file path=ppt/slides/slide39.xml><?xml version="1.0" encoding="utf-8"?>
 <p:sld xmlns:a="http://schemas.openxmlformats.org/drawingml/2006/main" xmlns:r="http://schemas.openxmlformats.org/officeDocument/2006/relationships" xmlns:p="http://schemas.openxmlformats.org/presentationml/2006/main">
   <p:cSld>
     <p:spTree>
@@ -11675,69 +12072,65 @@
           <a:lstStyle/>
           <a:p>
             <a:r>
-              <a:rPr lang="zh-CN" altLang="en-US" dirty="0" smtClean="0"/>
+              <a:rPr lang="zh-CN" altLang="en-US" dirty="0"/>
               <a:t>练习二：</a:t>
             </a:r>
             <a:r>
-              <a:rPr lang="en-US" altLang="zh-CN" dirty="0" err="1" smtClean="0"/>
+              <a:rPr lang="en-US" altLang="zh-CN" dirty="0" err="1"/>
               <a:t>TextBox</a:t>
             </a:r>
             <a:r>
-              <a:rPr lang="zh-CN" altLang="en-US" dirty="0" smtClean="0"/>
+              <a:rPr lang="zh-CN" altLang="en-US" dirty="0"/>
               <a:t>与后台数据的绑定（续）。</a:t>
             </a:r>
-            <a:endParaRPr lang="en-US" altLang="zh-CN" dirty="0" smtClean="0"/>
+            <a:endParaRPr lang="en-US" altLang="zh-CN" dirty="0"/>
           </a:p>
           <a:p>
             <a:pPr lvl="1"/>
             <a:r>
-              <a:rPr lang="zh-CN" altLang="en-US" dirty="0" smtClean="0"/>
+              <a:rPr lang="zh-CN" altLang="en-US" dirty="0"/>
               <a:t>步骤</a:t>
             </a:r>
             <a:r>
-              <a:rPr lang="en-US" altLang="zh-CN" dirty="0" smtClean="0"/>
+              <a:rPr lang="en-US" altLang="zh-CN" dirty="0"/>
               <a:t>4</a:t>
             </a:r>
             <a:r>
-              <a:rPr lang="zh-CN" altLang="en-US" dirty="0" smtClean="0"/>
+              <a:rPr lang="zh-CN" altLang="en-US" dirty="0"/>
               <a:t>：修改主窗体</a:t>
             </a:r>
             <a:r>
-              <a:rPr lang="en-US" altLang="zh-CN" dirty="0" err="1" smtClean="0"/>
+              <a:rPr lang="en-US" altLang="zh-CN" dirty="0" err="1"/>
               <a:t>MainWindow.xaml</a:t>
             </a:r>
             <a:r>
-              <a:rPr lang="zh-CN" altLang="en-US" dirty="0" smtClean="0"/>
+              <a:rPr lang="zh-CN" altLang="en-US" dirty="0"/>
               <a:t>。</a:t>
             </a:r>
-            <a:endParaRPr lang="en-US" altLang="zh-CN" dirty="0" smtClean="0"/>
+            <a:endParaRPr lang="en-US" altLang="zh-CN" dirty="0"/>
           </a:p>
           <a:p>
             <a:pPr lvl="2"/>
             <a:r>
-              <a:rPr lang="zh-CN" altLang="en-US" dirty="0" smtClean="0"/>
+              <a:rPr lang="zh-CN" altLang="en-US" dirty="0"/>
               <a:t>为文本框的数据绑定增加一个属性：</a:t>
             </a:r>
-            <a:r>
-              <a:rPr lang="en-US" altLang="zh-CN" dirty="0" smtClean="0"/>
-              <a:t/>
-            </a:r>
             <a:br>
-              <a:rPr lang="en-US" altLang="zh-CN" dirty="0" smtClean="0"/>
+              <a:rPr lang="en-US" altLang="zh-CN" dirty="0"/>
             </a:br>
             <a:r>
-              <a:rPr lang="en-US" altLang="zh-CN" dirty="0" err="1" smtClean="0"/>
+              <a:rPr lang="en-US" altLang="zh-CN" dirty="0" err="1"/>
               <a:t>UpdateSourceTrigger</a:t>
             </a:r>
             <a:r>
-              <a:rPr lang="en-US" altLang="zh-CN" dirty="0" smtClean="0"/>
+              <a:rPr lang="en-US" altLang="zh-CN" dirty="0"/>
               <a:t>=</a:t>
             </a:r>
             <a:r>
-              <a:rPr lang="en-US" altLang="zh-CN" dirty="0" err="1" smtClean="0"/>
+              <a:rPr lang="en-US" altLang="zh-CN" dirty="0" err="1"/>
               <a:t>PropertyChanged</a:t>
             </a:r>
-            <a:endParaRPr lang="en-US" altLang="zh-CN" dirty="0" smtClean="0"/>
+            <a:endParaRPr lang="en-US" altLang="zh-CN" dirty="0"/>
           </a:p>
         </p:txBody>
       </p:sp>
@@ -11754,7 +12147,156 @@
 </p:sld>
 </file>
 
-<file path=ppt/slides/slide37.xml><?xml version="1.0" encoding="utf-8"?>
+<file path=ppt/slides/slide4.xml><?xml version="1.0" encoding="utf-8"?>
+<p:sld xmlns:a="http://schemas.openxmlformats.org/drawingml/2006/main" xmlns:r="http://schemas.openxmlformats.org/officeDocument/2006/relationships" xmlns:p="http://schemas.openxmlformats.org/presentationml/2006/main">
+  <p:cSld>
+    <p:spTree>
+      <p:nvGrpSpPr>
+        <p:cNvPr id="1" name=""/>
+        <p:cNvGrpSpPr/>
+        <p:nvPr/>
+      </p:nvGrpSpPr>
+      <p:grpSpPr>
+        <a:xfrm>
+          <a:off x="0" y="0"/>
+          <a:ext cx="0" cy="0"/>
+          <a:chOff x="0" y="0"/>
+          <a:chExt cx="0" cy="0"/>
+        </a:xfrm>
+      </p:grpSpPr>
+      <p:sp>
+        <p:nvSpPr>
+          <p:cNvPr id="2" name="标题 1"/>
+          <p:cNvSpPr>
+            <a:spLocks noGrp="1"/>
+          </p:cNvSpPr>
+          <p:nvPr>
+            <p:ph type="title"/>
+          </p:nvPr>
+        </p:nvSpPr>
+        <p:spPr/>
+        <p:txBody>
+          <a:bodyPr/>
+          <a:lstStyle/>
+          <a:p>
+            <a:r>
+              <a:rPr lang="zh-CN" altLang="en-US" dirty="0"/>
+              <a:t>关于</a:t>
+            </a:r>
+            <a:r>
+              <a:rPr lang="en-US" altLang="zh-CN" dirty="0"/>
+              <a:t>WPF</a:t>
+            </a:r>
+            <a:endParaRPr lang="zh-CN" altLang="en-US" dirty="0"/>
+          </a:p>
+        </p:txBody>
+      </p:sp>
+      <p:sp>
+        <p:nvSpPr>
+          <p:cNvPr id="3" name="内容占位符 2"/>
+          <p:cNvSpPr>
+            <a:spLocks noGrp="1"/>
+          </p:cNvSpPr>
+          <p:nvPr>
+            <p:ph idx="1"/>
+          </p:nvPr>
+        </p:nvSpPr>
+        <p:spPr/>
+        <p:txBody>
+          <a:bodyPr>
+            <a:normAutofit fontScale="92500" lnSpcReduction="20000"/>
+          </a:bodyPr>
+          <a:lstStyle/>
+          <a:p>
+            <a:r>
+              <a:rPr lang="en-US" altLang="zh-CN" dirty="0"/>
+              <a:t>WPF</a:t>
+            </a:r>
+            <a:r>
+              <a:rPr lang="zh-CN" altLang="en-US" dirty="0"/>
+              <a:t>给我们提供了什么？</a:t>
+            </a:r>
+            <a:endParaRPr lang="en-US" altLang="zh-CN" dirty="0"/>
+          </a:p>
+          <a:p>
+            <a:pPr lvl="1"/>
+            <a:r>
+              <a:rPr lang="en-US" altLang="zh-CN" dirty="0"/>
+              <a:t>Render engine core: </a:t>
+            </a:r>
+            <a:r>
+              <a:rPr lang="zh-CN" altLang="en-US" dirty="0"/>
+              <a:t>强大的图形能力</a:t>
+            </a:r>
+            <a:endParaRPr lang="en-US" altLang="zh-CN" dirty="0"/>
+          </a:p>
+          <a:p>
+            <a:pPr lvl="1"/>
+            <a:r>
+              <a:rPr lang="en-US" altLang="zh-CN" dirty="0"/>
+              <a:t>Markup and code-behind: </a:t>
+            </a:r>
+            <a:r>
+              <a:rPr lang="en-US" altLang="zh-CN" dirty="0" err="1"/>
+              <a:t>Xaml</a:t>
+            </a:r>
+            <a:endParaRPr lang="en-US" altLang="zh-CN" dirty="0"/>
+          </a:p>
+          <a:p>
+            <a:pPr lvl="1"/>
+            <a:r>
+              <a:rPr lang="en-US" altLang="zh-CN" dirty="0"/>
+              <a:t>Layout System: </a:t>
+            </a:r>
+            <a:r>
+              <a:rPr lang="zh-CN" altLang="en-US" dirty="0"/>
+              <a:t>更为灵活的界面元素和界面布局</a:t>
+            </a:r>
+            <a:endParaRPr lang="en-US" altLang="zh-CN" dirty="0"/>
+          </a:p>
+          <a:p>
+            <a:pPr lvl="1"/>
+            <a:r>
+              <a:rPr lang="en-US" altLang="zh-CN" dirty="0"/>
+              <a:t>Data Binding: </a:t>
+            </a:r>
+            <a:r>
+              <a:rPr lang="zh-CN" altLang="en-US" dirty="0"/>
+              <a:t>表示层与逻辑层更好地解耦</a:t>
+            </a:r>
+            <a:endParaRPr lang="en-US" altLang="zh-CN" dirty="0"/>
+          </a:p>
+          <a:p>
+            <a:pPr lvl="1"/>
+            <a:r>
+              <a:rPr lang="zh-CN" altLang="en-US" dirty="0"/>
+              <a:t>强大的动画和多媒体支持</a:t>
+            </a:r>
+            <a:endParaRPr lang="en-US" altLang="zh-CN" dirty="0"/>
+          </a:p>
+          <a:p>
+            <a:pPr lvl="1"/>
+            <a:r>
+              <a:rPr lang="en-US" altLang="zh-CN" dirty="0"/>
+              <a:t>……</a:t>
+            </a:r>
+          </a:p>
+        </p:txBody>
+      </p:sp>
+    </p:spTree>
+    <p:extLst>
+      <p:ext uri="{BB962C8B-B14F-4D97-AF65-F5344CB8AC3E}">
+        <p14:creationId xmlns:p14="http://schemas.microsoft.com/office/powerpoint/2010/main" val="2982537344"/>
+      </p:ext>
+    </p:extLst>
+  </p:cSld>
+  <p:clrMapOvr>
+    <a:masterClrMapping/>
+  </p:clrMapOvr>
+</p:sld>
+</file>
+
+<file path=ppt/slides/slide40.xml><?xml version="1.0" encoding="utf-8"?>
 <p:sld xmlns:a="http://schemas.openxmlformats.org/drawingml/2006/main" xmlns:r="http://schemas.openxmlformats.org/officeDocument/2006/relationships" xmlns:p="http://schemas.openxmlformats.org/presentationml/2006/main">
   <p:cSld>
     <p:spTree>
@@ -11808,7 +12350,7 @@
 </p:sld>
 </file>
 
-<file path=ppt/slides/slide38.xml><?xml version="1.0" encoding="utf-8"?>
+<file path=ppt/slides/slide41.xml><?xml version="1.0" encoding="utf-8"?>
 <p:sld xmlns:a="http://schemas.openxmlformats.org/drawingml/2006/main" xmlns:r="http://schemas.openxmlformats.org/officeDocument/2006/relationships" xmlns:p="http://schemas.openxmlformats.org/presentationml/2006/main">
   <p:cSld>
     <p:spTree>
@@ -11869,74 +12411,74 @@
           <a:lstStyle/>
           <a:p>
             <a:r>
-              <a:rPr lang="zh-CN" altLang="en-US" dirty="0" smtClean="0"/>
+              <a:rPr lang="zh-CN" altLang="en-US" dirty="0"/>
               <a:t>练习二：</a:t>
             </a:r>
             <a:r>
-              <a:rPr lang="en-US" altLang="zh-CN" dirty="0" err="1" smtClean="0"/>
+              <a:rPr lang="en-US" altLang="zh-CN" dirty="0" err="1"/>
               <a:t>TextBox</a:t>
             </a:r>
             <a:r>
-              <a:rPr lang="zh-CN" altLang="en-US" dirty="0" smtClean="0"/>
+              <a:rPr lang="zh-CN" altLang="en-US" dirty="0"/>
               <a:t>与后台数据的绑定（续）。</a:t>
             </a:r>
-            <a:endParaRPr lang="en-US" altLang="zh-CN" dirty="0" smtClean="0"/>
+            <a:endParaRPr lang="en-US" altLang="zh-CN" dirty="0"/>
           </a:p>
           <a:p>
             <a:pPr lvl="1"/>
             <a:r>
-              <a:rPr lang="zh-CN" altLang="en-US" dirty="0" smtClean="0"/>
+              <a:rPr lang="zh-CN" altLang="en-US" dirty="0"/>
               <a:t>观察运行效果。</a:t>
             </a:r>
-            <a:endParaRPr lang="en-US" altLang="zh-CN" dirty="0" smtClean="0"/>
+            <a:endParaRPr lang="en-US" altLang="zh-CN" dirty="0"/>
           </a:p>
           <a:p>
             <a:pPr lvl="2"/>
             <a:r>
-              <a:rPr lang="zh-CN" altLang="en-US" dirty="0" smtClean="0"/>
+              <a:rPr lang="zh-CN" altLang="en-US" dirty="0"/>
               <a:t>当按下“清除</a:t>
             </a:r>
             <a:r>
-              <a:rPr lang="en-US" altLang="zh-CN" dirty="0" smtClean="0"/>
+              <a:rPr lang="en-US" altLang="zh-CN" dirty="0"/>
               <a:t>Data</a:t>
             </a:r>
             <a:r>
-              <a:rPr lang="zh-CN" altLang="en-US" dirty="0" smtClean="0"/>
+              <a:rPr lang="zh-CN" altLang="en-US" dirty="0"/>
               <a:t>”按钮后，按钮变灰，且文本框中的内容也清空。</a:t>
             </a:r>
-            <a:endParaRPr lang="en-US" altLang="zh-CN" dirty="0" smtClean="0"/>
+            <a:endParaRPr lang="en-US" altLang="zh-CN" dirty="0"/>
           </a:p>
           <a:p>
             <a:pPr lvl="2"/>
             <a:r>
-              <a:rPr lang="zh-CN" altLang="en-US" dirty="0" smtClean="0"/>
+              <a:rPr lang="zh-CN" altLang="en-US" dirty="0"/>
               <a:t>再按下“查看</a:t>
             </a:r>
             <a:r>
-              <a:rPr lang="en-US" altLang="zh-CN" dirty="0" smtClean="0"/>
+              <a:rPr lang="en-US" altLang="zh-CN" dirty="0"/>
               <a:t>Data</a:t>
             </a:r>
             <a:r>
-              <a:rPr lang="zh-CN" altLang="en-US" dirty="0" smtClean="0"/>
+              <a:rPr lang="zh-CN" altLang="en-US" dirty="0"/>
               <a:t>”按钮，弹出对话框中显示的内容为空。</a:t>
             </a:r>
-            <a:endParaRPr lang="en-US" altLang="zh-CN" dirty="0" smtClean="0"/>
+            <a:endParaRPr lang="en-US" altLang="zh-CN" dirty="0"/>
           </a:p>
           <a:p>
             <a:pPr lvl="2"/>
             <a:r>
-              <a:rPr lang="zh-CN" altLang="en-US" dirty="0" smtClean="0"/>
+              <a:rPr lang="zh-CN" altLang="en-US" dirty="0"/>
               <a:t>在文本框中输入一些数据，随着输入，“清除</a:t>
             </a:r>
             <a:r>
-              <a:rPr lang="en-US" altLang="zh-CN" dirty="0" smtClean="0"/>
+              <a:rPr lang="en-US" altLang="zh-CN" dirty="0"/>
               <a:t>Data</a:t>
             </a:r>
             <a:r>
-              <a:rPr lang="zh-CN" altLang="en-US" dirty="0" smtClean="0"/>
+              <a:rPr lang="zh-CN" altLang="en-US" dirty="0"/>
               <a:t>”按钮立刻变亮。</a:t>
             </a:r>
-            <a:endParaRPr lang="en-US" altLang="zh-CN" dirty="0" smtClean="0"/>
+            <a:endParaRPr lang="en-US" altLang="zh-CN" dirty="0"/>
           </a:p>
         </p:txBody>
       </p:sp>
@@ -11953,7 +12495,7 @@
 </p:sld>
 </file>
 
-<file path=ppt/slides/slide39.xml><?xml version="1.0" encoding="utf-8"?>
+<file path=ppt/slides/slide42.xml><?xml version="1.0" encoding="utf-8"?>
 <p:sld xmlns:a="http://schemas.openxmlformats.org/drawingml/2006/main" xmlns:r="http://schemas.openxmlformats.org/officeDocument/2006/relationships" xmlns:p="http://schemas.openxmlformats.org/presentationml/2006/main">
   <p:cSld>
     <p:spTree>
@@ -12014,58 +12556,58 @@
           <a:lstStyle/>
           <a:p>
             <a:r>
-              <a:rPr lang="zh-CN" altLang="en-US" dirty="0" smtClean="0"/>
+              <a:rPr lang="zh-CN" altLang="en-US" dirty="0"/>
               <a:t>练习二：</a:t>
             </a:r>
             <a:r>
-              <a:rPr lang="en-US" altLang="zh-CN" dirty="0" err="1" smtClean="0"/>
+              <a:rPr lang="en-US" altLang="zh-CN" dirty="0" err="1"/>
               <a:t>TextBox</a:t>
             </a:r>
             <a:r>
-              <a:rPr lang="zh-CN" altLang="en-US" dirty="0" smtClean="0"/>
+              <a:rPr lang="zh-CN" altLang="en-US" dirty="0"/>
               <a:t>与后台数据的绑定（续）。</a:t>
             </a:r>
-            <a:endParaRPr lang="en-US" altLang="zh-CN" dirty="0" smtClean="0"/>
+            <a:endParaRPr lang="en-US" altLang="zh-CN" dirty="0"/>
           </a:p>
           <a:p>
             <a:pPr lvl="1"/>
             <a:r>
-              <a:rPr lang="zh-CN" altLang="en-US" dirty="0" smtClean="0"/>
+              <a:rPr lang="zh-CN" altLang="en-US" dirty="0"/>
               <a:t>小结</a:t>
             </a:r>
-            <a:endParaRPr lang="en-US" altLang="zh-CN" dirty="0" smtClean="0"/>
+            <a:endParaRPr lang="en-US" altLang="zh-CN" dirty="0"/>
           </a:p>
           <a:p>
             <a:pPr lvl="2"/>
             <a:r>
-              <a:rPr lang="zh-CN" altLang="en-US" dirty="0" smtClean="0"/>
+              <a:rPr lang="zh-CN" altLang="en-US" dirty="0"/>
               <a:t>界面元素绑定到某个数据项后，界面元素的操作会作用于数据项。但界面元素不能自动检测到数据项由于其他因素导致的变化。</a:t>
             </a:r>
-            <a:endParaRPr lang="en-US" altLang="zh-CN" dirty="0" smtClean="0"/>
+            <a:endParaRPr lang="en-US" altLang="zh-CN" dirty="0"/>
           </a:p>
           <a:p>
             <a:pPr lvl="2"/>
             <a:r>
-              <a:rPr lang="zh-CN" altLang="en-US" dirty="0" smtClean="0"/>
+              <a:rPr lang="zh-CN" altLang="en-US" dirty="0"/>
               <a:t>为了让界面元素与数据项实现双向的同步，需要让数据类实现</a:t>
             </a:r>
             <a:r>
-              <a:rPr lang="en-US" altLang="zh-CN" dirty="0" err="1" smtClean="0"/>
+              <a:rPr lang="en-US" altLang="zh-CN" dirty="0" err="1"/>
               <a:t>INotityPropertyChanged</a:t>
             </a:r>
             <a:r>
-              <a:rPr lang="zh-CN" altLang="en-US" dirty="0" smtClean="0"/>
+              <a:rPr lang="zh-CN" altLang="en-US" dirty="0"/>
               <a:t>接口，并在属性值发生变化时，触发</a:t>
             </a:r>
             <a:r>
-              <a:rPr lang="en-US" altLang="zh-CN" dirty="0" err="1" smtClean="0"/>
+              <a:rPr lang="en-US" altLang="zh-CN" dirty="0" err="1"/>
               <a:t>PropertyChanged</a:t>
             </a:r>
             <a:r>
-              <a:rPr lang="zh-CN" altLang="en-US" dirty="0" smtClean="0"/>
+              <a:rPr lang="zh-CN" altLang="en-US" dirty="0"/>
               <a:t>事件，通知外界此属性发生了变化。</a:t>
             </a:r>
-            <a:endParaRPr lang="en-US" altLang="zh-CN" dirty="0" smtClean="0"/>
+            <a:endParaRPr lang="en-US" altLang="zh-CN" dirty="0"/>
           </a:p>
         </p:txBody>
       </p:sp>
@@ -12079,163 +12621,6 @@
   <p:clrMapOvr>
     <a:masterClrMapping/>
   </p:clrMapOvr>
-</p:sld>
-</file>
-
-<file path=ppt/slides/slide4.xml><?xml version="1.0" encoding="utf-8"?>
-<p:sld xmlns:a="http://schemas.openxmlformats.org/drawingml/2006/main" xmlns:r="http://schemas.openxmlformats.org/officeDocument/2006/relationships" xmlns:p="http://schemas.openxmlformats.org/presentationml/2006/main">
-  <p:cSld>
-    <p:spTree>
-      <p:nvGrpSpPr>
-        <p:cNvPr id="1" name=""/>
-        <p:cNvGrpSpPr/>
-        <p:nvPr/>
-      </p:nvGrpSpPr>
-      <p:grpSpPr>
-        <a:xfrm>
-          <a:off x="0" y="0"/>
-          <a:ext cx="0" cy="0"/>
-          <a:chOff x="0" y="0"/>
-          <a:chExt cx="0" cy="0"/>
-        </a:xfrm>
-      </p:grpSpPr>
-      <p:sp>
-        <p:nvSpPr>
-          <p:cNvPr id="2" name="标题 1"/>
-          <p:cNvSpPr>
-            <a:spLocks noGrp="1"/>
-          </p:cNvSpPr>
-          <p:nvPr>
-            <p:ph type="title"/>
-          </p:nvPr>
-        </p:nvSpPr>
-        <p:spPr/>
-        <p:txBody>
-          <a:bodyPr/>
-          <a:lstStyle/>
-          <a:p>
-            <a:r>
-              <a:rPr lang="zh-CN" altLang="en-US" dirty="0" smtClean="0"/>
-              <a:t>关于</a:t>
-            </a:r>
-            <a:r>
-              <a:rPr lang="en-US" altLang="zh-CN" dirty="0" smtClean="0"/>
-              <a:t>WPF</a:t>
-            </a:r>
-            <a:endParaRPr lang="zh-CN" altLang="en-US" dirty="0"/>
-          </a:p>
-        </p:txBody>
-      </p:sp>
-      <p:sp>
-        <p:nvSpPr>
-          <p:cNvPr id="3" name="内容占位符 2"/>
-          <p:cNvSpPr>
-            <a:spLocks noGrp="1"/>
-          </p:cNvSpPr>
-          <p:nvPr>
-            <p:ph idx="1"/>
-          </p:nvPr>
-        </p:nvSpPr>
-        <p:spPr/>
-        <p:txBody>
-          <a:bodyPr>
-            <a:normAutofit fontScale="85000" lnSpcReduction="10000"/>
-          </a:bodyPr>
-          <a:lstStyle/>
-          <a:p>
-            <a:r>
-              <a:rPr lang="en-US" altLang="zh-CN" dirty="0" smtClean="0"/>
-              <a:t>WPF</a:t>
-            </a:r>
-            <a:r>
-              <a:rPr lang="zh-CN" altLang="en-US" dirty="0" smtClean="0"/>
-              <a:t>给我们提供了什么？</a:t>
-            </a:r>
-            <a:endParaRPr lang="en-US" altLang="zh-CN" dirty="0" smtClean="0"/>
-          </a:p>
-          <a:p>
-            <a:pPr lvl="1"/>
-            <a:r>
-              <a:rPr lang="en-US" altLang="zh-CN" dirty="0" smtClean="0"/>
-              <a:t>Render engine core: </a:t>
-            </a:r>
-            <a:r>
-              <a:rPr lang="zh-CN" altLang="en-US" dirty="0" smtClean="0"/>
-              <a:t>强大的图形能力</a:t>
-            </a:r>
-            <a:endParaRPr lang="en-US" altLang="zh-CN" dirty="0" smtClean="0"/>
-          </a:p>
-          <a:p>
-            <a:pPr lvl="1"/>
-            <a:r>
-              <a:rPr lang="en-US" altLang="zh-CN" dirty="0" smtClean="0"/>
-              <a:t>Markup and code-behind: </a:t>
-            </a:r>
-            <a:r>
-              <a:rPr lang="en-US" altLang="zh-CN" dirty="0" err="1" smtClean="0"/>
-              <a:t>Xaml</a:t>
-            </a:r>
-            <a:endParaRPr lang="en-US" altLang="zh-CN" dirty="0" smtClean="0"/>
-          </a:p>
-          <a:p>
-            <a:pPr lvl="1"/>
-            <a:r>
-              <a:rPr lang="en-US" altLang="zh-CN" dirty="0" smtClean="0"/>
-              <a:t>Layout System: </a:t>
-            </a:r>
-            <a:r>
-              <a:rPr lang="zh-CN" altLang="en-US" dirty="0" smtClean="0"/>
-              <a:t>更为灵活的界面元素和界面布局</a:t>
-            </a:r>
-            <a:endParaRPr lang="en-US" altLang="zh-CN" dirty="0" smtClean="0"/>
-          </a:p>
-          <a:p>
-            <a:pPr lvl="1"/>
-            <a:r>
-              <a:rPr lang="en-US" altLang="zh-CN" dirty="0" smtClean="0"/>
-              <a:t>Data Binding: </a:t>
-            </a:r>
-            <a:r>
-              <a:rPr lang="zh-CN" altLang="en-US" dirty="0" smtClean="0"/>
-              <a:t>表示层与逻辑层更好地解耦</a:t>
-            </a:r>
-            <a:endParaRPr lang="en-US" altLang="zh-CN" dirty="0" smtClean="0"/>
-          </a:p>
-          <a:p>
-            <a:pPr lvl="1"/>
-            <a:r>
-              <a:rPr lang="zh-CN" altLang="en-US" dirty="0" smtClean="0"/>
-              <a:t>强大的动画和多媒体支持</a:t>
-            </a:r>
-            <a:endParaRPr lang="en-US" altLang="zh-CN" dirty="0" smtClean="0"/>
-          </a:p>
-          <a:p>
-            <a:pPr lvl="1"/>
-            <a:r>
-              <a:rPr lang="en-US" altLang="zh-CN" dirty="0"/>
-              <a:t>……</a:t>
-            </a:r>
-            <a:endParaRPr lang="en-US" altLang="zh-CN" dirty="0" smtClean="0"/>
-          </a:p>
-        </p:txBody>
-      </p:sp>
-    </p:spTree>
-    <p:extLst>
-      <p:ext uri="{BB962C8B-B14F-4D97-AF65-F5344CB8AC3E}">
-        <p14:creationId xmlns:p14="http://schemas.microsoft.com/office/powerpoint/2010/main" val="2982537344"/>
-      </p:ext>
-    </p:extLst>
-  </p:cSld>
-  <p:clrMapOvr>
-    <a:masterClrMapping/>
-  </p:clrMapOvr>
-  <p:timing>
-    <p:tnLst>
-      <p:par>
-        <p:cTn id="1" dur="indefinite" restart="never" nodeType="tmRoot"/>
-      </p:par>
-    </p:tnLst>
-  </p:timing>
 </p:sld>
 </file>
 
@@ -12272,18 +12657,17 @@
           <a:lstStyle/>
           <a:p>
             <a:r>
-              <a:rPr lang="zh-CN" altLang="en-US" dirty="0" smtClean="0"/>
+              <a:rPr lang="zh-CN" altLang="en-US" dirty="0"/>
               <a:t>基于</a:t>
             </a:r>
             <a:r>
-              <a:rPr lang="en-US" altLang="zh-CN" dirty="0" smtClean="0"/>
+              <a:rPr lang="en-US" altLang="zh-CN" dirty="0"/>
               <a:t>WPF</a:t>
             </a:r>
             <a:r>
-              <a:rPr lang="zh-CN" altLang="en-US" dirty="0" smtClean="0"/>
+              <a:rPr lang="zh-CN" altLang="en-US" dirty="0"/>
               <a:t>的编程</a:t>
             </a:r>
-            <a:endParaRPr lang="zh-CN" altLang="en-US" dirty="0"/>
           </a:p>
         </p:txBody>
       </p:sp>
@@ -12303,7 +12687,7 @@
           <a:lstStyle/>
           <a:p>
             <a:r>
-              <a:rPr lang="en-US" altLang="zh-CN" dirty="0" smtClean="0"/>
+              <a:rPr lang="en-US" altLang="zh-CN" dirty="0"/>
               <a:t>Windows Presentation Foundation</a:t>
             </a:r>
             <a:endParaRPr lang="zh-CN" altLang="en-US" dirty="0"/>
@@ -12320,13 +12704,6 @@
   <p:clrMapOvr>
     <a:masterClrMapping/>
   </p:clrMapOvr>
-  <p:timing>
-    <p:tnLst>
-      <p:par>
-        <p:cTn id="1" dur="indefinite" restart="never" nodeType="tmRoot"/>
-      </p:par>
-    </p:tnLst>
-  </p:timing>
 </p:sld>
 </file>
 
@@ -12347,6 +12724,350 @@
           <a:chExt cx="0" cy="0"/>
         </a:xfrm>
       </p:grpSpPr>
+      <p:pic>
+        <p:nvPicPr>
+          <p:cNvPr id="2" name="图片 1">
+            <a:extLst>
+              <a:ext uri="{FF2B5EF4-FFF2-40B4-BE49-F238E27FC236}">
+                <a16:creationId xmlns:a16="http://schemas.microsoft.com/office/drawing/2014/main" id="{45AB9ACA-9426-48CA-8686-AB69A264BD81}"/>
+              </a:ext>
+            </a:extLst>
+          </p:cNvPr>
+          <p:cNvPicPr>
+            <a:picLocks noChangeAspect="1"/>
+          </p:cNvPicPr>
+          <p:nvPr/>
+        </p:nvPicPr>
+        <p:blipFill>
+          <a:blip r:embed="rId2"/>
+          <a:stretch>
+            <a:fillRect/>
+          </a:stretch>
+        </p:blipFill>
+        <p:spPr>
+          <a:xfrm>
+            <a:off x="150019" y="100013"/>
+            <a:ext cx="7465087" cy="4884111"/>
+          </a:xfrm>
+          <a:prstGeom prst="rect">
+            <a:avLst/>
+          </a:prstGeom>
+        </p:spPr>
+      </p:pic>
+      <p:pic>
+        <p:nvPicPr>
+          <p:cNvPr id="3" name="图片 2">
+            <a:extLst>
+              <a:ext uri="{FF2B5EF4-FFF2-40B4-BE49-F238E27FC236}">
+                <a16:creationId xmlns:a16="http://schemas.microsoft.com/office/drawing/2014/main" id="{DB2FB57C-2621-4FBC-9090-9114F9DD2BAC}"/>
+              </a:ext>
+            </a:extLst>
+          </p:cNvPr>
+          <p:cNvPicPr>
+            <a:picLocks noChangeAspect="1"/>
+          </p:cNvPicPr>
+          <p:nvPr/>
+        </p:nvPicPr>
+        <p:blipFill>
+          <a:blip r:embed="rId3"/>
+          <a:stretch>
+            <a:fillRect/>
+          </a:stretch>
+        </p:blipFill>
+        <p:spPr>
+          <a:xfrm>
+            <a:off x="231257" y="2382593"/>
+            <a:ext cx="8791300" cy="4375430"/>
+          </a:xfrm>
+          <a:prstGeom prst="rect">
+            <a:avLst/>
+          </a:prstGeom>
+        </p:spPr>
+      </p:pic>
+    </p:spTree>
+    <p:extLst>
+      <p:ext uri="{BB962C8B-B14F-4D97-AF65-F5344CB8AC3E}">
+        <p14:creationId xmlns:p14="http://schemas.microsoft.com/office/powerpoint/2010/main" val="1015121801"/>
+      </p:ext>
+    </p:extLst>
+  </p:cSld>
+  <p:clrMapOvr>
+    <a:masterClrMapping/>
+  </p:clrMapOvr>
+  <p:timing>
+    <p:tnLst>
+      <p:par>
+        <p:cTn id="1" dur="indefinite" restart="never" nodeType="tmRoot">
+          <p:childTnLst>
+            <p:seq concurrent="1" nextAc="seek">
+              <p:cTn id="2" dur="indefinite" nodeType="mainSeq">
+                <p:childTnLst>
+                  <p:par>
+                    <p:cTn id="3" fill="hold">
+                      <p:stCondLst>
+                        <p:cond delay="indefinite"/>
+                      </p:stCondLst>
+                      <p:childTnLst>
+                        <p:par>
+                          <p:cTn id="4" fill="hold">
+                            <p:stCondLst>
+                              <p:cond delay="0"/>
+                            </p:stCondLst>
+                            <p:childTnLst>
+                              <p:par>
+                                <p:cTn id="5" presetID="1" presetClass="entr" presetSubtype="0" fill="hold" nodeType="clickEffect">
+                                  <p:stCondLst>
+                                    <p:cond delay="0"/>
+                                  </p:stCondLst>
+                                  <p:childTnLst>
+                                    <p:set>
+                                      <p:cBhvr>
+                                        <p:cTn id="6" dur="1" fill="hold">
+                                          <p:stCondLst>
+                                            <p:cond delay="0"/>
+                                          </p:stCondLst>
+                                        </p:cTn>
+                                        <p:tgtEl>
+                                          <p:spTgt spid="3"/>
+                                        </p:tgtEl>
+                                        <p:attrNameLst>
+                                          <p:attrName>style.visibility</p:attrName>
+                                        </p:attrNameLst>
+                                      </p:cBhvr>
+                                      <p:to>
+                                        <p:strVal val="visible"/>
+                                      </p:to>
+                                    </p:set>
+                                  </p:childTnLst>
+                                </p:cTn>
+                              </p:par>
+                            </p:childTnLst>
+                          </p:cTn>
+                        </p:par>
+                      </p:childTnLst>
+                    </p:cTn>
+                  </p:par>
+                </p:childTnLst>
+              </p:cTn>
+              <p:prevCondLst>
+                <p:cond evt="onPrev" delay="0">
+                  <p:tgtEl>
+                    <p:sldTgt/>
+                  </p:tgtEl>
+                </p:cond>
+              </p:prevCondLst>
+              <p:nextCondLst>
+                <p:cond evt="onNext" delay="0">
+                  <p:tgtEl>
+                    <p:sldTgt/>
+                  </p:tgtEl>
+                </p:cond>
+              </p:nextCondLst>
+            </p:seq>
+          </p:childTnLst>
+        </p:cTn>
+      </p:par>
+    </p:tnLst>
+  </p:timing>
+</p:sld>
+</file>
+
+<file path=ppt/slides/slide7.xml><?xml version="1.0" encoding="utf-8"?>
+<p:sld xmlns:a="http://schemas.openxmlformats.org/drawingml/2006/main" xmlns:r="http://schemas.openxmlformats.org/officeDocument/2006/relationships" xmlns:p="http://schemas.openxmlformats.org/presentationml/2006/main">
+  <p:cSld>
+    <p:spTree>
+      <p:nvGrpSpPr>
+        <p:cNvPr id="1" name=""/>
+        <p:cNvGrpSpPr/>
+        <p:nvPr/>
+      </p:nvGrpSpPr>
+      <p:grpSpPr>
+        <a:xfrm>
+          <a:off x="0" y="0"/>
+          <a:ext cx="0" cy="0"/>
+          <a:chOff x="0" y="0"/>
+          <a:chExt cx="0" cy="0"/>
+        </a:xfrm>
+      </p:grpSpPr>
+      <p:pic>
+        <p:nvPicPr>
+          <p:cNvPr id="2" name="图片 1">
+            <a:extLst>
+              <a:ext uri="{FF2B5EF4-FFF2-40B4-BE49-F238E27FC236}">
+                <a16:creationId xmlns:a16="http://schemas.microsoft.com/office/drawing/2014/main" id="{655CB83F-3FFA-46A2-8B51-33E2125FE2C1}"/>
+              </a:ext>
+            </a:extLst>
+          </p:cNvPr>
+          <p:cNvPicPr>
+            <a:picLocks noChangeAspect="1"/>
+          </p:cNvPicPr>
+          <p:nvPr/>
+        </p:nvPicPr>
+        <p:blipFill>
+          <a:blip r:embed="rId2"/>
+          <a:stretch>
+            <a:fillRect/>
+          </a:stretch>
+        </p:blipFill>
+        <p:spPr>
+          <a:xfrm>
+            <a:off x="244133" y="101370"/>
+            <a:ext cx="6101076" cy="4000500"/>
+          </a:xfrm>
+          <a:prstGeom prst="rect">
+            <a:avLst/>
+          </a:prstGeom>
+          <a:effectLst>
+            <a:outerShdw blurRad="50800" dist="38100" dir="2700000" algn="tl" rotWithShape="0">
+              <a:prstClr val="black">
+                <a:alpha val="40000"/>
+              </a:prstClr>
+            </a:outerShdw>
+          </a:effectLst>
+        </p:spPr>
+      </p:pic>
+      <p:pic>
+        <p:nvPicPr>
+          <p:cNvPr id="3" name="图片 2">
+            <a:extLst>
+              <a:ext uri="{FF2B5EF4-FFF2-40B4-BE49-F238E27FC236}">
+                <a16:creationId xmlns:a16="http://schemas.microsoft.com/office/drawing/2014/main" id="{A8C6F4A7-9232-49BD-8630-6FB57F33713C}"/>
+              </a:ext>
+            </a:extLst>
+          </p:cNvPr>
+          <p:cNvPicPr>
+            <a:picLocks noChangeAspect="1"/>
+          </p:cNvPicPr>
+          <p:nvPr/>
+        </p:nvPicPr>
+        <p:blipFill>
+          <a:blip r:embed="rId3"/>
+          <a:stretch>
+            <a:fillRect/>
+          </a:stretch>
+        </p:blipFill>
+        <p:spPr>
+          <a:xfrm>
+            <a:off x="122066" y="3156530"/>
+            <a:ext cx="8899867" cy="3436145"/>
+          </a:xfrm>
+          <a:prstGeom prst="rect">
+            <a:avLst/>
+          </a:prstGeom>
+          <a:effectLst>
+            <a:outerShdw blurRad="50800" dist="38100" dir="2700000" algn="tl" rotWithShape="0">
+              <a:prstClr val="black">
+                <a:alpha val="40000"/>
+              </a:prstClr>
+            </a:outerShdw>
+          </a:effectLst>
+        </p:spPr>
+      </p:pic>
+    </p:spTree>
+    <p:extLst>
+      <p:ext uri="{BB962C8B-B14F-4D97-AF65-F5344CB8AC3E}">
+        <p14:creationId xmlns:p14="http://schemas.microsoft.com/office/powerpoint/2010/main" val="4183381899"/>
+      </p:ext>
+    </p:extLst>
+  </p:cSld>
+  <p:clrMapOvr>
+    <a:masterClrMapping/>
+  </p:clrMapOvr>
+  <p:timing>
+    <p:tnLst>
+      <p:par>
+        <p:cTn id="1" dur="indefinite" restart="never" nodeType="tmRoot">
+          <p:childTnLst>
+            <p:seq concurrent="1" nextAc="seek">
+              <p:cTn id="2" dur="indefinite" nodeType="mainSeq">
+                <p:childTnLst>
+                  <p:par>
+                    <p:cTn id="3" fill="hold">
+                      <p:stCondLst>
+                        <p:cond delay="indefinite"/>
+                      </p:stCondLst>
+                      <p:childTnLst>
+                        <p:par>
+                          <p:cTn id="4" fill="hold">
+                            <p:stCondLst>
+                              <p:cond delay="0"/>
+                            </p:stCondLst>
+                            <p:childTnLst>
+                              <p:par>
+                                <p:cTn id="5" presetID="1" presetClass="entr" presetSubtype="0" fill="hold" nodeType="clickEffect">
+                                  <p:stCondLst>
+                                    <p:cond delay="0"/>
+                                  </p:stCondLst>
+                                  <p:childTnLst>
+                                    <p:set>
+                                      <p:cBhvr>
+                                        <p:cTn id="6" dur="1" fill="hold">
+                                          <p:stCondLst>
+                                            <p:cond delay="0"/>
+                                          </p:stCondLst>
+                                        </p:cTn>
+                                        <p:tgtEl>
+                                          <p:spTgt spid="3"/>
+                                        </p:tgtEl>
+                                        <p:attrNameLst>
+                                          <p:attrName>style.visibility</p:attrName>
+                                        </p:attrNameLst>
+                                      </p:cBhvr>
+                                      <p:to>
+                                        <p:strVal val="visible"/>
+                                      </p:to>
+                                    </p:set>
+                                  </p:childTnLst>
+                                </p:cTn>
+                              </p:par>
+                            </p:childTnLst>
+                          </p:cTn>
+                        </p:par>
+                      </p:childTnLst>
+                    </p:cTn>
+                  </p:par>
+                </p:childTnLst>
+              </p:cTn>
+              <p:prevCondLst>
+                <p:cond evt="onPrev" delay="0">
+                  <p:tgtEl>
+                    <p:sldTgt/>
+                  </p:tgtEl>
+                </p:cond>
+              </p:prevCondLst>
+              <p:nextCondLst>
+                <p:cond evt="onNext" delay="0">
+                  <p:tgtEl>
+                    <p:sldTgt/>
+                  </p:tgtEl>
+                </p:cond>
+              </p:nextCondLst>
+            </p:seq>
+          </p:childTnLst>
+        </p:cTn>
+      </p:par>
+    </p:tnLst>
+  </p:timing>
+</p:sld>
+</file>
+
+<file path=ppt/slides/slide8.xml><?xml version="1.0" encoding="utf-8"?>
+<p:sld xmlns:a="http://schemas.openxmlformats.org/drawingml/2006/main" xmlns:r="http://schemas.openxmlformats.org/officeDocument/2006/relationships" xmlns:p="http://schemas.openxmlformats.org/presentationml/2006/main">
+  <p:cSld>
+    <p:spTree>
+      <p:nvGrpSpPr>
+        <p:cNvPr id="1" name=""/>
+        <p:cNvGrpSpPr/>
+        <p:nvPr/>
+      </p:nvGrpSpPr>
+      <p:grpSpPr>
+        <a:xfrm>
+          <a:off x="0" y="0"/>
+          <a:ext cx="0" cy="0"/>
+          <a:chOff x="0" y="0"/>
+          <a:chExt cx="0" cy="0"/>
+        </a:xfrm>
+      </p:grpSpPr>
       <p:sp>
         <p:nvSpPr>
           <p:cNvPr id="2" name="标题 1"/>
@@ -12363,18 +13084,17 @@
           <a:lstStyle/>
           <a:p>
             <a:r>
-              <a:rPr lang="zh-CN" altLang="en-US" dirty="0" smtClean="0"/>
+              <a:rPr lang="zh-CN" altLang="en-US" dirty="0"/>
               <a:t>基于</a:t>
             </a:r>
             <a:r>
-              <a:rPr lang="en-US" altLang="zh-CN" dirty="0" smtClean="0"/>
+              <a:rPr lang="en-US" altLang="zh-CN" dirty="0"/>
               <a:t>WPF</a:t>
             </a:r>
             <a:r>
-              <a:rPr lang="zh-CN" altLang="en-US" dirty="0" smtClean="0"/>
+              <a:rPr lang="zh-CN" altLang="en-US" dirty="0"/>
               <a:t>的编程</a:t>
             </a:r>
-            <a:endParaRPr lang="zh-CN" altLang="en-US" dirty="0"/>
           </a:p>
         </p:txBody>
       </p:sp>
@@ -12399,12 +13119,8 @@
           <a:lstStyle/>
           <a:p>
             <a:r>
-              <a:rPr lang="en-US" altLang="zh-CN" dirty="0" smtClean="0"/>
-              <a:t>Extensible </a:t>
-            </a:r>
-            <a:r>
               <a:rPr lang="en-US" altLang="zh-CN" dirty="0"/>
-              <a:t>Application Markup Language (XAML)</a:t>
+              <a:t>Extensible Application Markup Language (XAML)</a:t>
             </a:r>
             <a:endParaRPr lang="zh-CN" altLang="en-US" dirty="0"/>
           </a:p>
@@ -12450,7 +13166,7 @@
           <a:p>
             <a:pPr algn="ctr"/>
             <a:r>
-              <a:rPr lang="en-US" altLang="zh-CN" dirty="0" smtClean="0">
+              <a:rPr lang="en-US" altLang="zh-CN" dirty="0">
                 <a:solidFill>
                   <a:srgbClr val="FF0000"/>
                 </a:solidFill>
@@ -12499,7 +13215,7 @@
           <a:lstStyle/>
           <a:p>
             <a:r>
-              <a:rPr lang="en-US" altLang="zh-CN" dirty="0" err="1" smtClean="0"/>
+              <a:rPr lang="en-US" altLang="zh-CN" dirty="0" err="1"/>
               <a:t>Form.cs</a:t>
             </a:r>
             <a:endParaRPr lang="zh-CN" altLang="en-US" dirty="0"/>
@@ -12546,7 +13262,7 @@
           <a:p>
             <a:pPr algn="ctr"/>
             <a:r>
-              <a:rPr lang="en-US" altLang="zh-CN" dirty="0" smtClean="0">
+              <a:rPr lang="en-US" altLang="zh-CN" dirty="0">
                 <a:solidFill>
                   <a:srgbClr val="FF0000"/>
                 </a:solidFill>
@@ -12595,7 +13311,7 @@
           <a:lstStyle/>
           <a:p>
             <a:r>
-              <a:rPr lang="en-US" altLang="zh-CN" dirty="0" err="1" smtClean="0"/>
+              <a:rPr lang="en-US" altLang="zh-CN" dirty="0" err="1"/>
               <a:t>Form.Designer.cs</a:t>
             </a:r>
             <a:endParaRPr lang="zh-CN" altLang="en-US" dirty="0"/>
@@ -12642,7 +13358,7 @@
           <a:p>
             <a:pPr algn="ctr"/>
             <a:r>
-              <a:rPr lang="en-US" altLang="zh-CN" dirty="0" smtClean="0">
+              <a:rPr lang="en-US" altLang="zh-CN" dirty="0">
                 <a:solidFill>
                   <a:srgbClr val="FF0000"/>
                 </a:solidFill>
@@ -12691,7 +13407,7 @@
           <a:lstStyle/>
           <a:p>
             <a:r>
-              <a:rPr lang="en-US" altLang="zh-CN" dirty="0" err="1" smtClean="0"/>
+              <a:rPr lang="en-US" altLang="zh-CN" dirty="0" err="1"/>
               <a:t>Form.xaml</a:t>
             </a:r>
             <a:endParaRPr lang="zh-CN" altLang="en-US" dirty="0"/>
@@ -12738,7 +13454,7 @@
           <a:p>
             <a:pPr algn="ctr"/>
             <a:r>
-              <a:rPr lang="en-US" altLang="zh-CN" dirty="0" smtClean="0">
+              <a:rPr lang="en-US" altLang="zh-CN" dirty="0">
                 <a:solidFill>
                   <a:srgbClr val="FF0000"/>
                 </a:solidFill>
@@ -12787,7 +13503,7 @@
           <a:lstStyle/>
           <a:p>
             <a:r>
-              <a:rPr lang="en-US" altLang="zh-CN" dirty="0" err="1" smtClean="0"/>
+              <a:rPr lang="en-US" altLang="zh-CN" dirty="0" err="1"/>
               <a:t>Form.xaml.cs</a:t>
             </a:r>
             <a:endParaRPr lang="zh-CN" altLang="en-US" dirty="0"/>
@@ -12817,18 +13533,17 @@
           <a:lstStyle/>
           <a:p>
             <a:r>
-              <a:rPr lang="zh-CN" altLang="en-US" dirty="0" smtClean="0"/>
+              <a:rPr lang="zh-CN" altLang="en-US" dirty="0"/>
               <a:t>基于</a:t>
             </a:r>
             <a:r>
-              <a:rPr lang="en-US" altLang="zh-CN" dirty="0" err="1" smtClean="0"/>
+              <a:rPr lang="en-US" altLang="zh-CN" dirty="0" err="1"/>
               <a:t>WinForm</a:t>
             </a:r>
             <a:r>
-              <a:rPr lang="zh-CN" altLang="en-US" dirty="0" smtClean="0"/>
+              <a:rPr lang="zh-CN" altLang="en-US" dirty="0"/>
               <a:t>的代码结构</a:t>
             </a:r>
-            <a:endParaRPr lang="zh-CN" altLang="en-US" dirty="0"/>
           </a:p>
         </p:txBody>
       </p:sp>
@@ -12855,18 +13570,17 @@
           <a:lstStyle/>
           <a:p>
             <a:r>
-              <a:rPr lang="zh-CN" altLang="en-US" dirty="0" smtClean="0"/>
+              <a:rPr lang="zh-CN" altLang="en-US" dirty="0"/>
               <a:t>基于</a:t>
             </a:r>
             <a:r>
-              <a:rPr lang="en-US" altLang="zh-CN" dirty="0" smtClean="0"/>
+              <a:rPr lang="en-US" altLang="zh-CN" dirty="0"/>
               <a:t>WPF</a:t>
             </a:r>
             <a:r>
-              <a:rPr lang="zh-CN" altLang="en-US" dirty="0" smtClean="0"/>
+              <a:rPr lang="zh-CN" altLang="en-US" dirty="0"/>
               <a:t>的代码结构</a:t>
             </a:r>
-            <a:endParaRPr lang="zh-CN" altLang="en-US" dirty="0"/>
           </a:p>
         </p:txBody>
       </p:sp>
@@ -12880,17 +13594,10 @@
   <p:clrMapOvr>
     <a:masterClrMapping/>
   </p:clrMapOvr>
-  <p:timing>
-    <p:tnLst>
-      <p:par>
-        <p:cTn id="1" dur="indefinite" restart="never" nodeType="tmRoot"/>
-      </p:par>
-    </p:tnLst>
-  </p:timing>
 </p:sld>
 </file>
 
-<file path=ppt/slides/slide7.xml><?xml version="1.0" encoding="utf-8"?>
+<file path=ppt/slides/slide9.xml><?xml version="1.0" encoding="utf-8"?>
 <p:sld xmlns:a="http://schemas.openxmlformats.org/drawingml/2006/main" xmlns:r="http://schemas.openxmlformats.org/officeDocument/2006/relationships" xmlns:p="http://schemas.openxmlformats.org/presentationml/2006/main">
   <p:cSld>
     <p:spTree>
@@ -12923,18 +13630,17 @@
           <a:lstStyle/>
           <a:p>
             <a:r>
-              <a:rPr lang="zh-CN" altLang="en-US" dirty="0" smtClean="0"/>
+              <a:rPr lang="zh-CN" altLang="en-US" dirty="0"/>
               <a:t>基于</a:t>
             </a:r>
             <a:r>
-              <a:rPr lang="en-US" altLang="zh-CN" dirty="0" smtClean="0"/>
+              <a:rPr lang="en-US" altLang="zh-CN" dirty="0"/>
               <a:t>WPF</a:t>
             </a:r>
             <a:r>
-              <a:rPr lang="zh-CN" altLang="en-US" dirty="0" smtClean="0"/>
+              <a:rPr lang="zh-CN" altLang="en-US" dirty="0"/>
               <a:t>的编程</a:t>
             </a:r>
-            <a:endParaRPr lang="zh-CN" altLang="en-US" dirty="0"/>
           </a:p>
         </p:txBody>
       </p:sp>
@@ -13142,36 +13848,22 @@
                 <a:latin typeface="Courier New" panose="02070309020205020404" pitchFamily="49" charset="0"/>
                 <a:cs typeface="Courier New" panose="02070309020205020404" pitchFamily="49" charset="0"/>
               </a:rPr>
-              <a:t>" Height="143" Width="319</a:t>
-            </a:r>
-            <a:r>
-              <a:rPr lang="en-US" altLang="zh-CN" sz="1100" dirty="0" smtClean="0">
-                <a:latin typeface="Courier New" panose="02070309020205020404" pitchFamily="49" charset="0"/>
-                <a:cs typeface="Courier New" panose="02070309020205020404" pitchFamily="49" charset="0"/>
-              </a:rPr>
-              <a:t>"&gt;</a:t>
-            </a:r>
-          </a:p>
-          <a:p>
-            <a:endParaRPr lang="en-US" altLang="zh-CN" sz="1100" dirty="0" smtClean="0">
+              <a:t>" Height="143" Width="319"&gt;</a:t>
+            </a:r>
+          </a:p>
+          <a:p>
+            <a:endParaRPr lang="en-US" altLang="zh-CN" sz="1100" dirty="0">
               <a:latin typeface="Courier New" panose="02070309020205020404" pitchFamily="49" charset="0"/>
               <a:cs typeface="Courier New" panose="02070309020205020404" pitchFamily="49" charset="0"/>
             </a:endParaRPr>
           </a:p>
           <a:p>
-            <a:r>
-              <a:rPr lang="en-US" altLang="zh-CN" sz="1100" dirty="0" smtClean="0">
-                <a:latin typeface="Courier New" panose="02070309020205020404" pitchFamily="49" charset="0"/>
-                <a:cs typeface="Courier New" panose="02070309020205020404" pitchFamily="49" charset="0"/>
-              </a:rPr>
-              <a:t>  </a:t>
-            </a:r>
             <a:r>
               <a:rPr lang="en-US" altLang="zh-CN" sz="1100" dirty="0">
                 <a:latin typeface="Courier New" panose="02070309020205020404" pitchFamily="49" charset="0"/>
                 <a:cs typeface="Courier New" panose="02070309020205020404" pitchFamily="49" charset="0"/>
               </a:rPr>
-              <a:t>&lt;!--</a:t>
+              <a:t>  &lt;!--</a:t>
             </a:r>
             <a:r>
               <a:rPr lang="en-US" altLang="zh-CN" sz="1100" dirty="0" err="1">
@@ -13431,7 +14123,7 @@
               <a:t>DockPanel</a:t>
             </a:r>
             <a:r>
-              <a:rPr lang="en-US" altLang="zh-CN" sz="1100" dirty="0" smtClean="0">
+              <a:rPr lang="en-US" altLang="zh-CN" sz="1100" dirty="0">
                 <a:latin typeface="Courier New" panose="02070309020205020404" pitchFamily="49" charset="0"/>
                 <a:cs typeface="Courier New" panose="02070309020205020404" pitchFamily="49" charset="0"/>
               </a:rPr>
@@ -13439,25 +14131,18 @@
             </a:r>
           </a:p>
           <a:p>
-            <a:endParaRPr lang="en-US" altLang="zh-CN" sz="1100" dirty="0" smtClean="0">
+            <a:endParaRPr lang="en-US" altLang="zh-CN" sz="1100" dirty="0">
               <a:latin typeface="Courier New" panose="02070309020205020404" pitchFamily="49" charset="0"/>
               <a:cs typeface="Courier New" panose="02070309020205020404" pitchFamily="49" charset="0"/>
             </a:endParaRPr>
           </a:p>
           <a:p>
-            <a:r>
-              <a:rPr lang="en-US" altLang="zh-CN" sz="1100" dirty="0" smtClean="0">
-                <a:latin typeface="Courier New" panose="02070309020205020404" pitchFamily="49" charset="0"/>
-                <a:cs typeface="Courier New" panose="02070309020205020404" pitchFamily="49" charset="0"/>
-              </a:rPr>
-              <a:t>&lt;/</a:t>
-            </a:r>
             <a:r>
               <a:rPr lang="en-US" altLang="zh-CN" sz="1100" dirty="0">
                 <a:latin typeface="Courier New" panose="02070309020205020404" pitchFamily="49" charset="0"/>
                 <a:cs typeface="Courier New" panose="02070309020205020404" pitchFamily="49" charset="0"/>
               </a:rPr>
-              <a:t>Window&gt;</a:t>
+              <a:t>&lt;/Window&gt;</a:t>
             </a:r>
             <a:endParaRPr lang="zh-CN" altLang="en-US" sz="1100" dirty="0">
               <a:latin typeface="Courier New" panose="02070309020205020404" pitchFamily="49" charset="0"/>
@@ -13500,428 +14185,6 @@
   <p:clrMapOvr>
     <a:masterClrMapping/>
   </p:clrMapOvr>
-  <p:timing>
-    <p:tnLst>
-      <p:par>
-        <p:cTn id="1" dur="indefinite" restart="never" nodeType="tmRoot"/>
-      </p:par>
-    </p:tnLst>
-  </p:timing>
-</p:sld>
-</file>
-
-<file path=ppt/slides/slide8.xml><?xml version="1.0" encoding="utf-8"?>
-<p:sld xmlns:a="http://schemas.openxmlformats.org/drawingml/2006/main" xmlns:r="http://schemas.openxmlformats.org/officeDocument/2006/relationships" xmlns:p="http://schemas.openxmlformats.org/presentationml/2006/main">
-  <p:cSld>
-    <p:spTree>
-      <p:nvGrpSpPr>
-        <p:cNvPr id="1" name=""/>
-        <p:cNvGrpSpPr/>
-        <p:nvPr/>
-      </p:nvGrpSpPr>
-      <p:grpSpPr>
-        <a:xfrm>
-          <a:off x="0" y="0"/>
-          <a:ext cx="0" cy="0"/>
-          <a:chOff x="0" y="0"/>
-          <a:chExt cx="0" cy="0"/>
-        </a:xfrm>
-      </p:grpSpPr>
-      <p:sp>
-        <p:nvSpPr>
-          <p:cNvPr id="2" name="标题 1"/>
-          <p:cNvSpPr>
-            <a:spLocks noGrp="1"/>
-          </p:cNvSpPr>
-          <p:nvPr>
-            <p:ph type="title"/>
-          </p:nvPr>
-        </p:nvSpPr>
-        <p:spPr/>
-        <p:txBody>
-          <a:bodyPr/>
-          <a:lstStyle/>
-          <a:p>
-            <a:r>
-              <a:rPr lang="zh-CN" altLang="en-US" dirty="0" smtClean="0"/>
-              <a:t>基于</a:t>
-            </a:r>
-            <a:r>
-              <a:rPr lang="en-US" altLang="zh-CN" dirty="0" smtClean="0"/>
-              <a:t>WPF</a:t>
-            </a:r>
-            <a:r>
-              <a:rPr lang="zh-CN" altLang="en-US" dirty="0" smtClean="0"/>
-              <a:t>的编程</a:t>
-            </a:r>
-            <a:endParaRPr lang="zh-CN" altLang="en-US" dirty="0"/>
-          </a:p>
-        </p:txBody>
-      </p:sp>
-      <p:sp>
-        <p:nvSpPr>
-          <p:cNvPr id="3" name="内容占位符 2"/>
-          <p:cNvSpPr>
-            <a:spLocks noGrp="1"/>
-          </p:cNvSpPr>
-          <p:nvPr>
-            <p:ph idx="1"/>
-          </p:nvPr>
-        </p:nvSpPr>
-        <p:spPr>
-          <a:xfrm>
-            <a:off x="1942415" y="2133600"/>
-            <a:ext cx="6591985" cy="723900"/>
-          </a:xfrm>
-        </p:spPr>
-        <p:txBody>
-          <a:bodyPr/>
-          <a:lstStyle/>
-          <a:p>
-            <a:r>
-              <a:rPr lang="en-US" altLang="zh-CN" dirty="0" smtClean="0"/>
-              <a:t>Expression Blend</a:t>
-            </a:r>
-          </a:p>
-        </p:txBody>
-      </p:sp>
-      <p:pic>
-        <p:nvPicPr>
-          <p:cNvPr id="5" name="图片 4"/>
-          <p:cNvPicPr>
-            <a:picLocks noChangeAspect="1"/>
-          </p:cNvPicPr>
-          <p:nvPr/>
-        </p:nvPicPr>
-        <p:blipFill>
-          <a:blip r:embed="rId2"/>
-          <a:stretch>
-            <a:fillRect/>
-          </a:stretch>
-        </p:blipFill>
-        <p:spPr>
-          <a:xfrm>
-            <a:off x="3057524" y="3086100"/>
-            <a:ext cx="5343525" cy="3350693"/>
-          </a:xfrm>
-          <a:prstGeom prst="rect">
-            <a:avLst/>
-          </a:prstGeom>
-        </p:spPr>
-      </p:pic>
-    </p:spTree>
-    <p:extLst>
-      <p:ext uri="{BB962C8B-B14F-4D97-AF65-F5344CB8AC3E}">
-        <p14:creationId xmlns:p14="http://schemas.microsoft.com/office/powerpoint/2010/main" val="1985862768"/>
-      </p:ext>
-    </p:extLst>
-  </p:cSld>
-  <p:clrMapOvr>
-    <a:masterClrMapping/>
-  </p:clrMapOvr>
-  <p:timing>
-    <p:tnLst>
-      <p:par>
-        <p:cTn id="1" dur="indefinite" restart="never" nodeType="tmRoot"/>
-      </p:par>
-    </p:tnLst>
-  </p:timing>
-</p:sld>
-</file>
-
-<file path=ppt/slides/slide9.xml><?xml version="1.0" encoding="utf-8"?>
-<p:sld xmlns:a="http://schemas.openxmlformats.org/drawingml/2006/main" xmlns:r="http://schemas.openxmlformats.org/officeDocument/2006/relationships" xmlns:p="http://schemas.openxmlformats.org/presentationml/2006/main">
-  <p:cSld>
-    <p:spTree>
-      <p:nvGrpSpPr>
-        <p:cNvPr id="1" name=""/>
-        <p:cNvGrpSpPr/>
-        <p:nvPr/>
-      </p:nvGrpSpPr>
-      <p:grpSpPr>
-        <a:xfrm>
-          <a:off x="0" y="0"/>
-          <a:ext cx="0" cy="0"/>
-          <a:chOff x="0" y="0"/>
-          <a:chExt cx="0" cy="0"/>
-        </a:xfrm>
-      </p:grpSpPr>
-      <p:sp>
-        <p:nvSpPr>
-          <p:cNvPr id="2" name="标题 1"/>
-          <p:cNvSpPr>
-            <a:spLocks noGrp="1"/>
-          </p:cNvSpPr>
-          <p:nvPr>
-            <p:ph type="title"/>
-          </p:nvPr>
-        </p:nvSpPr>
-        <p:spPr/>
-        <p:txBody>
-          <a:bodyPr/>
-          <a:lstStyle/>
-          <a:p>
-            <a:r>
-              <a:rPr lang="zh-CN" altLang="en-US" dirty="0" smtClean="0"/>
-              <a:t>基于</a:t>
-            </a:r>
-            <a:r>
-              <a:rPr lang="en-US" altLang="zh-CN" dirty="0" smtClean="0"/>
-              <a:t>WPF</a:t>
-            </a:r>
-            <a:r>
-              <a:rPr lang="zh-CN" altLang="en-US" dirty="0" smtClean="0"/>
-              <a:t>的编程</a:t>
-            </a:r>
-            <a:endParaRPr lang="zh-CN" altLang="en-US" dirty="0"/>
-          </a:p>
-        </p:txBody>
-      </p:sp>
-      <p:sp>
-        <p:nvSpPr>
-          <p:cNvPr id="3" name="内容占位符 2"/>
-          <p:cNvSpPr>
-            <a:spLocks noGrp="1"/>
-          </p:cNvSpPr>
-          <p:nvPr>
-            <p:ph idx="1"/>
-          </p:nvPr>
-        </p:nvSpPr>
-        <p:spPr/>
-        <p:txBody>
-          <a:bodyPr/>
-          <a:lstStyle/>
-          <a:p>
-            <a:r>
-              <a:rPr lang="en-US" altLang="zh-CN" dirty="0" smtClean="0"/>
-              <a:t>WPF</a:t>
-            </a:r>
-            <a:r>
-              <a:rPr lang="zh-CN" altLang="en-US" dirty="0" smtClean="0"/>
-              <a:t>的界面布局机制</a:t>
-            </a:r>
-            <a:r>
-              <a:rPr lang="en-US" altLang="zh-CN" dirty="0" smtClean="0"/>
-              <a:t>——Layout System</a:t>
-            </a:r>
-            <a:endParaRPr lang="zh-CN" altLang="en-US" dirty="0"/>
-          </a:p>
-        </p:txBody>
-      </p:sp>
-      <p:sp>
-        <p:nvSpPr>
-          <p:cNvPr id="4" name="矩形 3"/>
-          <p:cNvSpPr/>
-          <p:nvPr/>
-        </p:nvSpPr>
-        <p:spPr>
-          <a:xfrm>
-            <a:off x="2052294" y="3342895"/>
-            <a:ext cx="6372225" cy="1615827"/>
-          </a:xfrm>
-          <a:prstGeom prst="rect">
-            <a:avLst/>
-          </a:prstGeom>
-        </p:spPr>
-        <p:style>
-          <a:lnRef idx="2">
-            <a:schemeClr val="dk1">
-              <a:shade val="50000"/>
-            </a:schemeClr>
-          </a:lnRef>
-          <a:fillRef idx="1">
-            <a:schemeClr val="dk1"/>
-          </a:fillRef>
-          <a:effectRef idx="0">
-            <a:schemeClr val="dk1"/>
-          </a:effectRef>
-          <a:fontRef idx="minor">
-            <a:schemeClr val="lt1"/>
-          </a:fontRef>
-        </p:style>
-        <p:txBody>
-          <a:bodyPr wrap="square">
-            <a:spAutoFit/>
-          </a:bodyPr>
-          <a:lstStyle/>
-          <a:p>
-            <a:r>
-              <a:rPr lang="en-US" altLang="zh-CN" sz="1100" dirty="0">
-                <a:latin typeface="Courier New" panose="02070309020205020404" pitchFamily="49" charset="0"/>
-                <a:cs typeface="Courier New" panose="02070309020205020404" pitchFamily="49" charset="0"/>
-              </a:rPr>
-              <a:t>&lt;Window</a:t>
-            </a:r>
-          </a:p>
-          <a:p>
-            <a:r>
-              <a:rPr lang="en-US" altLang="zh-CN" sz="1100" dirty="0">
-                <a:latin typeface="Courier New" panose="02070309020205020404" pitchFamily="49" charset="0"/>
-                <a:cs typeface="Courier New" panose="02070309020205020404" pitchFamily="49" charset="0"/>
-              </a:rPr>
-              <a:t>    </a:t>
-            </a:r>
-            <a:r>
-              <a:rPr lang="en-US" altLang="zh-CN" sz="1100" dirty="0" err="1">
-                <a:latin typeface="Courier New" panose="02070309020205020404" pitchFamily="49" charset="0"/>
-                <a:cs typeface="Courier New" panose="02070309020205020404" pitchFamily="49" charset="0"/>
-              </a:rPr>
-              <a:t>xmlns</a:t>
-            </a:r>
-            <a:r>
-              <a:rPr lang="en-US" altLang="zh-CN" sz="1100" dirty="0">
-                <a:latin typeface="Courier New" panose="02070309020205020404" pitchFamily="49" charset="0"/>
-                <a:cs typeface="Courier New" panose="02070309020205020404" pitchFamily="49" charset="0"/>
-              </a:rPr>
-              <a:t>="http://schemas.microsoft.com/</a:t>
-            </a:r>
-            <a:r>
-              <a:rPr lang="en-US" altLang="zh-CN" sz="1100" dirty="0" err="1">
-                <a:latin typeface="Courier New" panose="02070309020205020404" pitchFamily="49" charset="0"/>
-                <a:cs typeface="Courier New" panose="02070309020205020404" pitchFamily="49" charset="0"/>
-              </a:rPr>
-              <a:t>winfx</a:t>
-            </a:r>
-            <a:r>
-              <a:rPr lang="en-US" altLang="zh-CN" sz="1100" dirty="0">
-                <a:latin typeface="Courier New" panose="02070309020205020404" pitchFamily="49" charset="0"/>
-                <a:cs typeface="Courier New" panose="02070309020205020404" pitchFamily="49" charset="0"/>
-              </a:rPr>
-              <a:t>/2006/</a:t>
-            </a:r>
-            <a:r>
-              <a:rPr lang="en-US" altLang="zh-CN" sz="1100" dirty="0" err="1">
-                <a:latin typeface="Courier New" panose="02070309020205020404" pitchFamily="49" charset="0"/>
-                <a:cs typeface="Courier New" panose="02070309020205020404" pitchFamily="49" charset="0"/>
-              </a:rPr>
-              <a:t>xaml</a:t>
-            </a:r>
-            <a:r>
-              <a:rPr lang="en-US" altLang="zh-CN" sz="1100" dirty="0">
-                <a:latin typeface="Courier New" panose="02070309020205020404" pitchFamily="49" charset="0"/>
-                <a:cs typeface="Courier New" panose="02070309020205020404" pitchFamily="49" charset="0"/>
-              </a:rPr>
-              <a:t>/presentation"</a:t>
-            </a:r>
-          </a:p>
-          <a:p>
-            <a:r>
-              <a:rPr lang="en-US" altLang="zh-CN" sz="1100" dirty="0">
-                <a:latin typeface="Courier New" panose="02070309020205020404" pitchFamily="49" charset="0"/>
-                <a:cs typeface="Courier New" panose="02070309020205020404" pitchFamily="49" charset="0"/>
-              </a:rPr>
-              <a:t>    Title="Window with Button"</a:t>
-            </a:r>
-          </a:p>
-          <a:p>
-            <a:r>
-              <a:rPr lang="en-US" altLang="zh-CN" sz="1100" dirty="0">
-                <a:latin typeface="Courier New" panose="02070309020205020404" pitchFamily="49" charset="0"/>
-                <a:cs typeface="Courier New" panose="02070309020205020404" pitchFamily="49" charset="0"/>
-              </a:rPr>
-              <a:t>    Width="250" Height="100"&gt;</a:t>
-            </a:r>
-          </a:p>
-          <a:p>
-            <a:endParaRPr lang="en-US" altLang="zh-CN" sz="1100" dirty="0">
-              <a:latin typeface="Courier New" panose="02070309020205020404" pitchFamily="49" charset="0"/>
-              <a:cs typeface="Courier New" panose="02070309020205020404" pitchFamily="49" charset="0"/>
-            </a:endParaRPr>
-          </a:p>
-          <a:p>
-            <a:r>
-              <a:rPr lang="en-US" altLang="zh-CN" sz="1100" dirty="0">
-                <a:latin typeface="Courier New" panose="02070309020205020404" pitchFamily="49" charset="0"/>
-                <a:cs typeface="Courier New" panose="02070309020205020404" pitchFamily="49" charset="0"/>
-              </a:rPr>
-              <a:t>  &lt;!-- Add button to window --&gt;</a:t>
-            </a:r>
-          </a:p>
-          <a:p>
-            <a:r>
-              <a:rPr lang="en-US" altLang="zh-CN" sz="1100" dirty="0">
-                <a:latin typeface="Courier New" panose="02070309020205020404" pitchFamily="49" charset="0"/>
-                <a:cs typeface="Courier New" panose="02070309020205020404" pitchFamily="49" charset="0"/>
-              </a:rPr>
-              <a:t>  &lt;</a:t>
-            </a:r>
-            <a:r>
-              <a:rPr lang="en-US" altLang="zh-CN" sz="1100" dirty="0" smtClean="0">
-                <a:latin typeface="Courier New" panose="02070309020205020404" pitchFamily="49" charset="0"/>
-                <a:cs typeface="Courier New" panose="02070309020205020404" pitchFamily="49" charset="0"/>
-              </a:rPr>
-              <a:t>Button&gt;Click </a:t>
-            </a:r>
-            <a:r>
-              <a:rPr lang="en-US" altLang="zh-CN" sz="1100" dirty="0">
-                <a:latin typeface="Courier New" panose="02070309020205020404" pitchFamily="49" charset="0"/>
-                <a:cs typeface="Courier New" panose="02070309020205020404" pitchFamily="49" charset="0"/>
-              </a:rPr>
-              <a:t>Me!&lt;/Button&gt;</a:t>
-            </a:r>
-          </a:p>
-          <a:p>
-            <a:endParaRPr lang="en-US" altLang="zh-CN" sz="1100" dirty="0">
-              <a:latin typeface="Courier New" panose="02070309020205020404" pitchFamily="49" charset="0"/>
-              <a:cs typeface="Courier New" panose="02070309020205020404" pitchFamily="49" charset="0"/>
-            </a:endParaRPr>
-          </a:p>
-          <a:p>
-            <a:r>
-              <a:rPr lang="en-US" altLang="zh-CN" sz="1100" dirty="0">
-                <a:latin typeface="Courier New" panose="02070309020205020404" pitchFamily="49" charset="0"/>
-                <a:cs typeface="Courier New" panose="02070309020205020404" pitchFamily="49" charset="0"/>
-              </a:rPr>
-              <a:t>&lt;/Window&gt;</a:t>
-            </a:r>
-            <a:endParaRPr lang="zh-CN" altLang="en-US" sz="1100" dirty="0">
-              <a:latin typeface="Courier New" panose="02070309020205020404" pitchFamily="49" charset="0"/>
-              <a:cs typeface="Courier New" panose="02070309020205020404" pitchFamily="49" charset="0"/>
-            </a:endParaRPr>
-          </a:p>
-        </p:txBody>
-      </p:sp>
-      <p:pic>
-        <p:nvPicPr>
-          <p:cNvPr id="5" name="图片 4"/>
-          <p:cNvPicPr>
-            <a:picLocks noChangeAspect="1"/>
-          </p:cNvPicPr>
-          <p:nvPr/>
-        </p:nvPicPr>
-        <p:blipFill>
-          <a:blip r:embed="rId2"/>
-          <a:stretch>
-            <a:fillRect/>
-          </a:stretch>
-        </p:blipFill>
-        <p:spPr>
-          <a:xfrm>
-            <a:off x="4043018" y="5354589"/>
-            <a:ext cx="2390775" cy="838200"/>
-          </a:xfrm>
-          <a:prstGeom prst="rect">
-            <a:avLst/>
-          </a:prstGeom>
-        </p:spPr>
-      </p:pic>
-    </p:spTree>
-    <p:extLst>
-      <p:ext uri="{BB962C8B-B14F-4D97-AF65-F5344CB8AC3E}">
-        <p14:creationId xmlns:p14="http://schemas.microsoft.com/office/powerpoint/2010/main" val="3519366127"/>
-      </p:ext>
-    </p:extLst>
-  </p:cSld>
-  <p:clrMapOvr>
-    <a:masterClrMapping/>
-  </p:clrMapOvr>
-  <p:timing>
-    <p:tnLst>
-      <p:par>
-        <p:cTn id="1" dur="indefinite" restart="never" nodeType="tmRoot"/>
-      </p:par>
-    </p:tnLst>
-  </p:timing>
 </p:sld>
 </file>
 
